--- a/은영전 프로젝트 이미지들/은영전 프로젝트 이미지들.pptx
+++ b/은영전 프로젝트 이미지들/은영전 프로젝트 이미지들.pptx
@@ -10,6 +10,8 @@
     <p:sldId id="258" r:id="rId4"/>
     <p:sldId id="259" r:id="rId5"/>
     <p:sldId id="260" r:id="rId6"/>
+    <p:sldId id="261" r:id="rId7"/>
+    <p:sldId id="262" r:id="rId8"/>
   </p:sldIdLst>
   <p:sldSz cx="12192000" cy="6858000"/>
   <p:notesSz cx="6858000" cy="9144000"/>
@@ -108,6 +110,11 @@
       </a:defRPr>
     </a:lvl9pPr>
   </p:defaultTextStyle>
+  <p:extLst>
+    <p:ext uri="{EFAFB233-063F-42B5-8137-9DF3F51BA10A}">
+      <p15:sldGuideLst xmlns:p15="http://schemas.microsoft.com/office/powerpoint/2012/main"/>
+    </p:ext>
+  </p:extLst>
 </p:presentation>
 </file>
 
@@ -258,7 +265,7 @@
           <a:p>
             <a:fld id="{1424BBC4-18C1-4FD5-A6CD-E88D0DC8D19B}" type="datetimeFigureOut">
               <a:rPr lang="ko-KR" altLang="en-US" smtClean="0"/>
-              <a:t>2020-01-09</a:t>
+              <a:t>2020-03-02</a:t>
             </a:fld>
             <a:endParaRPr lang="ko-KR" altLang="en-US"/>
           </a:p>
@@ -456,7 +463,7 @@
           <a:p>
             <a:fld id="{1424BBC4-18C1-4FD5-A6CD-E88D0DC8D19B}" type="datetimeFigureOut">
               <a:rPr lang="ko-KR" altLang="en-US" smtClean="0"/>
-              <a:t>2020-01-09</a:t>
+              <a:t>2020-03-02</a:t>
             </a:fld>
             <a:endParaRPr lang="ko-KR" altLang="en-US"/>
           </a:p>
@@ -664,7 +671,7 @@
           <a:p>
             <a:fld id="{1424BBC4-18C1-4FD5-A6CD-E88D0DC8D19B}" type="datetimeFigureOut">
               <a:rPr lang="ko-KR" altLang="en-US" smtClean="0"/>
-              <a:t>2020-01-09</a:t>
+              <a:t>2020-03-02</a:t>
             </a:fld>
             <a:endParaRPr lang="ko-KR" altLang="en-US"/>
           </a:p>
@@ -862,7 +869,7 @@
           <a:p>
             <a:fld id="{1424BBC4-18C1-4FD5-A6CD-E88D0DC8D19B}" type="datetimeFigureOut">
               <a:rPr lang="ko-KR" altLang="en-US" smtClean="0"/>
-              <a:t>2020-01-09</a:t>
+              <a:t>2020-03-02</a:t>
             </a:fld>
             <a:endParaRPr lang="ko-KR" altLang="en-US"/>
           </a:p>
@@ -1137,7 +1144,7 @@
           <a:p>
             <a:fld id="{1424BBC4-18C1-4FD5-A6CD-E88D0DC8D19B}" type="datetimeFigureOut">
               <a:rPr lang="ko-KR" altLang="en-US" smtClean="0"/>
-              <a:t>2020-01-09</a:t>
+              <a:t>2020-03-02</a:t>
             </a:fld>
             <a:endParaRPr lang="ko-KR" altLang="en-US"/>
           </a:p>
@@ -1402,7 +1409,7 @@
           <a:p>
             <a:fld id="{1424BBC4-18C1-4FD5-A6CD-E88D0DC8D19B}" type="datetimeFigureOut">
               <a:rPr lang="ko-KR" altLang="en-US" smtClean="0"/>
-              <a:t>2020-01-09</a:t>
+              <a:t>2020-03-02</a:t>
             </a:fld>
             <a:endParaRPr lang="ko-KR" altLang="en-US"/>
           </a:p>
@@ -1814,7 +1821,7 @@
           <a:p>
             <a:fld id="{1424BBC4-18C1-4FD5-A6CD-E88D0DC8D19B}" type="datetimeFigureOut">
               <a:rPr lang="ko-KR" altLang="en-US" smtClean="0"/>
-              <a:t>2020-01-09</a:t>
+              <a:t>2020-03-02</a:t>
             </a:fld>
             <a:endParaRPr lang="ko-KR" altLang="en-US"/>
           </a:p>
@@ -1955,7 +1962,7 @@
           <a:p>
             <a:fld id="{1424BBC4-18C1-4FD5-A6CD-E88D0DC8D19B}" type="datetimeFigureOut">
               <a:rPr lang="ko-KR" altLang="en-US" smtClean="0"/>
-              <a:t>2020-01-09</a:t>
+              <a:t>2020-03-02</a:t>
             </a:fld>
             <a:endParaRPr lang="ko-KR" altLang="en-US"/>
           </a:p>
@@ -2068,7 +2075,7 @@
           <a:p>
             <a:fld id="{1424BBC4-18C1-4FD5-A6CD-E88D0DC8D19B}" type="datetimeFigureOut">
               <a:rPr lang="ko-KR" altLang="en-US" smtClean="0"/>
-              <a:t>2020-01-09</a:t>
+              <a:t>2020-03-02</a:t>
             </a:fld>
             <a:endParaRPr lang="ko-KR" altLang="en-US"/>
           </a:p>
@@ -2379,7 +2386,7 @@
           <a:p>
             <a:fld id="{1424BBC4-18C1-4FD5-A6CD-E88D0DC8D19B}" type="datetimeFigureOut">
               <a:rPr lang="ko-KR" altLang="en-US" smtClean="0"/>
-              <a:t>2020-01-09</a:t>
+              <a:t>2020-03-02</a:t>
             </a:fld>
             <a:endParaRPr lang="ko-KR" altLang="en-US"/>
           </a:p>
@@ -2667,7 +2674,7 @@
           <a:p>
             <a:fld id="{1424BBC4-18C1-4FD5-A6CD-E88D0DC8D19B}" type="datetimeFigureOut">
               <a:rPr lang="ko-KR" altLang="en-US" smtClean="0"/>
-              <a:t>2020-01-09</a:t>
+              <a:t>2020-03-02</a:t>
             </a:fld>
             <a:endParaRPr lang="ko-KR" altLang="en-US"/>
           </a:p>
@@ -2908,7 +2915,7 @@
           <a:p>
             <a:fld id="{1424BBC4-18C1-4FD5-A6CD-E88D0DC8D19B}" type="datetimeFigureOut">
               <a:rPr lang="ko-KR" altLang="en-US" smtClean="0"/>
-              <a:t>2020-01-09</a:t>
+              <a:t>2020-03-02</a:t>
             </a:fld>
             <a:endParaRPr lang="ko-KR" altLang="en-US"/>
           </a:p>
@@ -6073,6 +6080,7097 @@
 </p:sld>
 </file>
 
+<file path=ppt/slides/slide6.xml><?xml version="1.0" encoding="utf-8"?>
+<p:sld xmlns:a="http://schemas.openxmlformats.org/drawingml/2006/main" xmlns:r="http://schemas.openxmlformats.org/officeDocument/2006/relationships" xmlns:p="http://schemas.openxmlformats.org/presentationml/2006/main">
+  <p:cSld>
+    <p:spTree>
+      <p:nvGrpSpPr>
+        <p:cNvPr id="1" name=""/>
+        <p:cNvGrpSpPr/>
+        <p:nvPr/>
+      </p:nvGrpSpPr>
+      <p:grpSpPr>
+        <a:xfrm>
+          <a:off x="0" y="0"/>
+          <a:ext cx="0" cy="0"/>
+          <a:chOff x="0" y="0"/>
+          <a:chExt cx="0" cy="0"/>
+        </a:xfrm>
+      </p:grpSpPr>
+      <p:sp>
+        <p:nvSpPr>
+          <p:cNvPr id="4" name="직사각형 3">
+            <a:extLst>
+              <a:ext uri="{FF2B5EF4-FFF2-40B4-BE49-F238E27FC236}">
+                <a16:creationId xmlns:a16="http://schemas.microsoft.com/office/drawing/2014/main" id="{D81D16B0-DA94-44C8-A580-299FE9184357}"/>
+              </a:ext>
+            </a:extLst>
+          </p:cNvPr>
+          <p:cNvSpPr/>
+          <p:nvPr/>
+        </p:nvSpPr>
+        <p:spPr>
+          <a:xfrm>
+            <a:off x="843684" y="323861"/>
+            <a:ext cx="8658904" cy="5530092"/>
+          </a:xfrm>
+          <a:prstGeom prst="rect">
+            <a:avLst/>
+          </a:prstGeom>
+          <a:solidFill>
+            <a:schemeClr val="bg1">
+              <a:lumMod val="95000"/>
+            </a:schemeClr>
+          </a:solidFill>
+          <a:ln w="38100">
+            <a:solidFill>
+              <a:schemeClr val="tx1"/>
+            </a:solidFill>
+          </a:ln>
+        </p:spPr>
+        <p:style>
+          <a:lnRef idx="2">
+            <a:schemeClr val="accent1">
+              <a:shade val="50000"/>
+            </a:schemeClr>
+          </a:lnRef>
+          <a:fillRef idx="1">
+            <a:schemeClr val="accent1"/>
+          </a:fillRef>
+          <a:effectRef idx="0">
+            <a:schemeClr val="accent1"/>
+          </a:effectRef>
+          <a:fontRef idx="minor">
+            <a:schemeClr val="lt1"/>
+          </a:fontRef>
+        </p:style>
+        <p:txBody>
+          <a:bodyPr rtlCol="0" anchor="ctr"/>
+          <a:lstStyle/>
+          <a:p>
+            <a:pPr algn="ctr"/>
+            <a:endParaRPr lang="en-US" altLang="ko-KR" dirty="0">
+              <a:solidFill>
+                <a:schemeClr val="tx1"/>
+              </a:solidFill>
+            </a:endParaRPr>
+          </a:p>
+        </p:txBody>
+      </p:sp>
+      <p:sp>
+        <p:nvSpPr>
+          <p:cNvPr id="5" name="직사각형 4">
+            <a:extLst>
+              <a:ext uri="{FF2B5EF4-FFF2-40B4-BE49-F238E27FC236}">
+                <a16:creationId xmlns:a16="http://schemas.microsoft.com/office/drawing/2014/main" id="{BE41C94A-91FE-4E41-8163-6E5836BB193D}"/>
+              </a:ext>
+            </a:extLst>
+          </p:cNvPr>
+          <p:cNvSpPr/>
+          <p:nvPr/>
+        </p:nvSpPr>
+        <p:spPr>
+          <a:xfrm>
+            <a:off x="1067301" y="458331"/>
+            <a:ext cx="3238186" cy="3432351"/>
+          </a:xfrm>
+          <a:prstGeom prst="rect">
+            <a:avLst/>
+          </a:prstGeom>
+          <a:solidFill>
+            <a:schemeClr val="bg1">
+              <a:lumMod val="95000"/>
+            </a:schemeClr>
+          </a:solidFill>
+          <a:ln w="38100">
+            <a:solidFill>
+              <a:schemeClr val="tx1"/>
+            </a:solidFill>
+          </a:ln>
+        </p:spPr>
+        <p:style>
+          <a:lnRef idx="2">
+            <a:schemeClr val="accent1">
+              <a:shade val="50000"/>
+            </a:schemeClr>
+          </a:lnRef>
+          <a:fillRef idx="1">
+            <a:schemeClr val="accent1"/>
+          </a:fillRef>
+          <a:effectRef idx="0">
+            <a:schemeClr val="accent1"/>
+          </a:effectRef>
+          <a:fontRef idx="minor">
+            <a:schemeClr val="lt1"/>
+          </a:fontRef>
+        </p:style>
+        <p:txBody>
+          <a:bodyPr rtlCol="0" anchor="ctr"/>
+          <a:lstStyle/>
+          <a:p>
+            <a:pPr algn="ctr"/>
+            <a:r>
+              <a:rPr lang="ko-KR" altLang="en-US" dirty="0">
+                <a:solidFill>
+                  <a:schemeClr val="tx1"/>
+                </a:solidFill>
+              </a:rPr>
+              <a:t>행성에 총괄적인 정보들</a:t>
+            </a:r>
+            <a:endParaRPr lang="en-US" altLang="ko-KR" dirty="0">
+              <a:solidFill>
+                <a:schemeClr val="tx1"/>
+              </a:solidFill>
+            </a:endParaRPr>
+          </a:p>
+        </p:txBody>
+      </p:sp>
+      <p:sp>
+        <p:nvSpPr>
+          <p:cNvPr id="6" name="직사각형 5">
+            <a:extLst>
+              <a:ext uri="{FF2B5EF4-FFF2-40B4-BE49-F238E27FC236}">
+                <a16:creationId xmlns:a16="http://schemas.microsoft.com/office/drawing/2014/main" id="{9CC81428-1213-457C-8E58-D9FE1506958E}"/>
+              </a:ext>
+            </a:extLst>
+          </p:cNvPr>
+          <p:cNvSpPr/>
+          <p:nvPr/>
+        </p:nvSpPr>
+        <p:spPr>
+          <a:xfrm>
+            <a:off x="4473888" y="458331"/>
+            <a:ext cx="4867336" cy="3432351"/>
+          </a:xfrm>
+          <a:prstGeom prst="rect">
+            <a:avLst/>
+          </a:prstGeom>
+          <a:solidFill>
+            <a:schemeClr val="bg1">
+              <a:lumMod val="95000"/>
+            </a:schemeClr>
+          </a:solidFill>
+          <a:ln w="38100">
+            <a:solidFill>
+              <a:schemeClr val="tx1"/>
+            </a:solidFill>
+          </a:ln>
+        </p:spPr>
+        <p:style>
+          <a:lnRef idx="2">
+            <a:schemeClr val="accent1">
+              <a:shade val="50000"/>
+            </a:schemeClr>
+          </a:lnRef>
+          <a:fillRef idx="1">
+            <a:schemeClr val="accent1"/>
+          </a:fillRef>
+          <a:effectRef idx="0">
+            <a:schemeClr val="accent1"/>
+          </a:effectRef>
+          <a:fontRef idx="minor">
+            <a:schemeClr val="lt1"/>
+          </a:fontRef>
+        </p:style>
+        <p:txBody>
+          <a:bodyPr rtlCol="0" anchor="ctr"/>
+          <a:lstStyle/>
+          <a:p>
+            <a:pPr algn="ctr"/>
+            <a:endParaRPr lang="en-US" altLang="ko-KR" dirty="0">
+              <a:solidFill>
+                <a:schemeClr val="tx1"/>
+              </a:solidFill>
+            </a:endParaRPr>
+          </a:p>
+        </p:txBody>
+      </p:sp>
+      <p:sp>
+        <p:nvSpPr>
+          <p:cNvPr id="7" name="직사각형 6">
+            <a:extLst>
+              <a:ext uri="{FF2B5EF4-FFF2-40B4-BE49-F238E27FC236}">
+                <a16:creationId xmlns:a16="http://schemas.microsoft.com/office/drawing/2014/main" id="{7BED47B7-4165-4694-91C9-E15C2E17355D}"/>
+              </a:ext>
+            </a:extLst>
+          </p:cNvPr>
+          <p:cNvSpPr/>
+          <p:nvPr/>
+        </p:nvSpPr>
+        <p:spPr>
+          <a:xfrm>
+            <a:off x="1067300" y="4025151"/>
+            <a:ext cx="8273923" cy="1622613"/>
+          </a:xfrm>
+          <a:prstGeom prst="rect">
+            <a:avLst/>
+          </a:prstGeom>
+          <a:solidFill>
+            <a:schemeClr val="bg1">
+              <a:lumMod val="95000"/>
+            </a:schemeClr>
+          </a:solidFill>
+          <a:ln w="38100">
+            <a:solidFill>
+              <a:schemeClr val="tx1"/>
+            </a:solidFill>
+          </a:ln>
+        </p:spPr>
+        <p:style>
+          <a:lnRef idx="2">
+            <a:schemeClr val="accent1">
+              <a:shade val="50000"/>
+            </a:schemeClr>
+          </a:lnRef>
+          <a:fillRef idx="1">
+            <a:schemeClr val="accent1"/>
+          </a:fillRef>
+          <a:effectRef idx="0">
+            <a:schemeClr val="accent1"/>
+          </a:effectRef>
+          <a:fontRef idx="minor">
+            <a:schemeClr val="lt1"/>
+          </a:fontRef>
+        </p:style>
+        <p:txBody>
+          <a:bodyPr rtlCol="0" anchor="ctr"/>
+          <a:lstStyle/>
+          <a:p>
+            <a:pPr algn="ctr"/>
+            <a:r>
+              <a:rPr lang="ko-KR" altLang="en-US" dirty="0">
+                <a:solidFill>
+                  <a:schemeClr val="tx1"/>
+                </a:solidFill>
+              </a:rPr>
+              <a:t>행성 운영</a:t>
+            </a:r>
+            <a:r>
+              <a:rPr lang="en-US" altLang="ko-KR" dirty="0">
+                <a:solidFill>
+                  <a:schemeClr val="tx1"/>
+                </a:solidFill>
+              </a:rPr>
+              <a:t>, </a:t>
+            </a:r>
+            <a:r>
+              <a:rPr lang="ko-KR" altLang="en-US" dirty="0">
+                <a:solidFill>
+                  <a:schemeClr val="tx1"/>
+                </a:solidFill>
+              </a:rPr>
+              <a:t>결정</a:t>
+            </a:r>
+            <a:r>
+              <a:rPr lang="en-US" altLang="ko-KR" dirty="0">
+                <a:solidFill>
+                  <a:schemeClr val="tx1"/>
+                </a:solidFill>
+              </a:rPr>
+              <a:t>, </a:t>
+            </a:r>
+            <a:r>
+              <a:rPr lang="ko-KR" altLang="en-US" dirty="0">
+                <a:solidFill>
+                  <a:schemeClr val="tx1"/>
+                </a:solidFill>
+              </a:rPr>
+              <a:t>진행도 등의 탭</a:t>
+            </a:r>
+            <a:endParaRPr lang="en-US" altLang="ko-KR" dirty="0">
+              <a:solidFill>
+                <a:schemeClr val="tx1"/>
+              </a:solidFill>
+            </a:endParaRPr>
+          </a:p>
+        </p:txBody>
+      </p:sp>
+      <p:grpSp>
+        <p:nvGrpSpPr>
+          <p:cNvPr id="69" name="그룹 68">
+            <a:extLst>
+              <a:ext uri="{FF2B5EF4-FFF2-40B4-BE49-F238E27FC236}">
+                <a16:creationId xmlns:a16="http://schemas.microsoft.com/office/drawing/2014/main" id="{C196B07F-C1A5-4AC2-92CA-2D3B93C34C6F}"/>
+              </a:ext>
+            </a:extLst>
+          </p:cNvPr>
+          <p:cNvGrpSpPr/>
+          <p:nvPr/>
+        </p:nvGrpSpPr>
+        <p:grpSpPr>
+          <a:xfrm>
+            <a:off x="4895229" y="783958"/>
+            <a:ext cx="4016184" cy="2847312"/>
+            <a:chOff x="4724900" y="1004047"/>
+            <a:chExt cx="4016184" cy="2847312"/>
+          </a:xfrm>
+        </p:grpSpPr>
+        <p:grpSp>
+          <p:nvGrpSpPr>
+            <p:cNvPr id="18" name="그룹 17">
+              <a:extLst>
+                <a:ext uri="{FF2B5EF4-FFF2-40B4-BE49-F238E27FC236}">
+                  <a16:creationId xmlns:a16="http://schemas.microsoft.com/office/drawing/2014/main" id="{7479F727-81A6-4CC0-B26E-17ADB48D8B8B}"/>
+                </a:ext>
+              </a:extLst>
+            </p:cNvPr>
+            <p:cNvGrpSpPr/>
+            <p:nvPr/>
+          </p:nvGrpSpPr>
+          <p:grpSpPr>
+            <a:xfrm>
+              <a:off x="4724900" y="1004047"/>
+              <a:ext cx="2008092" cy="956964"/>
+              <a:chOff x="4796618" y="1456783"/>
+              <a:chExt cx="2008092" cy="956964"/>
+            </a:xfrm>
+          </p:grpSpPr>
+          <p:sp>
+            <p:nvSpPr>
+              <p:cNvPr id="11" name="직사각형 10">
+                <a:extLst>
+                  <a:ext uri="{FF2B5EF4-FFF2-40B4-BE49-F238E27FC236}">
+                    <a16:creationId xmlns:a16="http://schemas.microsoft.com/office/drawing/2014/main" id="{0CB589C4-C4B8-4134-9CB5-CB637D4AC00D}"/>
+                  </a:ext>
+                </a:extLst>
+              </p:cNvPr>
+              <p:cNvSpPr/>
+              <p:nvPr/>
+            </p:nvSpPr>
+            <p:spPr>
+              <a:xfrm>
+                <a:off x="4796618" y="1935265"/>
+                <a:ext cx="502023" cy="478482"/>
+              </a:xfrm>
+              <a:prstGeom prst="rect">
+                <a:avLst/>
+              </a:prstGeom>
+              <a:solidFill>
+                <a:schemeClr val="bg1">
+                  <a:lumMod val="95000"/>
+                </a:schemeClr>
+              </a:solidFill>
+              <a:ln w="38100">
+                <a:solidFill>
+                  <a:schemeClr val="tx1"/>
+                </a:solidFill>
+              </a:ln>
+            </p:spPr>
+            <p:style>
+              <a:lnRef idx="2">
+                <a:schemeClr val="accent1">
+                  <a:shade val="50000"/>
+                </a:schemeClr>
+              </a:lnRef>
+              <a:fillRef idx="1">
+                <a:schemeClr val="accent1"/>
+              </a:fillRef>
+              <a:effectRef idx="0">
+                <a:schemeClr val="accent1"/>
+              </a:effectRef>
+              <a:fontRef idx="minor">
+                <a:schemeClr val="lt1"/>
+              </a:fontRef>
+            </p:style>
+            <p:txBody>
+              <a:bodyPr rtlCol="0" anchor="ctr"/>
+              <a:lstStyle/>
+              <a:p>
+                <a:pPr algn="ctr"/>
+                <a:endParaRPr lang="en-US" altLang="ko-KR" dirty="0">
+                  <a:solidFill>
+                    <a:schemeClr val="tx1"/>
+                  </a:solidFill>
+                </a:endParaRPr>
+              </a:p>
+            </p:txBody>
+          </p:sp>
+          <p:grpSp>
+            <p:nvGrpSpPr>
+              <p:cNvPr id="17" name="그룹 16">
+                <a:extLst>
+                  <a:ext uri="{FF2B5EF4-FFF2-40B4-BE49-F238E27FC236}">
+                    <a16:creationId xmlns:a16="http://schemas.microsoft.com/office/drawing/2014/main" id="{DD97A7B1-56EE-47B0-B5F9-1D47374B3A21}"/>
+                  </a:ext>
+                </a:extLst>
+              </p:cNvPr>
+              <p:cNvGrpSpPr/>
+              <p:nvPr/>
+            </p:nvGrpSpPr>
+            <p:grpSpPr>
+              <a:xfrm>
+                <a:off x="4796618" y="1456783"/>
+                <a:ext cx="2008092" cy="956964"/>
+                <a:chOff x="4796618" y="1456783"/>
+                <a:chExt cx="2008092" cy="956964"/>
+              </a:xfrm>
+            </p:grpSpPr>
+            <p:sp>
+              <p:nvSpPr>
+                <p:cNvPr id="8" name="직사각형 7">
+                  <a:extLst>
+                    <a:ext uri="{FF2B5EF4-FFF2-40B4-BE49-F238E27FC236}">
+                      <a16:creationId xmlns:a16="http://schemas.microsoft.com/office/drawing/2014/main" id="{90744FBB-229A-463D-8691-BE29D188F1AE}"/>
+                    </a:ext>
+                  </a:extLst>
+                </p:cNvPr>
+                <p:cNvSpPr/>
+                <p:nvPr/>
+              </p:nvSpPr>
+              <p:spPr>
+                <a:xfrm>
+                  <a:off x="4796618" y="1456783"/>
+                  <a:ext cx="502023" cy="478482"/>
+                </a:xfrm>
+                <a:prstGeom prst="rect">
+                  <a:avLst/>
+                </a:prstGeom>
+                <a:solidFill>
+                  <a:schemeClr val="bg1">
+                    <a:lumMod val="95000"/>
+                  </a:schemeClr>
+                </a:solidFill>
+                <a:ln w="38100">
+                  <a:solidFill>
+                    <a:schemeClr val="tx1"/>
+                  </a:solidFill>
+                </a:ln>
+              </p:spPr>
+              <p:style>
+                <a:lnRef idx="2">
+                  <a:schemeClr val="accent1">
+                    <a:shade val="50000"/>
+                  </a:schemeClr>
+                </a:lnRef>
+                <a:fillRef idx="1">
+                  <a:schemeClr val="accent1"/>
+                </a:fillRef>
+                <a:effectRef idx="0">
+                  <a:schemeClr val="accent1"/>
+                </a:effectRef>
+                <a:fontRef idx="minor">
+                  <a:schemeClr val="lt1"/>
+                </a:fontRef>
+              </p:style>
+              <p:txBody>
+                <a:bodyPr rtlCol="0" anchor="ctr"/>
+                <a:lstStyle/>
+                <a:p>
+                  <a:pPr algn="ctr"/>
+                  <a:endParaRPr lang="en-US" altLang="ko-KR" dirty="0">
+                    <a:solidFill>
+                      <a:schemeClr val="tx1"/>
+                    </a:solidFill>
+                  </a:endParaRPr>
+                </a:p>
+              </p:txBody>
+            </p:sp>
+            <p:sp>
+              <p:nvSpPr>
+                <p:cNvPr id="10" name="직사각형 9">
+                  <a:extLst>
+                    <a:ext uri="{FF2B5EF4-FFF2-40B4-BE49-F238E27FC236}">
+                      <a16:creationId xmlns:a16="http://schemas.microsoft.com/office/drawing/2014/main" id="{BB69FDB7-70B9-4F32-A881-311E5AE2C238}"/>
+                    </a:ext>
+                  </a:extLst>
+                </p:cNvPr>
+                <p:cNvSpPr/>
+                <p:nvPr/>
+              </p:nvSpPr>
+              <p:spPr>
+                <a:xfrm>
+                  <a:off x="5298641" y="1456783"/>
+                  <a:ext cx="502023" cy="478482"/>
+                </a:xfrm>
+                <a:prstGeom prst="rect">
+                  <a:avLst/>
+                </a:prstGeom>
+                <a:solidFill>
+                  <a:schemeClr val="bg1">
+                    <a:lumMod val="95000"/>
+                  </a:schemeClr>
+                </a:solidFill>
+                <a:ln w="38100">
+                  <a:solidFill>
+                    <a:schemeClr val="tx1"/>
+                  </a:solidFill>
+                </a:ln>
+              </p:spPr>
+              <p:style>
+                <a:lnRef idx="2">
+                  <a:schemeClr val="accent1">
+                    <a:shade val="50000"/>
+                  </a:schemeClr>
+                </a:lnRef>
+                <a:fillRef idx="1">
+                  <a:schemeClr val="accent1"/>
+                </a:fillRef>
+                <a:effectRef idx="0">
+                  <a:schemeClr val="accent1"/>
+                </a:effectRef>
+                <a:fontRef idx="minor">
+                  <a:schemeClr val="lt1"/>
+                </a:fontRef>
+              </p:style>
+              <p:txBody>
+                <a:bodyPr rtlCol="0" anchor="ctr"/>
+                <a:lstStyle/>
+                <a:p>
+                  <a:pPr algn="ctr"/>
+                  <a:endParaRPr lang="en-US" altLang="ko-KR" dirty="0">
+                    <a:solidFill>
+                      <a:schemeClr val="tx1"/>
+                    </a:solidFill>
+                  </a:endParaRPr>
+                </a:p>
+              </p:txBody>
+            </p:sp>
+            <p:sp>
+              <p:nvSpPr>
+                <p:cNvPr id="12" name="직사각형 11">
+                  <a:extLst>
+                    <a:ext uri="{FF2B5EF4-FFF2-40B4-BE49-F238E27FC236}">
+                      <a16:creationId xmlns:a16="http://schemas.microsoft.com/office/drawing/2014/main" id="{5CE07EF9-0FA8-4019-8EA8-B6A592E8A7A7}"/>
+                    </a:ext>
+                  </a:extLst>
+                </p:cNvPr>
+                <p:cNvSpPr/>
+                <p:nvPr/>
+              </p:nvSpPr>
+              <p:spPr>
+                <a:xfrm>
+                  <a:off x="5298641" y="1935265"/>
+                  <a:ext cx="502023" cy="478482"/>
+                </a:xfrm>
+                <a:prstGeom prst="rect">
+                  <a:avLst/>
+                </a:prstGeom>
+                <a:solidFill>
+                  <a:schemeClr val="bg1">
+                    <a:lumMod val="95000"/>
+                  </a:schemeClr>
+                </a:solidFill>
+                <a:ln w="38100">
+                  <a:solidFill>
+                    <a:schemeClr val="tx1"/>
+                  </a:solidFill>
+                </a:ln>
+              </p:spPr>
+              <p:style>
+                <a:lnRef idx="2">
+                  <a:schemeClr val="accent1">
+                    <a:shade val="50000"/>
+                  </a:schemeClr>
+                </a:lnRef>
+                <a:fillRef idx="1">
+                  <a:schemeClr val="accent1"/>
+                </a:fillRef>
+                <a:effectRef idx="0">
+                  <a:schemeClr val="accent1"/>
+                </a:effectRef>
+                <a:fontRef idx="minor">
+                  <a:schemeClr val="lt1"/>
+                </a:fontRef>
+              </p:style>
+              <p:txBody>
+                <a:bodyPr rtlCol="0" anchor="ctr"/>
+                <a:lstStyle/>
+                <a:p>
+                  <a:pPr algn="ctr"/>
+                  <a:endParaRPr lang="en-US" altLang="ko-KR" dirty="0">
+                    <a:solidFill>
+                      <a:schemeClr val="tx1"/>
+                    </a:solidFill>
+                  </a:endParaRPr>
+                </a:p>
+              </p:txBody>
+            </p:sp>
+            <p:sp>
+              <p:nvSpPr>
+                <p:cNvPr id="13" name="직사각형 12">
+                  <a:extLst>
+                    <a:ext uri="{FF2B5EF4-FFF2-40B4-BE49-F238E27FC236}">
+                      <a16:creationId xmlns:a16="http://schemas.microsoft.com/office/drawing/2014/main" id="{A71DBC07-54F0-4F1D-9C83-A8CE5F5A2712}"/>
+                    </a:ext>
+                  </a:extLst>
+                </p:cNvPr>
+                <p:cNvSpPr/>
+                <p:nvPr/>
+              </p:nvSpPr>
+              <p:spPr>
+                <a:xfrm>
+                  <a:off x="5800664" y="1456783"/>
+                  <a:ext cx="502023" cy="478482"/>
+                </a:xfrm>
+                <a:prstGeom prst="rect">
+                  <a:avLst/>
+                </a:prstGeom>
+                <a:solidFill>
+                  <a:schemeClr val="bg1">
+                    <a:lumMod val="95000"/>
+                  </a:schemeClr>
+                </a:solidFill>
+                <a:ln w="38100">
+                  <a:solidFill>
+                    <a:schemeClr val="tx1"/>
+                  </a:solidFill>
+                </a:ln>
+              </p:spPr>
+              <p:style>
+                <a:lnRef idx="2">
+                  <a:schemeClr val="accent1">
+                    <a:shade val="50000"/>
+                  </a:schemeClr>
+                </a:lnRef>
+                <a:fillRef idx="1">
+                  <a:schemeClr val="accent1"/>
+                </a:fillRef>
+                <a:effectRef idx="0">
+                  <a:schemeClr val="accent1"/>
+                </a:effectRef>
+                <a:fontRef idx="minor">
+                  <a:schemeClr val="lt1"/>
+                </a:fontRef>
+              </p:style>
+              <p:txBody>
+                <a:bodyPr rtlCol="0" anchor="ctr"/>
+                <a:lstStyle/>
+                <a:p>
+                  <a:pPr algn="ctr"/>
+                  <a:endParaRPr lang="en-US" altLang="ko-KR" dirty="0">
+                    <a:solidFill>
+                      <a:schemeClr val="tx1"/>
+                    </a:solidFill>
+                  </a:endParaRPr>
+                </a:p>
+              </p:txBody>
+            </p:sp>
+            <p:sp>
+              <p:nvSpPr>
+                <p:cNvPr id="14" name="직사각형 13">
+                  <a:extLst>
+                    <a:ext uri="{FF2B5EF4-FFF2-40B4-BE49-F238E27FC236}">
+                      <a16:creationId xmlns:a16="http://schemas.microsoft.com/office/drawing/2014/main" id="{09C02982-1A06-4825-AAED-E174933239F9}"/>
+                    </a:ext>
+                  </a:extLst>
+                </p:cNvPr>
+                <p:cNvSpPr/>
+                <p:nvPr/>
+              </p:nvSpPr>
+              <p:spPr>
+                <a:xfrm>
+                  <a:off x="6302687" y="1456783"/>
+                  <a:ext cx="502023" cy="478482"/>
+                </a:xfrm>
+                <a:prstGeom prst="rect">
+                  <a:avLst/>
+                </a:prstGeom>
+                <a:solidFill>
+                  <a:schemeClr val="bg1">
+                    <a:lumMod val="95000"/>
+                  </a:schemeClr>
+                </a:solidFill>
+                <a:ln w="38100">
+                  <a:solidFill>
+                    <a:schemeClr val="tx1"/>
+                  </a:solidFill>
+                </a:ln>
+              </p:spPr>
+              <p:style>
+                <a:lnRef idx="2">
+                  <a:schemeClr val="accent1">
+                    <a:shade val="50000"/>
+                  </a:schemeClr>
+                </a:lnRef>
+                <a:fillRef idx="1">
+                  <a:schemeClr val="accent1"/>
+                </a:fillRef>
+                <a:effectRef idx="0">
+                  <a:schemeClr val="accent1"/>
+                </a:effectRef>
+                <a:fontRef idx="minor">
+                  <a:schemeClr val="lt1"/>
+                </a:fontRef>
+              </p:style>
+              <p:txBody>
+                <a:bodyPr rtlCol="0" anchor="ctr"/>
+                <a:lstStyle/>
+                <a:p>
+                  <a:pPr algn="ctr"/>
+                  <a:endParaRPr lang="en-US" altLang="ko-KR" dirty="0">
+                    <a:solidFill>
+                      <a:schemeClr val="tx1"/>
+                    </a:solidFill>
+                  </a:endParaRPr>
+                </a:p>
+              </p:txBody>
+            </p:sp>
+            <p:sp>
+              <p:nvSpPr>
+                <p:cNvPr id="15" name="직사각형 14">
+                  <a:extLst>
+                    <a:ext uri="{FF2B5EF4-FFF2-40B4-BE49-F238E27FC236}">
+                      <a16:creationId xmlns:a16="http://schemas.microsoft.com/office/drawing/2014/main" id="{B140D969-4104-4C8B-9767-8D724BF015EC}"/>
+                    </a:ext>
+                  </a:extLst>
+                </p:cNvPr>
+                <p:cNvSpPr/>
+                <p:nvPr/>
+              </p:nvSpPr>
+              <p:spPr>
+                <a:xfrm>
+                  <a:off x="5800664" y="1935265"/>
+                  <a:ext cx="502023" cy="478482"/>
+                </a:xfrm>
+                <a:prstGeom prst="rect">
+                  <a:avLst/>
+                </a:prstGeom>
+                <a:solidFill>
+                  <a:schemeClr val="bg1">
+                    <a:lumMod val="95000"/>
+                  </a:schemeClr>
+                </a:solidFill>
+                <a:ln w="38100">
+                  <a:solidFill>
+                    <a:schemeClr val="tx1"/>
+                  </a:solidFill>
+                </a:ln>
+              </p:spPr>
+              <p:style>
+                <a:lnRef idx="2">
+                  <a:schemeClr val="accent1">
+                    <a:shade val="50000"/>
+                  </a:schemeClr>
+                </a:lnRef>
+                <a:fillRef idx="1">
+                  <a:schemeClr val="accent1"/>
+                </a:fillRef>
+                <a:effectRef idx="0">
+                  <a:schemeClr val="accent1"/>
+                </a:effectRef>
+                <a:fontRef idx="minor">
+                  <a:schemeClr val="lt1"/>
+                </a:fontRef>
+              </p:style>
+              <p:txBody>
+                <a:bodyPr rtlCol="0" anchor="ctr"/>
+                <a:lstStyle/>
+                <a:p>
+                  <a:pPr algn="ctr"/>
+                  <a:endParaRPr lang="en-US" altLang="ko-KR" dirty="0">
+                    <a:solidFill>
+                      <a:schemeClr val="tx1"/>
+                    </a:solidFill>
+                  </a:endParaRPr>
+                </a:p>
+              </p:txBody>
+            </p:sp>
+            <p:sp>
+              <p:nvSpPr>
+                <p:cNvPr id="16" name="직사각형 15">
+                  <a:extLst>
+                    <a:ext uri="{FF2B5EF4-FFF2-40B4-BE49-F238E27FC236}">
+                      <a16:creationId xmlns:a16="http://schemas.microsoft.com/office/drawing/2014/main" id="{9498A105-FFA9-4DAD-BE44-06852096075D}"/>
+                    </a:ext>
+                  </a:extLst>
+                </p:cNvPr>
+                <p:cNvSpPr/>
+                <p:nvPr/>
+              </p:nvSpPr>
+              <p:spPr>
+                <a:xfrm>
+                  <a:off x="6302687" y="1935265"/>
+                  <a:ext cx="502023" cy="478482"/>
+                </a:xfrm>
+                <a:prstGeom prst="rect">
+                  <a:avLst/>
+                </a:prstGeom>
+                <a:solidFill>
+                  <a:schemeClr val="bg1">
+                    <a:lumMod val="95000"/>
+                  </a:schemeClr>
+                </a:solidFill>
+                <a:ln w="38100">
+                  <a:solidFill>
+                    <a:schemeClr val="tx1"/>
+                  </a:solidFill>
+                </a:ln>
+              </p:spPr>
+              <p:style>
+                <a:lnRef idx="2">
+                  <a:schemeClr val="accent1">
+                    <a:shade val="50000"/>
+                  </a:schemeClr>
+                </a:lnRef>
+                <a:fillRef idx="1">
+                  <a:schemeClr val="accent1"/>
+                </a:fillRef>
+                <a:effectRef idx="0">
+                  <a:schemeClr val="accent1"/>
+                </a:effectRef>
+                <a:fontRef idx="minor">
+                  <a:schemeClr val="lt1"/>
+                </a:fontRef>
+              </p:style>
+              <p:txBody>
+                <a:bodyPr rtlCol="0" anchor="ctr"/>
+                <a:lstStyle/>
+                <a:p>
+                  <a:pPr algn="ctr"/>
+                  <a:endParaRPr lang="en-US" altLang="ko-KR" dirty="0">
+                    <a:solidFill>
+                      <a:schemeClr val="tx1"/>
+                    </a:solidFill>
+                  </a:endParaRPr>
+                </a:p>
+              </p:txBody>
+            </p:sp>
+          </p:grpSp>
+        </p:grpSp>
+        <p:grpSp>
+          <p:nvGrpSpPr>
+            <p:cNvPr id="19" name="그룹 18">
+              <a:extLst>
+                <a:ext uri="{FF2B5EF4-FFF2-40B4-BE49-F238E27FC236}">
+                  <a16:creationId xmlns:a16="http://schemas.microsoft.com/office/drawing/2014/main" id="{3B036003-DF49-4C80-AC49-AF518872CDE1}"/>
+                </a:ext>
+              </a:extLst>
+            </p:cNvPr>
+            <p:cNvGrpSpPr/>
+            <p:nvPr/>
+          </p:nvGrpSpPr>
+          <p:grpSpPr>
+            <a:xfrm>
+              <a:off x="6732992" y="1004047"/>
+              <a:ext cx="2008092" cy="956964"/>
+              <a:chOff x="4796618" y="1456783"/>
+              <a:chExt cx="2008092" cy="956964"/>
+            </a:xfrm>
+          </p:grpSpPr>
+          <p:sp>
+            <p:nvSpPr>
+              <p:cNvPr id="20" name="직사각형 19">
+                <a:extLst>
+                  <a:ext uri="{FF2B5EF4-FFF2-40B4-BE49-F238E27FC236}">
+                    <a16:creationId xmlns:a16="http://schemas.microsoft.com/office/drawing/2014/main" id="{57D16637-EEC2-4F8D-AE80-16636FC9A093}"/>
+                  </a:ext>
+                </a:extLst>
+              </p:cNvPr>
+              <p:cNvSpPr/>
+              <p:nvPr/>
+            </p:nvSpPr>
+            <p:spPr>
+              <a:xfrm>
+                <a:off x="4796618" y="1935265"/>
+                <a:ext cx="502023" cy="478482"/>
+              </a:xfrm>
+              <a:prstGeom prst="rect">
+                <a:avLst/>
+              </a:prstGeom>
+              <a:solidFill>
+                <a:schemeClr val="bg1">
+                  <a:lumMod val="95000"/>
+                </a:schemeClr>
+              </a:solidFill>
+              <a:ln w="38100">
+                <a:solidFill>
+                  <a:schemeClr val="tx1"/>
+                </a:solidFill>
+              </a:ln>
+            </p:spPr>
+            <p:style>
+              <a:lnRef idx="2">
+                <a:schemeClr val="accent1">
+                  <a:shade val="50000"/>
+                </a:schemeClr>
+              </a:lnRef>
+              <a:fillRef idx="1">
+                <a:schemeClr val="accent1"/>
+              </a:fillRef>
+              <a:effectRef idx="0">
+                <a:schemeClr val="accent1"/>
+              </a:effectRef>
+              <a:fontRef idx="minor">
+                <a:schemeClr val="lt1"/>
+              </a:fontRef>
+            </p:style>
+            <p:txBody>
+              <a:bodyPr rtlCol="0" anchor="ctr"/>
+              <a:lstStyle/>
+              <a:p>
+                <a:pPr algn="ctr"/>
+                <a:endParaRPr lang="en-US" altLang="ko-KR" dirty="0">
+                  <a:solidFill>
+                    <a:schemeClr val="tx1"/>
+                  </a:solidFill>
+                </a:endParaRPr>
+              </a:p>
+            </p:txBody>
+          </p:sp>
+          <p:grpSp>
+            <p:nvGrpSpPr>
+              <p:cNvPr id="21" name="그룹 20">
+                <a:extLst>
+                  <a:ext uri="{FF2B5EF4-FFF2-40B4-BE49-F238E27FC236}">
+                    <a16:creationId xmlns:a16="http://schemas.microsoft.com/office/drawing/2014/main" id="{0EC4943D-28B5-4539-B0E4-E8BDAE455C96}"/>
+                  </a:ext>
+                </a:extLst>
+              </p:cNvPr>
+              <p:cNvGrpSpPr/>
+              <p:nvPr/>
+            </p:nvGrpSpPr>
+            <p:grpSpPr>
+              <a:xfrm>
+                <a:off x="4796618" y="1456783"/>
+                <a:ext cx="2008092" cy="956964"/>
+                <a:chOff x="4796618" y="1456783"/>
+                <a:chExt cx="2008092" cy="956964"/>
+              </a:xfrm>
+            </p:grpSpPr>
+            <p:sp>
+              <p:nvSpPr>
+                <p:cNvPr id="22" name="직사각형 21">
+                  <a:extLst>
+                    <a:ext uri="{FF2B5EF4-FFF2-40B4-BE49-F238E27FC236}">
+                      <a16:creationId xmlns:a16="http://schemas.microsoft.com/office/drawing/2014/main" id="{515CDF5E-5C6A-4DF4-B88B-46754B4655D1}"/>
+                    </a:ext>
+                  </a:extLst>
+                </p:cNvPr>
+                <p:cNvSpPr/>
+                <p:nvPr/>
+              </p:nvSpPr>
+              <p:spPr>
+                <a:xfrm>
+                  <a:off x="4796618" y="1456783"/>
+                  <a:ext cx="502023" cy="478482"/>
+                </a:xfrm>
+                <a:prstGeom prst="rect">
+                  <a:avLst/>
+                </a:prstGeom>
+                <a:solidFill>
+                  <a:schemeClr val="bg1">
+                    <a:lumMod val="95000"/>
+                  </a:schemeClr>
+                </a:solidFill>
+                <a:ln w="38100">
+                  <a:solidFill>
+                    <a:schemeClr val="tx1"/>
+                  </a:solidFill>
+                </a:ln>
+              </p:spPr>
+              <p:style>
+                <a:lnRef idx="2">
+                  <a:schemeClr val="accent1">
+                    <a:shade val="50000"/>
+                  </a:schemeClr>
+                </a:lnRef>
+                <a:fillRef idx="1">
+                  <a:schemeClr val="accent1"/>
+                </a:fillRef>
+                <a:effectRef idx="0">
+                  <a:schemeClr val="accent1"/>
+                </a:effectRef>
+                <a:fontRef idx="minor">
+                  <a:schemeClr val="lt1"/>
+                </a:fontRef>
+              </p:style>
+              <p:txBody>
+                <a:bodyPr rtlCol="0" anchor="ctr"/>
+                <a:lstStyle/>
+                <a:p>
+                  <a:pPr algn="ctr"/>
+                  <a:endParaRPr lang="en-US" altLang="ko-KR" dirty="0">
+                    <a:solidFill>
+                      <a:schemeClr val="tx1"/>
+                    </a:solidFill>
+                  </a:endParaRPr>
+                </a:p>
+              </p:txBody>
+            </p:sp>
+            <p:sp>
+              <p:nvSpPr>
+                <p:cNvPr id="23" name="직사각형 22">
+                  <a:extLst>
+                    <a:ext uri="{FF2B5EF4-FFF2-40B4-BE49-F238E27FC236}">
+                      <a16:creationId xmlns:a16="http://schemas.microsoft.com/office/drawing/2014/main" id="{B52C15A5-E47F-4476-B136-39F06FB3B53F}"/>
+                    </a:ext>
+                  </a:extLst>
+                </p:cNvPr>
+                <p:cNvSpPr/>
+                <p:nvPr/>
+              </p:nvSpPr>
+              <p:spPr>
+                <a:xfrm>
+                  <a:off x="5298641" y="1456783"/>
+                  <a:ext cx="502023" cy="478482"/>
+                </a:xfrm>
+                <a:prstGeom prst="rect">
+                  <a:avLst/>
+                </a:prstGeom>
+                <a:solidFill>
+                  <a:schemeClr val="bg1">
+                    <a:lumMod val="95000"/>
+                  </a:schemeClr>
+                </a:solidFill>
+                <a:ln w="38100">
+                  <a:solidFill>
+                    <a:schemeClr val="tx1"/>
+                  </a:solidFill>
+                </a:ln>
+              </p:spPr>
+              <p:style>
+                <a:lnRef idx="2">
+                  <a:schemeClr val="accent1">
+                    <a:shade val="50000"/>
+                  </a:schemeClr>
+                </a:lnRef>
+                <a:fillRef idx="1">
+                  <a:schemeClr val="accent1"/>
+                </a:fillRef>
+                <a:effectRef idx="0">
+                  <a:schemeClr val="accent1"/>
+                </a:effectRef>
+                <a:fontRef idx="minor">
+                  <a:schemeClr val="lt1"/>
+                </a:fontRef>
+              </p:style>
+              <p:txBody>
+                <a:bodyPr rtlCol="0" anchor="ctr"/>
+                <a:lstStyle/>
+                <a:p>
+                  <a:pPr algn="ctr"/>
+                  <a:endParaRPr lang="en-US" altLang="ko-KR" dirty="0">
+                    <a:solidFill>
+                      <a:schemeClr val="tx1"/>
+                    </a:solidFill>
+                  </a:endParaRPr>
+                </a:p>
+              </p:txBody>
+            </p:sp>
+            <p:sp>
+              <p:nvSpPr>
+                <p:cNvPr id="24" name="직사각형 23">
+                  <a:extLst>
+                    <a:ext uri="{FF2B5EF4-FFF2-40B4-BE49-F238E27FC236}">
+                      <a16:creationId xmlns:a16="http://schemas.microsoft.com/office/drawing/2014/main" id="{9475D141-6A06-421A-841D-79F64E63CFFD}"/>
+                    </a:ext>
+                  </a:extLst>
+                </p:cNvPr>
+                <p:cNvSpPr/>
+                <p:nvPr/>
+              </p:nvSpPr>
+              <p:spPr>
+                <a:xfrm>
+                  <a:off x="5298641" y="1935265"/>
+                  <a:ext cx="502023" cy="478482"/>
+                </a:xfrm>
+                <a:prstGeom prst="rect">
+                  <a:avLst/>
+                </a:prstGeom>
+                <a:solidFill>
+                  <a:schemeClr val="bg1">
+                    <a:lumMod val="95000"/>
+                  </a:schemeClr>
+                </a:solidFill>
+                <a:ln w="38100">
+                  <a:solidFill>
+                    <a:schemeClr val="tx1"/>
+                  </a:solidFill>
+                </a:ln>
+              </p:spPr>
+              <p:style>
+                <a:lnRef idx="2">
+                  <a:schemeClr val="accent1">
+                    <a:shade val="50000"/>
+                  </a:schemeClr>
+                </a:lnRef>
+                <a:fillRef idx="1">
+                  <a:schemeClr val="accent1"/>
+                </a:fillRef>
+                <a:effectRef idx="0">
+                  <a:schemeClr val="accent1"/>
+                </a:effectRef>
+                <a:fontRef idx="minor">
+                  <a:schemeClr val="lt1"/>
+                </a:fontRef>
+              </p:style>
+              <p:txBody>
+                <a:bodyPr rtlCol="0" anchor="ctr"/>
+                <a:lstStyle/>
+                <a:p>
+                  <a:pPr algn="ctr"/>
+                  <a:endParaRPr lang="en-US" altLang="ko-KR" dirty="0">
+                    <a:solidFill>
+                      <a:schemeClr val="tx1"/>
+                    </a:solidFill>
+                  </a:endParaRPr>
+                </a:p>
+              </p:txBody>
+            </p:sp>
+            <p:sp>
+              <p:nvSpPr>
+                <p:cNvPr id="25" name="직사각형 24">
+                  <a:extLst>
+                    <a:ext uri="{FF2B5EF4-FFF2-40B4-BE49-F238E27FC236}">
+                      <a16:creationId xmlns:a16="http://schemas.microsoft.com/office/drawing/2014/main" id="{2A6EE61E-99F5-4965-9A9E-5FE8749F95F8}"/>
+                    </a:ext>
+                  </a:extLst>
+                </p:cNvPr>
+                <p:cNvSpPr/>
+                <p:nvPr/>
+              </p:nvSpPr>
+              <p:spPr>
+                <a:xfrm>
+                  <a:off x="5800664" y="1456783"/>
+                  <a:ext cx="502023" cy="478482"/>
+                </a:xfrm>
+                <a:prstGeom prst="rect">
+                  <a:avLst/>
+                </a:prstGeom>
+                <a:solidFill>
+                  <a:schemeClr val="bg1">
+                    <a:lumMod val="95000"/>
+                  </a:schemeClr>
+                </a:solidFill>
+                <a:ln w="38100">
+                  <a:solidFill>
+                    <a:schemeClr val="tx1"/>
+                  </a:solidFill>
+                </a:ln>
+              </p:spPr>
+              <p:style>
+                <a:lnRef idx="2">
+                  <a:schemeClr val="accent1">
+                    <a:shade val="50000"/>
+                  </a:schemeClr>
+                </a:lnRef>
+                <a:fillRef idx="1">
+                  <a:schemeClr val="accent1"/>
+                </a:fillRef>
+                <a:effectRef idx="0">
+                  <a:schemeClr val="accent1"/>
+                </a:effectRef>
+                <a:fontRef idx="minor">
+                  <a:schemeClr val="lt1"/>
+                </a:fontRef>
+              </p:style>
+              <p:txBody>
+                <a:bodyPr rtlCol="0" anchor="ctr"/>
+                <a:lstStyle/>
+                <a:p>
+                  <a:pPr algn="ctr"/>
+                  <a:endParaRPr lang="en-US" altLang="ko-KR" dirty="0">
+                    <a:solidFill>
+                      <a:schemeClr val="tx1"/>
+                    </a:solidFill>
+                  </a:endParaRPr>
+                </a:p>
+              </p:txBody>
+            </p:sp>
+            <p:sp>
+              <p:nvSpPr>
+                <p:cNvPr id="26" name="직사각형 25">
+                  <a:extLst>
+                    <a:ext uri="{FF2B5EF4-FFF2-40B4-BE49-F238E27FC236}">
+                      <a16:creationId xmlns:a16="http://schemas.microsoft.com/office/drawing/2014/main" id="{C804DFD4-F425-4D42-A160-4C0448E9F973}"/>
+                    </a:ext>
+                  </a:extLst>
+                </p:cNvPr>
+                <p:cNvSpPr/>
+                <p:nvPr/>
+              </p:nvSpPr>
+              <p:spPr>
+                <a:xfrm>
+                  <a:off x="6302687" y="1456783"/>
+                  <a:ext cx="502023" cy="478482"/>
+                </a:xfrm>
+                <a:prstGeom prst="rect">
+                  <a:avLst/>
+                </a:prstGeom>
+                <a:solidFill>
+                  <a:schemeClr val="bg1">
+                    <a:lumMod val="95000"/>
+                  </a:schemeClr>
+                </a:solidFill>
+                <a:ln w="38100">
+                  <a:solidFill>
+                    <a:schemeClr val="tx1"/>
+                  </a:solidFill>
+                </a:ln>
+              </p:spPr>
+              <p:style>
+                <a:lnRef idx="2">
+                  <a:schemeClr val="accent1">
+                    <a:shade val="50000"/>
+                  </a:schemeClr>
+                </a:lnRef>
+                <a:fillRef idx="1">
+                  <a:schemeClr val="accent1"/>
+                </a:fillRef>
+                <a:effectRef idx="0">
+                  <a:schemeClr val="accent1"/>
+                </a:effectRef>
+                <a:fontRef idx="minor">
+                  <a:schemeClr val="lt1"/>
+                </a:fontRef>
+              </p:style>
+              <p:txBody>
+                <a:bodyPr rtlCol="0" anchor="ctr"/>
+                <a:lstStyle/>
+                <a:p>
+                  <a:pPr algn="ctr"/>
+                  <a:endParaRPr lang="en-US" altLang="ko-KR" dirty="0">
+                    <a:solidFill>
+                      <a:schemeClr val="tx1"/>
+                    </a:solidFill>
+                  </a:endParaRPr>
+                </a:p>
+              </p:txBody>
+            </p:sp>
+            <p:sp>
+              <p:nvSpPr>
+                <p:cNvPr id="27" name="직사각형 26">
+                  <a:extLst>
+                    <a:ext uri="{FF2B5EF4-FFF2-40B4-BE49-F238E27FC236}">
+                      <a16:creationId xmlns:a16="http://schemas.microsoft.com/office/drawing/2014/main" id="{DF49E9BB-FFFA-4C4E-9258-579E3DD1EC8D}"/>
+                    </a:ext>
+                  </a:extLst>
+                </p:cNvPr>
+                <p:cNvSpPr/>
+                <p:nvPr/>
+              </p:nvSpPr>
+              <p:spPr>
+                <a:xfrm>
+                  <a:off x="5800664" y="1935265"/>
+                  <a:ext cx="502023" cy="478482"/>
+                </a:xfrm>
+                <a:prstGeom prst="rect">
+                  <a:avLst/>
+                </a:prstGeom>
+                <a:solidFill>
+                  <a:schemeClr val="bg1">
+                    <a:lumMod val="95000"/>
+                  </a:schemeClr>
+                </a:solidFill>
+                <a:ln w="38100">
+                  <a:solidFill>
+                    <a:schemeClr val="tx1"/>
+                  </a:solidFill>
+                </a:ln>
+              </p:spPr>
+              <p:style>
+                <a:lnRef idx="2">
+                  <a:schemeClr val="accent1">
+                    <a:shade val="50000"/>
+                  </a:schemeClr>
+                </a:lnRef>
+                <a:fillRef idx="1">
+                  <a:schemeClr val="accent1"/>
+                </a:fillRef>
+                <a:effectRef idx="0">
+                  <a:schemeClr val="accent1"/>
+                </a:effectRef>
+                <a:fontRef idx="minor">
+                  <a:schemeClr val="lt1"/>
+                </a:fontRef>
+              </p:style>
+              <p:txBody>
+                <a:bodyPr rtlCol="0" anchor="ctr"/>
+                <a:lstStyle/>
+                <a:p>
+                  <a:pPr algn="ctr"/>
+                  <a:endParaRPr lang="en-US" altLang="ko-KR" dirty="0">
+                    <a:solidFill>
+                      <a:schemeClr val="tx1"/>
+                    </a:solidFill>
+                  </a:endParaRPr>
+                </a:p>
+              </p:txBody>
+            </p:sp>
+            <p:sp>
+              <p:nvSpPr>
+                <p:cNvPr id="28" name="직사각형 27">
+                  <a:extLst>
+                    <a:ext uri="{FF2B5EF4-FFF2-40B4-BE49-F238E27FC236}">
+                      <a16:creationId xmlns:a16="http://schemas.microsoft.com/office/drawing/2014/main" id="{366DFAF3-9278-4244-AC4D-68F3C77D786D}"/>
+                    </a:ext>
+                  </a:extLst>
+                </p:cNvPr>
+                <p:cNvSpPr/>
+                <p:nvPr/>
+              </p:nvSpPr>
+              <p:spPr>
+                <a:xfrm>
+                  <a:off x="6302687" y="1935265"/>
+                  <a:ext cx="502023" cy="478482"/>
+                </a:xfrm>
+                <a:prstGeom prst="rect">
+                  <a:avLst/>
+                </a:prstGeom>
+                <a:solidFill>
+                  <a:schemeClr val="bg1">
+                    <a:lumMod val="95000"/>
+                  </a:schemeClr>
+                </a:solidFill>
+                <a:ln w="38100">
+                  <a:solidFill>
+                    <a:schemeClr val="tx1"/>
+                  </a:solidFill>
+                </a:ln>
+              </p:spPr>
+              <p:style>
+                <a:lnRef idx="2">
+                  <a:schemeClr val="accent1">
+                    <a:shade val="50000"/>
+                  </a:schemeClr>
+                </a:lnRef>
+                <a:fillRef idx="1">
+                  <a:schemeClr val="accent1"/>
+                </a:fillRef>
+                <a:effectRef idx="0">
+                  <a:schemeClr val="accent1"/>
+                </a:effectRef>
+                <a:fontRef idx="minor">
+                  <a:schemeClr val="lt1"/>
+                </a:fontRef>
+              </p:style>
+              <p:txBody>
+                <a:bodyPr rtlCol="0" anchor="ctr"/>
+                <a:lstStyle/>
+                <a:p>
+                  <a:pPr algn="ctr"/>
+                  <a:endParaRPr lang="en-US" altLang="ko-KR" dirty="0">
+                    <a:solidFill>
+                      <a:schemeClr val="tx1"/>
+                    </a:solidFill>
+                  </a:endParaRPr>
+                </a:p>
+              </p:txBody>
+            </p:sp>
+          </p:grpSp>
+        </p:grpSp>
+        <p:grpSp>
+          <p:nvGrpSpPr>
+            <p:cNvPr id="29" name="그룹 28">
+              <a:extLst>
+                <a:ext uri="{FF2B5EF4-FFF2-40B4-BE49-F238E27FC236}">
+                  <a16:creationId xmlns:a16="http://schemas.microsoft.com/office/drawing/2014/main" id="{37431433-682F-46AC-B91D-C70A33C23240}"/>
+                </a:ext>
+              </a:extLst>
+            </p:cNvPr>
+            <p:cNvGrpSpPr/>
+            <p:nvPr/>
+          </p:nvGrpSpPr>
+          <p:grpSpPr>
+            <a:xfrm>
+              <a:off x="4724900" y="1961011"/>
+              <a:ext cx="2008092" cy="956964"/>
+              <a:chOff x="4796618" y="1456783"/>
+              <a:chExt cx="2008092" cy="956964"/>
+            </a:xfrm>
+          </p:grpSpPr>
+          <p:sp>
+            <p:nvSpPr>
+              <p:cNvPr id="30" name="직사각형 29">
+                <a:extLst>
+                  <a:ext uri="{FF2B5EF4-FFF2-40B4-BE49-F238E27FC236}">
+                    <a16:creationId xmlns:a16="http://schemas.microsoft.com/office/drawing/2014/main" id="{9CED5118-5A2B-4296-A11C-DFFF36502F52}"/>
+                  </a:ext>
+                </a:extLst>
+              </p:cNvPr>
+              <p:cNvSpPr/>
+              <p:nvPr/>
+            </p:nvSpPr>
+            <p:spPr>
+              <a:xfrm>
+                <a:off x="4796618" y="1935265"/>
+                <a:ext cx="502023" cy="478482"/>
+              </a:xfrm>
+              <a:prstGeom prst="rect">
+                <a:avLst/>
+              </a:prstGeom>
+              <a:solidFill>
+                <a:schemeClr val="bg1">
+                  <a:lumMod val="95000"/>
+                </a:schemeClr>
+              </a:solidFill>
+              <a:ln w="38100">
+                <a:solidFill>
+                  <a:schemeClr val="tx1"/>
+                </a:solidFill>
+              </a:ln>
+            </p:spPr>
+            <p:style>
+              <a:lnRef idx="2">
+                <a:schemeClr val="accent1">
+                  <a:shade val="50000"/>
+                </a:schemeClr>
+              </a:lnRef>
+              <a:fillRef idx="1">
+                <a:schemeClr val="accent1"/>
+              </a:fillRef>
+              <a:effectRef idx="0">
+                <a:schemeClr val="accent1"/>
+              </a:effectRef>
+              <a:fontRef idx="minor">
+                <a:schemeClr val="lt1"/>
+              </a:fontRef>
+            </p:style>
+            <p:txBody>
+              <a:bodyPr rtlCol="0" anchor="ctr"/>
+              <a:lstStyle/>
+              <a:p>
+                <a:pPr algn="ctr"/>
+                <a:endParaRPr lang="en-US" altLang="ko-KR" dirty="0">
+                  <a:solidFill>
+                    <a:schemeClr val="tx1"/>
+                  </a:solidFill>
+                </a:endParaRPr>
+              </a:p>
+            </p:txBody>
+          </p:sp>
+          <p:grpSp>
+            <p:nvGrpSpPr>
+              <p:cNvPr id="31" name="그룹 30">
+                <a:extLst>
+                  <a:ext uri="{FF2B5EF4-FFF2-40B4-BE49-F238E27FC236}">
+                    <a16:creationId xmlns:a16="http://schemas.microsoft.com/office/drawing/2014/main" id="{C93025BF-9121-425B-A98F-66411B572120}"/>
+                  </a:ext>
+                </a:extLst>
+              </p:cNvPr>
+              <p:cNvGrpSpPr/>
+              <p:nvPr/>
+            </p:nvGrpSpPr>
+            <p:grpSpPr>
+              <a:xfrm>
+                <a:off x="4796618" y="1456783"/>
+                <a:ext cx="2008092" cy="956964"/>
+                <a:chOff x="4796618" y="1456783"/>
+                <a:chExt cx="2008092" cy="956964"/>
+              </a:xfrm>
+            </p:grpSpPr>
+            <p:sp>
+              <p:nvSpPr>
+                <p:cNvPr id="32" name="직사각형 31">
+                  <a:extLst>
+                    <a:ext uri="{FF2B5EF4-FFF2-40B4-BE49-F238E27FC236}">
+                      <a16:creationId xmlns:a16="http://schemas.microsoft.com/office/drawing/2014/main" id="{89600224-2ADD-417F-B1B5-AD276A1A1BB1}"/>
+                    </a:ext>
+                  </a:extLst>
+                </p:cNvPr>
+                <p:cNvSpPr/>
+                <p:nvPr/>
+              </p:nvSpPr>
+              <p:spPr>
+                <a:xfrm>
+                  <a:off x="4796618" y="1456783"/>
+                  <a:ext cx="502023" cy="478482"/>
+                </a:xfrm>
+                <a:prstGeom prst="rect">
+                  <a:avLst/>
+                </a:prstGeom>
+                <a:solidFill>
+                  <a:schemeClr val="bg1">
+                    <a:lumMod val="95000"/>
+                  </a:schemeClr>
+                </a:solidFill>
+                <a:ln w="38100">
+                  <a:solidFill>
+                    <a:schemeClr val="tx1"/>
+                  </a:solidFill>
+                </a:ln>
+              </p:spPr>
+              <p:style>
+                <a:lnRef idx="2">
+                  <a:schemeClr val="accent1">
+                    <a:shade val="50000"/>
+                  </a:schemeClr>
+                </a:lnRef>
+                <a:fillRef idx="1">
+                  <a:schemeClr val="accent1"/>
+                </a:fillRef>
+                <a:effectRef idx="0">
+                  <a:schemeClr val="accent1"/>
+                </a:effectRef>
+                <a:fontRef idx="minor">
+                  <a:schemeClr val="lt1"/>
+                </a:fontRef>
+              </p:style>
+              <p:txBody>
+                <a:bodyPr rtlCol="0" anchor="ctr"/>
+                <a:lstStyle/>
+                <a:p>
+                  <a:pPr algn="ctr"/>
+                  <a:endParaRPr lang="en-US" altLang="ko-KR" dirty="0">
+                    <a:solidFill>
+                      <a:schemeClr val="tx1"/>
+                    </a:solidFill>
+                  </a:endParaRPr>
+                </a:p>
+              </p:txBody>
+            </p:sp>
+            <p:sp>
+              <p:nvSpPr>
+                <p:cNvPr id="33" name="직사각형 32">
+                  <a:extLst>
+                    <a:ext uri="{FF2B5EF4-FFF2-40B4-BE49-F238E27FC236}">
+                      <a16:creationId xmlns:a16="http://schemas.microsoft.com/office/drawing/2014/main" id="{5481CC62-845F-46C5-8861-F5AEE72BC9B8}"/>
+                    </a:ext>
+                  </a:extLst>
+                </p:cNvPr>
+                <p:cNvSpPr/>
+                <p:nvPr/>
+              </p:nvSpPr>
+              <p:spPr>
+                <a:xfrm>
+                  <a:off x="5298641" y="1456783"/>
+                  <a:ext cx="502023" cy="478482"/>
+                </a:xfrm>
+                <a:prstGeom prst="rect">
+                  <a:avLst/>
+                </a:prstGeom>
+                <a:solidFill>
+                  <a:schemeClr val="bg1">
+                    <a:lumMod val="95000"/>
+                  </a:schemeClr>
+                </a:solidFill>
+                <a:ln w="38100">
+                  <a:solidFill>
+                    <a:schemeClr val="tx1"/>
+                  </a:solidFill>
+                </a:ln>
+              </p:spPr>
+              <p:style>
+                <a:lnRef idx="2">
+                  <a:schemeClr val="accent1">
+                    <a:shade val="50000"/>
+                  </a:schemeClr>
+                </a:lnRef>
+                <a:fillRef idx="1">
+                  <a:schemeClr val="accent1"/>
+                </a:fillRef>
+                <a:effectRef idx="0">
+                  <a:schemeClr val="accent1"/>
+                </a:effectRef>
+                <a:fontRef idx="minor">
+                  <a:schemeClr val="lt1"/>
+                </a:fontRef>
+              </p:style>
+              <p:txBody>
+                <a:bodyPr rtlCol="0" anchor="ctr"/>
+                <a:lstStyle/>
+                <a:p>
+                  <a:pPr algn="ctr"/>
+                  <a:endParaRPr lang="en-US" altLang="ko-KR" dirty="0">
+                    <a:solidFill>
+                      <a:schemeClr val="tx1"/>
+                    </a:solidFill>
+                  </a:endParaRPr>
+                </a:p>
+              </p:txBody>
+            </p:sp>
+            <p:sp>
+              <p:nvSpPr>
+                <p:cNvPr id="34" name="직사각형 33">
+                  <a:extLst>
+                    <a:ext uri="{FF2B5EF4-FFF2-40B4-BE49-F238E27FC236}">
+                      <a16:creationId xmlns:a16="http://schemas.microsoft.com/office/drawing/2014/main" id="{095AA4DD-F65B-4E7D-9FA9-5298761CB4B3}"/>
+                    </a:ext>
+                  </a:extLst>
+                </p:cNvPr>
+                <p:cNvSpPr/>
+                <p:nvPr/>
+              </p:nvSpPr>
+              <p:spPr>
+                <a:xfrm>
+                  <a:off x="5298641" y="1935265"/>
+                  <a:ext cx="502023" cy="478482"/>
+                </a:xfrm>
+                <a:prstGeom prst="rect">
+                  <a:avLst/>
+                </a:prstGeom>
+                <a:solidFill>
+                  <a:schemeClr val="bg1">
+                    <a:lumMod val="95000"/>
+                  </a:schemeClr>
+                </a:solidFill>
+                <a:ln w="38100">
+                  <a:solidFill>
+                    <a:schemeClr val="tx1"/>
+                  </a:solidFill>
+                </a:ln>
+              </p:spPr>
+              <p:style>
+                <a:lnRef idx="2">
+                  <a:schemeClr val="accent1">
+                    <a:shade val="50000"/>
+                  </a:schemeClr>
+                </a:lnRef>
+                <a:fillRef idx="1">
+                  <a:schemeClr val="accent1"/>
+                </a:fillRef>
+                <a:effectRef idx="0">
+                  <a:schemeClr val="accent1"/>
+                </a:effectRef>
+                <a:fontRef idx="minor">
+                  <a:schemeClr val="lt1"/>
+                </a:fontRef>
+              </p:style>
+              <p:txBody>
+                <a:bodyPr rtlCol="0" anchor="ctr"/>
+                <a:lstStyle/>
+                <a:p>
+                  <a:pPr algn="ctr"/>
+                  <a:endParaRPr lang="en-US" altLang="ko-KR" dirty="0">
+                    <a:solidFill>
+                      <a:schemeClr val="tx1"/>
+                    </a:solidFill>
+                  </a:endParaRPr>
+                </a:p>
+              </p:txBody>
+            </p:sp>
+            <p:sp>
+              <p:nvSpPr>
+                <p:cNvPr id="35" name="직사각형 34">
+                  <a:extLst>
+                    <a:ext uri="{FF2B5EF4-FFF2-40B4-BE49-F238E27FC236}">
+                      <a16:creationId xmlns:a16="http://schemas.microsoft.com/office/drawing/2014/main" id="{25FD5412-B6F0-4661-B90E-3514BE0EC0AE}"/>
+                    </a:ext>
+                  </a:extLst>
+                </p:cNvPr>
+                <p:cNvSpPr/>
+                <p:nvPr/>
+              </p:nvSpPr>
+              <p:spPr>
+                <a:xfrm>
+                  <a:off x="5800664" y="1456783"/>
+                  <a:ext cx="502023" cy="478482"/>
+                </a:xfrm>
+                <a:prstGeom prst="rect">
+                  <a:avLst/>
+                </a:prstGeom>
+                <a:solidFill>
+                  <a:schemeClr val="bg1">
+                    <a:lumMod val="95000"/>
+                  </a:schemeClr>
+                </a:solidFill>
+                <a:ln w="38100">
+                  <a:solidFill>
+                    <a:schemeClr val="tx1"/>
+                  </a:solidFill>
+                </a:ln>
+              </p:spPr>
+              <p:style>
+                <a:lnRef idx="2">
+                  <a:schemeClr val="accent1">
+                    <a:shade val="50000"/>
+                  </a:schemeClr>
+                </a:lnRef>
+                <a:fillRef idx="1">
+                  <a:schemeClr val="accent1"/>
+                </a:fillRef>
+                <a:effectRef idx="0">
+                  <a:schemeClr val="accent1"/>
+                </a:effectRef>
+                <a:fontRef idx="minor">
+                  <a:schemeClr val="lt1"/>
+                </a:fontRef>
+              </p:style>
+              <p:txBody>
+                <a:bodyPr rtlCol="0" anchor="ctr"/>
+                <a:lstStyle/>
+                <a:p>
+                  <a:pPr algn="ctr"/>
+                  <a:endParaRPr lang="en-US" altLang="ko-KR" dirty="0">
+                    <a:solidFill>
+                      <a:schemeClr val="tx1"/>
+                    </a:solidFill>
+                  </a:endParaRPr>
+                </a:p>
+              </p:txBody>
+            </p:sp>
+            <p:sp>
+              <p:nvSpPr>
+                <p:cNvPr id="36" name="직사각형 35">
+                  <a:extLst>
+                    <a:ext uri="{FF2B5EF4-FFF2-40B4-BE49-F238E27FC236}">
+                      <a16:creationId xmlns:a16="http://schemas.microsoft.com/office/drawing/2014/main" id="{42D0D545-2A8C-4206-B1EC-5E6280FB4F88}"/>
+                    </a:ext>
+                  </a:extLst>
+                </p:cNvPr>
+                <p:cNvSpPr/>
+                <p:nvPr/>
+              </p:nvSpPr>
+              <p:spPr>
+                <a:xfrm>
+                  <a:off x="6302687" y="1456783"/>
+                  <a:ext cx="502023" cy="478482"/>
+                </a:xfrm>
+                <a:prstGeom prst="rect">
+                  <a:avLst/>
+                </a:prstGeom>
+                <a:solidFill>
+                  <a:schemeClr val="bg1">
+                    <a:lumMod val="95000"/>
+                  </a:schemeClr>
+                </a:solidFill>
+                <a:ln w="38100">
+                  <a:solidFill>
+                    <a:schemeClr val="tx1"/>
+                  </a:solidFill>
+                </a:ln>
+              </p:spPr>
+              <p:style>
+                <a:lnRef idx="2">
+                  <a:schemeClr val="accent1">
+                    <a:shade val="50000"/>
+                  </a:schemeClr>
+                </a:lnRef>
+                <a:fillRef idx="1">
+                  <a:schemeClr val="accent1"/>
+                </a:fillRef>
+                <a:effectRef idx="0">
+                  <a:schemeClr val="accent1"/>
+                </a:effectRef>
+                <a:fontRef idx="minor">
+                  <a:schemeClr val="lt1"/>
+                </a:fontRef>
+              </p:style>
+              <p:txBody>
+                <a:bodyPr rtlCol="0" anchor="ctr"/>
+                <a:lstStyle/>
+                <a:p>
+                  <a:pPr algn="ctr"/>
+                  <a:endParaRPr lang="en-US" altLang="ko-KR" dirty="0">
+                    <a:solidFill>
+                      <a:schemeClr val="tx1"/>
+                    </a:solidFill>
+                  </a:endParaRPr>
+                </a:p>
+              </p:txBody>
+            </p:sp>
+            <p:sp>
+              <p:nvSpPr>
+                <p:cNvPr id="37" name="직사각형 36">
+                  <a:extLst>
+                    <a:ext uri="{FF2B5EF4-FFF2-40B4-BE49-F238E27FC236}">
+                      <a16:creationId xmlns:a16="http://schemas.microsoft.com/office/drawing/2014/main" id="{2E067C72-2F3E-425B-B392-BB79B6A0BBC7}"/>
+                    </a:ext>
+                  </a:extLst>
+                </p:cNvPr>
+                <p:cNvSpPr/>
+                <p:nvPr/>
+              </p:nvSpPr>
+              <p:spPr>
+                <a:xfrm>
+                  <a:off x="5800664" y="1935265"/>
+                  <a:ext cx="502023" cy="478482"/>
+                </a:xfrm>
+                <a:prstGeom prst="rect">
+                  <a:avLst/>
+                </a:prstGeom>
+                <a:solidFill>
+                  <a:schemeClr val="bg1">
+                    <a:lumMod val="95000"/>
+                  </a:schemeClr>
+                </a:solidFill>
+                <a:ln w="38100">
+                  <a:solidFill>
+                    <a:schemeClr val="tx1"/>
+                  </a:solidFill>
+                </a:ln>
+              </p:spPr>
+              <p:style>
+                <a:lnRef idx="2">
+                  <a:schemeClr val="accent1">
+                    <a:shade val="50000"/>
+                  </a:schemeClr>
+                </a:lnRef>
+                <a:fillRef idx="1">
+                  <a:schemeClr val="accent1"/>
+                </a:fillRef>
+                <a:effectRef idx="0">
+                  <a:schemeClr val="accent1"/>
+                </a:effectRef>
+                <a:fontRef idx="minor">
+                  <a:schemeClr val="lt1"/>
+                </a:fontRef>
+              </p:style>
+              <p:txBody>
+                <a:bodyPr rtlCol="0" anchor="ctr"/>
+                <a:lstStyle/>
+                <a:p>
+                  <a:pPr algn="ctr"/>
+                  <a:endParaRPr lang="en-US" altLang="ko-KR" dirty="0">
+                    <a:solidFill>
+                      <a:schemeClr val="tx1"/>
+                    </a:solidFill>
+                  </a:endParaRPr>
+                </a:p>
+              </p:txBody>
+            </p:sp>
+            <p:sp>
+              <p:nvSpPr>
+                <p:cNvPr id="38" name="직사각형 37">
+                  <a:extLst>
+                    <a:ext uri="{FF2B5EF4-FFF2-40B4-BE49-F238E27FC236}">
+                      <a16:creationId xmlns:a16="http://schemas.microsoft.com/office/drawing/2014/main" id="{E29356E1-D0C9-4C9A-9071-0E76068E4B5C}"/>
+                    </a:ext>
+                  </a:extLst>
+                </p:cNvPr>
+                <p:cNvSpPr/>
+                <p:nvPr/>
+              </p:nvSpPr>
+              <p:spPr>
+                <a:xfrm>
+                  <a:off x="6302687" y="1935265"/>
+                  <a:ext cx="502023" cy="478482"/>
+                </a:xfrm>
+                <a:prstGeom prst="rect">
+                  <a:avLst/>
+                </a:prstGeom>
+                <a:solidFill>
+                  <a:schemeClr val="bg1">
+                    <a:lumMod val="95000"/>
+                  </a:schemeClr>
+                </a:solidFill>
+                <a:ln w="38100">
+                  <a:solidFill>
+                    <a:schemeClr val="tx1"/>
+                  </a:solidFill>
+                </a:ln>
+              </p:spPr>
+              <p:style>
+                <a:lnRef idx="2">
+                  <a:schemeClr val="accent1">
+                    <a:shade val="50000"/>
+                  </a:schemeClr>
+                </a:lnRef>
+                <a:fillRef idx="1">
+                  <a:schemeClr val="accent1"/>
+                </a:fillRef>
+                <a:effectRef idx="0">
+                  <a:schemeClr val="accent1"/>
+                </a:effectRef>
+                <a:fontRef idx="minor">
+                  <a:schemeClr val="lt1"/>
+                </a:fontRef>
+              </p:style>
+              <p:txBody>
+                <a:bodyPr rtlCol="0" anchor="ctr"/>
+                <a:lstStyle/>
+                <a:p>
+                  <a:pPr algn="ctr"/>
+                  <a:endParaRPr lang="en-US" altLang="ko-KR" dirty="0">
+                    <a:solidFill>
+                      <a:schemeClr val="tx1"/>
+                    </a:solidFill>
+                  </a:endParaRPr>
+                </a:p>
+              </p:txBody>
+            </p:sp>
+          </p:grpSp>
+        </p:grpSp>
+        <p:grpSp>
+          <p:nvGrpSpPr>
+            <p:cNvPr id="39" name="그룹 38">
+              <a:extLst>
+                <a:ext uri="{FF2B5EF4-FFF2-40B4-BE49-F238E27FC236}">
+                  <a16:creationId xmlns:a16="http://schemas.microsoft.com/office/drawing/2014/main" id="{D7DA087C-4239-4F24-8504-AAC06EA1F8C0}"/>
+                </a:ext>
+              </a:extLst>
+            </p:cNvPr>
+            <p:cNvGrpSpPr/>
+            <p:nvPr/>
+          </p:nvGrpSpPr>
+          <p:grpSpPr>
+            <a:xfrm>
+              <a:off x="6732992" y="1959881"/>
+              <a:ext cx="2008092" cy="956964"/>
+              <a:chOff x="4796618" y="1456783"/>
+              <a:chExt cx="2008092" cy="956964"/>
+            </a:xfrm>
+          </p:grpSpPr>
+          <p:sp>
+            <p:nvSpPr>
+              <p:cNvPr id="40" name="직사각형 39">
+                <a:extLst>
+                  <a:ext uri="{FF2B5EF4-FFF2-40B4-BE49-F238E27FC236}">
+                    <a16:creationId xmlns:a16="http://schemas.microsoft.com/office/drawing/2014/main" id="{270ED81D-BC8D-44CA-B7BA-7FD3E7F8559B}"/>
+                  </a:ext>
+                </a:extLst>
+              </p:cNvPr>
+              <p:cNvSpPr/>
+              <p:nvPr/>
+            </p:nvSpPr>
+            <p:spPr>
+              <a:xfrm>
+                <a:off x="4796618" y="1935265"/>
+                <a:ext cx="502023" cy="478482"/>
+              </a:xfrm>
+              <a:prstGeom prst="rect">
+                <a:avLst/>
+              </a:prstGeom>
+              <a:solidFill>
+                <a:schemeClr val="bg1">
+                  <a:lumMod val="95000"/>
+                </a:schemeClr>
+              </a:solidFill>
+              <a:ln w="38100">
+                <a:solidFill>
+                  <a:schemeClr val="tx1"/>
+                </a:solidFill>
+              </a:ln>
+            </p:spPr>
+            <p:style>
+              <a:lnRef idx="2">
+                <a:schemeClr val="accent1">
+                  <a:shade val="50000"/>
+                </a:schemeClr>
+              </a:lnRef>
+              <a:fillRef idx="1">
+                <a:schemeClr val="accent1"/>
+              </a:fillRef>
+              <a:effectRef idx="0">
+                <a:schemeClr val="accent1"/>
+              </a:effectRef>
+              <a:fontRef idx="minor">
+                <a:schemeClr val="lt1"/>
+              </a:fontRef>
+            </p:style>
+            <p:txBody>
+              <a:bodyPr rtlCol="0" anchor="ctr"/>
+              <a:lstStyle/>
+              <a:p>
+                <a:pPr algn="ctr"/>
+                <a:endParaRPr lang="en-US" altLang="ko-KR" dirty="0">
+                  <a:solidFill>
+                    <a:schemeClr val="tx1"/>
+                  </a:solidFill>
+                </a:endParaRPr>
+              </a:p>
+            </p:txBody>
+          </p:sp>
+          <p:grpSp>
+            <p:nvGrpSpPr>
+              <p:cNvPr id="41" name="그룹 40">
+                <a:extLst>
+                  <a:ext uri="{FF2B5EF4-FFF2-40B4-BE49-F238E27FC236}">
+                    <a16:creationId xmlns:a16="http://schemas.microsoft.com/office/drawing/2014/main" id="{375C82D6-95F0-4602-87E7-6F2FD59CDDD4}"/>
+                  </a:ext>
+                </a:extLst>
+              </p:cNvPr>
+              <p:cNvGrpSpPr/>
+              <p:nvPr/>
+            </p:nvGrpSpPr>
+            <p:grpSpPr>
+              <a:xfrm>
+                <a:off x="4796618" y="1456783"/>
+                <a:ext cx="2008092" cy="956964"/>
+                <a:chOff x="4796618" y="1456783"/>
+                <a:chExt cx="2008092" cy="956964"/>
+              </a:xfrm>
+            </p:grpSpPr>
+            <p:sp>
+              <p:nvSpPr>
+                <p:cNvPr id="42" name="직사각형 41">
+                  <a:extLst>
+                    <a:ext uri="{FF2B5EF4-FFF2-40B4-BE49-F238E27FC236}">
+                      <a16:creationId xmlns:a16="http://schemas.microsoft.com/office/drawing/2014/main" id="{81DFC216-31CF-4A6B-B570-B3BEF46B5111}"/>
+                    </a:ext>
+                  </a:extLst>
+                </p:cNvPr>
+                <p:cNvSpPr/>
+                <p:nvPr/>
+              </p:nvSpPr>
+              <p:spPr>
+                <a:xfrm>
+                  <a:off x="4796618" y="1456783"/>
+                  <a:ext cx="502023" cy="478482"/>
+                </a:xfrm>
+                <a:prstGeom prst="rect">
+                  <a:avLst/>
+                </a:prstGeom>
+                <a:solidFill>
+                  <a:schemeClr val="bg1">
+                    <a:lumMod val="95000"/>
+                  </a:schemeClr>
+                </a:solidFill>
+                <a:ln w="38100">
+                  <a:solidFill>
+                    <a:schemeClr val="tx1"/>
+                  </a:solidFill>
+                </a:ln>
+              </p:spPr>
+              <p:style>
+                <a:lnRef idx="2">
+                  <a:schemeClr val="accent1">
+                    <a:shade val="50000"/>
+                  </a:schemeClr>
+                </a:lnRef>
+                <a:fillRef idx="1">
+                  <a:schemeClr val="accent1"/>
+                </a:fillRef>
+                <a:effectRef idx="0">
+                  <a:schemeClr val="accent1"/>
+                </a:effectRef>
+                <a:fontRef idx="minor">
+                  <a:schemeClr val="lt1"/>
+                </a:fontRef>
+              </p:style>
+              <p:txBody>
+                <a:bodyPr rtlCol="0" anchor="ctr"/>
+                <a:lstStyle/>
+                <a:p>
+                  <a:pPr algn="ctr"/>
+                  <a:endParaRPr lang="en-US" altLang="ko-KR" dirty="0">
+                    <a:solidFill>
+                      <a:schemeClr val="tx1"/>
+                    </a:solidFill>
+                  </a:endParaRPr>
+                </a:p>
+              </p:txBody>
+            </p:sp>
+            <p:sp>
+              <p:nvSpPr>
+                <p:cNvPr id="43" name="직사각형 42">
+                  <a:extLst>
+                    <a:ext uri="{FF2B5EF4-FFF2-40B4-BE49-F238E27FC236}">
+                      <a16:creationId xmlns:a16="http://schemas.microsoft.com/office/drawing/2014/main" id="{F858065C-6C8D-4F56-A1F6-65DFA339F4E2}"/>
+                    </a:ext>
+                  </a:extLst>
+                </p:cNvPr>
+                <p:cNvSpPr/>
+                <p:nvPr/>
+              </p:nvSpPr>
+              <p:spPr>
+                <a:xfrm>
+                  <a:off x="5298641" y="1456783"/>
+                  <a:ext cx="502023" cy="478482"/>
+                </a:xfrm>
+                <a:prstGeom prst="rect">
+                  <a:avLst/>
+                </a:prstGeom>
+                <a:solidFill>
+                  <a:schemeClr val="bg1">
+                    <a:lumMod val="95000"/>
+                  </a:schemeClr>
+                </a:solidFill>
+                <a:ln w="38100">
+                  <a:solidFill>
+                    <a:schemeClr val="tx1"/>
+                  </a:solidFill>
+                </a:ln>
+              </p:spPr>
+              <p:style>
+                <a:lnRef idx="2">
+                  <a:schemeClr val="accent1">
+                    <a:shade val="50000"/>
+                  </a:schemeClr>
+                </a:lnRef>
+                <a:fillRef idx="1">
+                  <a:schemeClr val="accent1"/>
+                </a:fillRef>
+                <a:effectRef idx="0">
+                  <a:schemeClr val="accent1"/>
+                </a:effectRef>
+                <a:fontRef idx="minor">
+                  <a:schemeClr val="lt1"/>
+                </a:fontRef>
+              </p:style>
+              <p:txBody>
+                <a:bodyPr rtlCol="0" anchor="ctr"/>
+                <a:lstStyle/>
+                <a:p>
+                  <a:pPr algn="ctr"/>
+                  <a:endParaRPr lang="en-US" altLang="ko-KR" dirty="0">
+                    <a:solidFill>
+                      <a:schemeClr val="tx1"/>
+                    </a:solidFill>
+                  </a:endParaRPr>
+                </a:p>
+              </p:txBody>
+            </p:sp>
+            <p:sp>
+              <p:nvSpPr>
+                <p:cNvPr id="44" name="직사각형 43">
+                  <a:extLst>
+                    <a:ext uri="{FF2B5EF4-FFF2-40B4-BE49-F238E27FC236}">
+                      <a16:creationId xmlns:a16="http://schemas.microsoft.com/office/drawing/2014/main" id="{6DAB93DD-6D17-4EA0-96B0-0139E2B03034}"/>
+                    </a:ext>
+                  </a:extLst>
+                </p:cNvPr>
+                <p:cNvSpPr/>
+                <p:nvPr/>
+              </p:nvSpPr>
+              <p:spPr>
+                <a:xfrm>
+                  <a:off x="5298641" y="1935265"/>
+                  <a:ext cx="502023" cy="478482"/>
+                </a:xfrm>
+                <a:prstGeom prst="rect">
+                  <a:avLst/>
+                </a:prstGeom>
+                <a:solidFill>
+                  <a:schemeClr val="bg1">
+                    <a:lumMod val="95000"/>
+                  </a:schemeClr>
+                </a:solidFill>
+                <a:ln w="38100">
+                  <a:solidFill>
+                    <a:schemeClr val="tx1"/>
+                  </a:solidFill>
+                </a:ln>
+              </p:spPr>
+              <p:style>
+                <a:lnRef idx="2">
+                  <a:schemeClr val="accent1">
+                    <a:shade val="50000"/>
+                  </a:schemeClr>
+                </a:lnRef>
+                <a:fillRef idx="1">
+                  <a:schemeClr val="accent1"/>
+                </a:fillRef>
+                <a:effectRef idx="0">
+                  <a:schemeClr val="accent1"/>
+                </a:effectRef>
+                <a:fontRef idx="minor">
+                  <a:schemeClr val="lt1"/>
+                </a:fontRef>
+              </p:style>
+              <p:txBody>
+                <a:bodyPr rtlCol="0" anchor="ctr"/>
+                <a:lstStyle/>
+                <a:p>
+                  <a:pPr algn="ctr"/>
+                  <a:endParaRPr lang="en-US" altLang="ko-KR" dirty="0">
+                    <a:solidFill>
+                      <a:schemeClr val="tx1"/>
+                    </a:solidFill>
+                  </a:endParaRPr>
+                </a:p>
+              </p:txBody>
+            </p:sp>
+            <p:sp>
+              <p:nvSpPr>
+                <p:cNvPr id="45" name="직사각형 44">
+                  <a:extLst>
+                    <a:ext uri="{FF2B5EF4-FFF2-40B4-BE49-F238E27FC236}">
+                      <a16:creationId xmlns:a16="http://schemas.microsoft.com/office/drawing/2014/main" id="{5398FBB6-0511-4D23-ADDB-FB4A7A91D962}"/>
+                    </a:ext>
+                  </a:extLst>
+                </p:cNvPr>
+                <p:cNvSpPr/>
+                <p:nvPr/>
+              </p:nvSpPr>
+              <p:spPr>
+                <a:xfrm>
+                  <a:off x="5800664" y="1456783"/>
+                  <a:ext cx="502023" cy="478482"/>
+                </a:xfrm>
+                <a:prstGeom prst="rect">
+                  <a:avLst/>
+                </a:prstGeom>
+                <a:solidFill>
+                  <a:schemeClr val="bg1">
+                    <a:lumMod val="95000"/>
+                  </a:schemeClr>
+                </a:solidFill>
+                <a:ln w="38100">
+                  <a:solidFill>
+                    <a:schemeClr val="tx1"/>
+                  </a:solidFill>
+                </a:ln>
+              </p:spPr>
+              <p:style>
+                <a:lnRef idx="2">
+                  <a:schemeClr val="accent1">
+                    <a:shade val="50000"/>
+                  </a:schemeClr>
+                </a:lnRef>
+                <a:fillRef idx="1">
+                  <a:schemeClr val="accent1"/>
+                </a:fillRef>
+                <a:effectRef idx="0">
+                  <a:schemeClr val="accent1"/>
+                </a:effectRef>
+                <a:fontRef idx="minor">
+                  <a:schemeClr val="lt1"/>
+                </a:fontRef>
+              </p:style>
+              <p:txBody>
+                <a:bodyPr rtlCol="0" anchor="ctr"/>
+                <a:lstStyle/>
+                <a:p>
+                  <a:pPr algn="ctr"/>
+                  <a:endParaRPr lang="en-US" altLang="ko-KR" dirty="0">
+                    <a:solidFill>
+                      <a:schemeClr val="tx1"/>
+                    </a:solidFill>
+                  </a:endParaRPr>
+                </a:p>
+              </p:txBody>
+            </p:sp>
+            <p:sp>
+              <p:nvSpPr>
+                <p:cNvPr id="46" name="직사각형 45">
+                  <a:extLst>
+                    <a:ext uri="{FF2B5EF4-FFF2-40B4-BE49-F238E27FC236}">
+                      <a16:creationId xmlns:a16="http://schemas.microsoft.com/office/drawing/2014/main" id="{77C8D2AC-6137-4B6B-803C-0EBC0F57B5EB}"/>
+                    </a:ext>
+                  </a:extLst>
+                </p:cNvPr>
+                <p:cNvSpPr/>
+                <p:nvPr/>
+              </p:nvSpPr>
+              <p:spPr>
+                <a:xfrm>
+                  <a:off x="6302687" y="1456783"/>
+                  <a:ext cx="502023" cy="478482"/>
+                </a:xfrm>
+                <a:prstGeom prst="rect">
+                  <a:avLst/>
+                </a:prstGeom>
+                <a:solidFill>
+                  <a:schemeClr val="bg1">
+                    <a:lumMod val="95000"/>
+                  </a:schemeClr>
+                </a:solidFill>
+                <a:ln w="38100">
+                  <a:solidFill>
+                    <a:schemeClr val="tx1"/>
+                  </a:solidFill>
+                </a:ln>
+              </p:spPr>
+              <p:style>
+                <a:lnRef idx="2">
+                  <a:schemeClr val="accent1">
+                    <a:shade val="50000"/>
+                  </a:schemeClr>
+                </a:lnRef>
+                <a:fillRef idx="1">
+                  <a:schemeClr val="accent1"/>
+                </a:fillRef>
+                <a:effectRef idx="0">
+                  <a:schemeClr val="accent1"/>
+                </a:effectRef>
+                <a:fontRef idx="minor">
+                  <a:schemeClr val="lt1"/>
+                </a:fontRef>
+              </p:style>
+              <p:txBody>
+                <a:bodyPr rtlCol="0" anchor="ctr"/>
+                <a:lstStyle/>
+                <a:p>
+                  <a:pPr algn="ctr"/>
+                  <a:endParaRPr lang="en-US" altLang="ko-KR" dirty="0">
+                    <a:solidFill>
+                      <a:schemeClr val="tx1"/>
+                    </a:solidFill>
+                  </a:endParaRPr>
+                </a:p>
+              </p:txBody>
+            </p:sp>
+            <p:sp>
+              <p:nvSpPr>
+                <p:cNvPr id="47" name="직사각형 46">
+                  <a:extLst>
+                    <a:ext uri="{FF2B5EF4-FFF2-40B4-BE49-F238E27FC236}">
+                      <a16:creationId xmlns:a16="http://schemas.microsoft.com/office/drawing/2014/main" id="{4188515B-3C8E-497D-9DA2-5AA55471A239}"/>
+                    </a:ext>
+                  </a:extLst>
+                </p:cNvPr>
+                <p:cNvSpPr/>
+                <p:nvPr/>
+              </p:nvSpPr>
+              <p:spPr>
+                <a:xfrm>
+                  <a:off x="5800664" y="1935265"/>
+                  <a:ext cx="502023" cy="478482"/>
+                </a:xfrm>
+                <a:prstGeom prst="rect">
+                  <a:avLst/>
+                </a:prstGeom>
+                <a:solidFill>
+                  <a:schemeClr val="bg1">
+                    <a:lumMod val="95000"/>
+                  </a:schemeClr>
+                </a:solidFill>
+                <a:ln w="38100">
+                  <a:solidFill>
+                    <a:schemeClr val="tx1"/>
+                  </a:solidFill>
+                </a:ln>
+              </p:spPr>
+              <p:style>
+                <a:lnRef idx="2">
+                  <a:schemeClr val="accent1">
+                    <a:shade val="50000"/>
+                  </a:schemeClr>
+                </a:lnRef>
+                <a:fillRef idx="1">
+                  <a:schemeClr val="accent1"/>
+                </a:fillRef>
+                <a:effectRef idx="0">
+                  <a:schemeClr val="accent1"/>
+                </a:effectRef>
+                <a:fontRef idx="minor">
+                  <a:schemeClr val="lt1"/>
+                </a:fontRef>
+              </p:style>
+              <p:txBody>
+                <a:bodyPr rtlCol="0" anchor="ctr"/>
+                <a:lstStyle/>
+                <a:p>
+                  <a:pPr algn="ctr"/>
+                  <a:endParaRPr lang="en-US" altLang="ko-KR" dirty="0">
+                    <a:solidFill>
+                      <a:schemeClr val="tx1"/>
+                    </a:solidFill>
+                  </a:endParaRPr>
+                </a:p>
+              </p:txBody>
+            </p:sp>
+            <p:sp>
+              <p:nvSpPr>
+                <p:cNvPr id="48" name="직사각형 47">
+                  <a:extLst>
+                    <a:ext uri="{FF2B5EF4-FFF2-40B4-BE49-F238E27FC236}">
+                      <a16:creationId xmlns:a16="http://schemas.microsoft.com/office/drawing/2014/main" id="{59D7E2DD-3FFC-4527-A77F-6B243E54F1FC}"/>
+                    </a:ext>
+                  </a:extLst>
+                </p:cNvPr>
+                <p:cNvSpPr/>
+                <p:nvPr/>
+              </p:nvSpPr>
+              <p:spPr>
+                <a:xfrm>
+                  <a:off x="6302687" y="1935265"/>
+                  <a:ext cx="502023" cy="478482"/>
+                </a:xfrm>
+                <a:prstGeom prst="rect">
+                  <a:avLst/>
+                </a:prstGeom>
+                <a:solidFill>
+                  <a:schemeClr val="bg1">
+                    <a:lumMod val="95000"/>
+                  </a:schemeClr>
+                </a:solidFill>
+                <a:ln w="38100">
+                  <a:solidFill>
+                    <a:schemeClr val="tx1"/>
+                  </a:solidFill>
+                </a:ln>
+              </p:spPr>
+              <p:style>
+                <a:lnRef idx="2">
+                  <a:schemeClr val="accent1">
+                    <a:shade val="50000"/>
+                  </a:schemeClr>
+                </a:lnRef>
+                <a:fillRef idx="1">
+                  <a:schemeClr val="accent1"/>
+                </a:fillRef>
+                <a:effectRef idx="0">
+                  <a:schemeClr val="accent1"/>
+                </a:effectRef>
+                <a:fontRef idx="minor">
+                  <a:schemeClr val="lt1"/>
+                </a:fontRef>
+              </p:style>
+              <p:txBody>
+                <a:bodyPr rtlCol="0" anchor="ctr"/>
+                <a:lstStyle/>
+                <a:p>
+                  <a:pPr algn="ctr"/>
+                  <a:endParaRPr lang="en-US" altLang="ko-KR" dirty="0">
+                    <a:solidFill>
+                      <a:schemeClr val="tx1"/>
+                    </a:solidFill>
+                  </a:endParaRPr>
+                </a:p>
+              </p:txBody>
+            </p:sp>
+          </p:grpSp>
+        </p:grpSp>
+        <p:grpSp>
+          <p:nvGrpSpPr>
+            <p:cNvPr id="49" name="그룹 48">
+              <a:extLst>
+                <a:ext uri="{FF2B5EF4-FFF2-40B4-BE49-F238E27FC236}">
+                  <a16:creationId xmlns:a16="http://schemas.microsoft.com/office/drawing/2014/main" id="{8E27D3CC-E654-4658-9A13-B820EEB4F002}"/>
+                </a:ext>
+              </a:extLst>
+            </p:cNvPr>
+            <p:cNvGrpSpPr/>
+            <p:nvPr/>
+          </p:nvGrpSpPr>
+          <p:grpSpPr>
+            <a:xfrm>
+              <a:off x="4724900" y="2894395"/>
+              <a:ext cx="2008092" cy="956964"/>
+              <a:chOff x="4796618" y="1456783"/>
+              <a:chExt cx="2008092" cy="956964"/>
+            </a:xfrm>
+          </p:grpSpPr>
+          <p:sp>
+            <p:nvSpPr>
+              <p:cNvPr id="50" name="직사각형 49">
+                <a:extLst>
+                  <a:ext uri="{FF2B5EF4-FFF2-40B4-BE49-F238E27FC236}">
+                    <a16:creationId xmlns:a16="http://schemas.microsoft.com/office/drawing/2014/main" id="{D4455A29-5FC9-4B6A-9923-FCA40C6EA3AA}"/>
+                  </a:ext>
+                </a:extLst>
+              </p:cNvPr>
+              <p:cNvSpPr/>
+              <p:nvPr/>
+            </p:nvSpPr>
+            <p:spPr>
+              <a:xfrm>
+                <a:off x="4796618" y="1935265"/>
+                <a:ext cx="502023" cy="478482"/>
+              </a:xfrm>
+              <a:prstGeom prst="rect">
+                <a:avLst/>
+              </a:prstGeom>
+              <a:solidFill>
+                <a:schemeClr val="bg1">
+                  <a:lumMod val="95000"/>
+                </a:schemeClr>
+              </a:solidFill>
+              <a:ln w="38100">
+                <a:solidFill>
+                  <a:schemeClr val="tx1"/>
+                </a:solidFill>
+              </a:ln>
+            </p:spPr>
+            <p:style>
+              <a:lnRef idx="2">
+                <a:schemeClr val="accent1">
+                  <a:shade val="50000"/>
+                </a:schemeClr>
+              </a:lnRef>
+              <a:fillRef idx="1">
+                <a:schemeClr val="accent1"/>
+              </a:fillRef>
+              <a:effectRef idx="0">
+                <a:schemeClr val="accent1"/>
+              </a:effectRef>
+              <a:fontRef idx="minor">
+                <a:schemeClr val="lt1"/>
+              </a:fontRef>
+            </p:style>
+            <p:txBody>
+              <a:bodyPr rtlCol="0" anchor="ctr"/>
+              <a:lstStyle/>
+              <a:p>
+                <a:pPr algn="ctr"/>
+                <a:endParaRPr lang="en-US" altLang="ko-KR" dirty="0">
+                  <a:solidFill>
+                    <a:schemeClr val="tx1"/>
+                  </a:solidFill>
+                </a:endParaRPr>
+              </a:p>
+            </p:txBody>
+          </p:sp>
+          <p:grpSp>
+            <p:nvGrpSpPr>
+              <p:cNvPr id="51" name="그룹 50">
+                <a:extLst>
+                  <a:ext uri="{FF2B5EF4-FFF2-40B4-BE49-F238E27FC236}">
+                    <a16:creationId xmlns:a16="http://schemas.microsoft.com/office/drawing/2014/main" id="{7326E8B4-0C09-45E2-92DE-E3BFB96340E5}"/>
+                  </a:ext>
+                </a:extLst>
+              </p:cNvPr>
+              <p:cNvGrpSpPr/>
+              <p:nvPr/>
+            </p:nvGrpSpPr>
+            <p:grpSpPr>
+              <a:xfrm>
+                <a:off x="4796618" y="1456783"/>
+                <a:ext cx="2008092" cy="956964"/>
+                <a:chOff x="4796618" y="1456783"/>
+                <a:chExt cx="2008092" cy="956964"/>
+              </a:xfrm>
+            </p:grpSpPr>
+            <p:sp>
+              <p:nvSpPr>
+                <p:cNvPr id="52" name="직사각형 51">
+                  <a:extLst>
+                    <a:ext uri="{FF2B5EF4-FFF2-40B4-BE49-F238E27FC236}">
+                      <a16:creationId xmlns:a16="http://schemas.microsoft.com/office/drawing/2014/main" id="{47751153-EAE9-4DEC-846C-F1E9E266E9D5}"/>
+                    </a:ext>
+                  </a:extLst>
+                </p:cNvPr>
+                <p:cNvSpPr/>
+                <p:nvPr/>
+              </p:nvSpPr>
+              <p:spPr>
+                <a:xfrm>
+                  <a:off x="4796618" y="1456783"/>
+                  <a:ext cx="502023" cy="478482"/>
+                </a:xfrm>
+                <a:prstGeom prst="rect">
+                  <a:avLst/>
+                </a:prstGeom>
+                <a:solidFill>
+                  <a:schemeClr val="bg1">
+                    <a:lumMod val="95000"/>
+                  </a:schemeClr>
+                </a:solidFill>
+                <a:ln w="38100">
+                  <a:solidFill>
+                    <a:schemeClr val="tx1"/>
+                  </a:solidFill>
+                </a:ln>
+              </p:spPr>
+              <p:style>
+                <a:lnRef idx="2">
+                  <a:schemeClr val="accent1">
+                    <a:shade val="50000"/>
+                  </a:schemeClr>
+                </a:lnRef>
+                <a:fillRef idx="1">
+                  <a:schemeClr val="accent1"/>
+                </a:fillRef>
+                <a:effectRef idx="0">
+                  <a:schemeClr val="accent1"/>
+                </a:effectRef>
+                <a:fontRef idx="minor">
+                  <a:schemeClr val="lt1"/>
+                </a:fontRef>
+              </p:style>
+              <p:txBody>
+                <a:bodyPr rtlCol="0" anchor="ctr"/>
+                <a:lstStyle/>
+                <a:p>
+                  <a:pPr algn="ctr"/>
+                  <a:endParaRPr lang="en-US" altLang="ko-KR" dirty="0">
+                    <a:solidFill>
+                      <a:schemeClr val="tx1"/>
+                    </a:solidFill>
+                  </a:endParaRPr>
+                </a:p>
+              </p:txBody>
+            </p:sp>
+            <p:sp>
+              <p:nvSpPr>
+                <p:cNvPr id="53" name="직사각형 52">
+                  <a:extLst>
+                    <a:ext uri="{FF2B5EF4-FFF2-40B4-BE49-F238E27FC236}">
+                      <a16:creationId xmlns:a16="http://schemas.microsoft.com/office/drawing/2014/main" id="{548FFD59-5EE0-494D-9636-DDE591640955}"/>
+                    </a:ext>
+                  </a:extLst>
+                </p:cNvPr>
+                <p:cNvSpPr/>
+                <p:nvPr/>
+              </p:nvSpPr>
+              <p:spPr>
+                <a:xfrm>
+                  <a:off x="5298641" y="1456783"/>
+                  <a:ext cx="502023" cy="478482"/>
+                </a:xfrm>
+                <a:prstGeom prst="rect">
+                  <a:avLst/>
+                </a:prstGeom>
+                <a:solidFill>
+                  <a:schemeClr val="bg1">
+                    <a:lumMod val="95000"/>
+                  </a:schemeClr>
+                </a:solidFill>
+                <a:ln w="38100">
+                  <a:solidFill>
+                    <a:schemeClr val="tx1"/>
+                  </a:solidFill>
+                </a:ln>
+              </p:spPr>
+              <p:style>
+                <a:lnRef idx="2">
+                  <a:schemeClr val="accent1">
+                    <a:shade val="50000"/>
+                  </a:schemeClr>
+                </a:lnRef>
+                <a:fillRef idx="1">
+                  <a:schemeClr val="accent1"/>
+                </a:fillRef>
+                <a:effectRef idx="0">
+                  <a:schemeClr val="accent1"/>
+                </a:effectRef>
+                <a:fontRef idx="minor">
+                  <a:schemeClr val="lt1"/>
+                </a:fontRef>
+              </p:style>
+              <p:txBody>
+                <a:bodyPr rtlCol="0" anchor="ctr"/>
+                <a:lstStyle/>
+                <a:p>
+                  <a:pPr algn="ctr"/>
+                  <a:endParaRPr lang="en-US" altLang="ko-KR" dirty="0">
+                    <a:solidFill>
+                      <a:schemeClr val="tx1"/>
+                    </a:solidFill>
+                  </a:endParaRPr>
+                </a:p>
+              </p:txBody>
+            </p:sp>
+            <p:sp>
+              <p:nvSpPr>
+                <p:cNvPr id="54" name="직사각형 53">
+                  <a:extLst>
+                    <a:ext uri="{FF2B5EF4-FFF2-40B4-BE49-F238E27FC236}">
+                      <a16:creationId xmlns:a16="http://schemas.microsoft.com/office/drawing/2014/main" id="{AB8E8C6E-F888-4142-87DE-832866911D95}"/>
+                    </a:ext>
+                  </a:extLst>
+                </p:cNvPr>
+                <p:cNvSpPr/>
+                <p:nvPr/>
+              </p:nvSpPr>
+              <p:spPr>
+                <a:xfrm>
+                  <a:off x="5298641" y="1935265"/>
+                  <a:ext cx="502023" cy="478482"/>
+                </a:xfrm>
+                <a:prstGeom prst="rect">
+                  <a:avLst/>
+                </a:prstGeom>
+                <a:solidFill>
+                  <a:schemeClr val="bg1">
+                    <a:lumMod val="95000"/>
+                  </a:schemeClr>
+                </a:solidFill>
+                <a:ln w="38100">
+                  <a:solidFill>
+                    <a:schemeClr val="tx1"/>
+                  </a:solidFill>
+                </a:ln>
+              </p:spPr>
+              <p:style>
+                <a:lnRef idx="2">
+                  <a:schemeClr val="accent1">
+                    <a:shade val="50000"/>
+                  </a:schemeClr>
+                </a:lnRef>
+                <a:fillRef idx="1">
+                  <a:schemeClr val="accent1"/>
+                </a:fillRef>
+                <a:effectRef idx="0">
+                  <a:schemeClr val="accent1"/>
+                </a:effectRef>
+                <a:fontRef idx="minor">
+                  <a:schemeClr val="lt1"/>
+                </a:fontRef>
+              </p:style>
+              <p:txBody>
+                <a:bodyPr rtlCol="0" anchor="ctr"/>
+                <a:lstStyle/>
+                <a:p>
+                  <a:pPr algn="ctr"/>
+                  <a:endParaRPr lang="en-US" altLang="ko-KR" dirty="0">
+                    <a:solidFill>
+                      <a:schemeClr val="tx1"/>
+                    </a:solidFill>
+                  </a:endParaRPr>
+                </a:p>
+              </p:txBody>
+            </p:sp>
+            <p:sp>
+              <p:nvSpPr>
+                <p:cNvPr id="55" name="직사각형 54">
+                  <a:extLst>
+                    <a:ext uri="{FF2B5EF4-FFF2-40B4-BE49-F238E27FC236}">
+                      <a16:creationId xmlns:a16="http://schemas.microsoft.com/office/drawing/2014/main" id="{D0F31226-55FE-4884-A58E-F3A58193551C}"/>
+                    </a:ext>
+                  </a:extLst>
+                </p:cNvPr>
+                <p:cNvSpPr/>
+                <p:nvPr/>
+              </p:nvSpPr>
+              <p:spPr>
+                <a:xfrm>
+                  <a:off x="5800664" y="1456783"/>
+                  <a:ext cx="502023" cy="478482"/>
+                </a:xfrm>
+                <a:prstGeom prst="rect">
+                  <a:avLst/>
+                </a:prstGeom>
+                <a:solidFill>
+                  <a:schemeClr val="bg1">
+                    <a:lumMod val="95000"/>
+                  </a:schemeClr>
+                </a:solidFill>
+                <a:ln w="38100">
+                  <a:solidFill>
+                    <a:schemeClr val="tx1"/>
+                  </a:solidFill>
+                </a:ln>
+              </p:spPr>
+              <p:style>
+                <a:lnRef idx="2">
+                  <a:schemeClr val="accent1">
+                    <a:shade val="50000"/>
+                  </a:schemeClr>
+                </a:lnRef>
+                <a:fillRef idx="1">
+                  <a:schemeClr val="accent1"/>
+                </a:fillRef>
+                <a:effectRef idx="0">
+                  <a:schemeClr val="accent1"/>
+                </a:effectRef>
+                <a:fontRef idx="minor">
+                  <a:schemeClr val="lt1"/>
+                </a:fontRef>
+              </p:style>
+              <p:txBody>
+                <a:bodyPr rtlCol="0" anchor="ctr"/>
+                <a:lstStyle/>
+                <a:p>
+                  <a:pPr algn="ctr"/>
+                  <a:endParaRPr lang="en-US" altLang="ko-KR" dirty="0">
+                    <a:solidFill>
+                      <a:schemeClr val="tx1"/>
+                    </a:solidFill>
+                  </a:endParaRPr>
+                </a:p>
+              </p:txBody>
+            </p:sp>
+            <p:sp>
+              <p:nvSpPr>
+                <p:cNvPr id="56" name="직사각형 55">
+                  <a:extLst>
+                    <a:ext uri="{FF2B5EF4-FFF2-40B4-BE49-F238E27FC236}">
+                      <a16:creationId xmlns:a16="http://schemas.microsoft.com/office/drawing/2014/main" id="{426657C3-7DEA-44BC-8A46-B4047CF6DF96}"/>
+                    </a:ext>
+                  </a:extLst>
+                </p:cNvPr>
+                <p:cNvSpPr/>
+                <p:nvPr/>
+              </p:nvSpPr>
+              <p:spPr>
+                <a:xfrm>
+                  <a:off x="6302687" y="1456783"/>
+                  <a:ext cx="502023" cy="478482"/>
+                </a:xfrm>
+                <a:prstGeom prst="rect">
+                  <a:avLst/>
+                </a:prstGeom>
+                <a:solidFill>
+                  <a:schemeClr val="bg1">
+                    <a:lumMod val="95000"/>
+                  </a:schemeClr>
+                </a:solidFill>
+                <a:ln w="38100">
+                  <a:solidFill>
+                    <a:schemeClr val="tx1"/>
+                  </a:solidFill>
+                </a:ln>
+              </p:spPr>
+              <p:style>
+                <a:lnRef idx="2">
+                  <a:schemeClr val="accent1">
+                    <a:shade val="50000"/>
+                  </a:schemeClr>
+                </a:lnRef>
+                <a:fillRef idx="1">
+                  <a:schemeClr val="accent1"/>
+                </a:fillRef>
+                <a:effectRef idx="0">
+                  <a:schemeClr val="accent1"/>
+                </a:effectRef>
+                <a:fontRef idx="minor">
+                  <a:schemeClr val="lt1"/>
+                </a:fontRef>
+              </p:style>
+              <p:txBody>
+                <a:bodyPr rtlCol="0" anchor="ctr"/>
+                <a:lstStyle/>
+                <a:p>
+                  <a:pPr algn="ctr"/>
+                  <a:endParaRPr lang="en-US" altLang="ko-KR" dirty="0">
+                    <a:solidFill>
+                      <a:schemeClr val="tx1"/>
+                    </a:solidFill>
+                  </a:endParaRPr>
+                </a:p>
+              </p:txBody>
+            </p:sp>
+            <p:sp>
+              <p:nvSpPr>
+                <p:cNvPr id="57" name="직사각형 56">
+                  <a:extLst>
+                    <a:ext uri="{FF2B5EF4-FFF2-40B4-BE49-F238E27FC236}">
+                      <a16:creationId xmlns:a16="http://schemas.microsoft.com/office/drawing/2014/main" id="{9E6FA17F-0D60-4B48-930D-53F458D285ED}"/>
+                    </a:ext>
+                  </a:extLst>
+                </p:cNvPr>
+                <p:cNvSpPr/>
+                <p:nvPr/>
+              </p:nvSpPr>
+              <p:spPr>
+                <a:xfrm>
+                  <a:off x="5800664" y="1935265"/>
+                  <a:ext cx="502023" cy="478482"/>
+                </a:xfrm>
+                <a:prstGeom prst="rect">
+                  <a:avLst/>
+                </a:prstGeom>
+                <a:solidFill>
+                  <a:schemeClr val="bg1">
+                    <a:lumMod val="95000"/>
+                  </a:schemeClr>
+                </a:solidFill>
+                <a:ln w="38100">
+                  <a:solidFill>
+                    <a:schemeClr val="tx1"/>
+                  </a:solidFill>
+                </a:ln>
+              </p:spPr>
+              <p:style>
+                <a:lnRef idx="2">
+                  <a:schemeClr val="accent1">
+                    <a:shade val="50000"/>
+                  </a:schemeClr>
+                </a:lnRef>
+                <a:fillRef idx="1">
+                  <a:schemeClr val="accent1"/>
+                </a:fillRef>
+                <a:effectRef idx="0">
+                  <a:schemeClr val="accent1"/>
+                </a:effectRef>
+                <a:fontRef idx="minor">
+                  <a:schemeClr val="lt1"/>
+                </a:fontRef>
+              </p:style>
+              <p:txBody>
+                <a:bodyPr rtlCol="0" anchor="ctr"/>
+                <a:lstStyle/>
+                <a:p>
+                  <a:pPr algn="ctr"/>
+                  <a:endParaRPr lang="en-US" altLang="ko-KR" dirty="0">
+                    <a:solidFill>
+                      <a:schemeClr val="tx1"/>
+                    </a:solidFill>
+                  </a:endParaRPr>
+                </a:p>
+              </p:txBody>
+            </p:sp>
+            <p:sp>
+              <p:nvSpPr>
+                <p:cNvPr id="58" name="직사각형 57">
+                  <a:extLst>
+                    <a:ext uri="{FF2B5EF4-FFF2-40B4-BE49-F238E27FC236}">
+                      <a16:creationId xmlns:a16="http://schemas.microsoft.com/office/drawing/2014/main" id="{3B24A628-35E1-4248-B826-ED752BD38462}"/>
+                    </a:ext>
+                  </a:extLst>
+                </p:cNvPr>
+                <p:cNvSpPr/>
+                <p:nvPr/>
+              </p:nvSpPr>
+              <p:spPr>
+                <a:xfrm>
+                  <a:off x="6302687" y="1935265"/>
+                  <a:ext cx="502023" cy="478482"/>
+                </a:xfrm>
+                <a:prstGeom prst="rect">
+                  <a:avLst/>
+                </a:prstGeom>
+                <a:solidFill>
+                  <a:schemeClr val="bg1">
+                    <a:lumMod val="95000"/>
+                  </a:schemeClr>
+                </a:solidFill>
+                <a:ln w="38100">
+                  <a:solidFill>
+                    <a:schemeClr val="tx1"/>
+                  </a:solidFill>
+                </a:ln>
+              </p:spPr>
+              <p:style>
+                <a:lnRef idx="2">
+                  <a:schemeClr val="accent1">
+                    <a:shade val="50000"/>
+                  </a:schemeClr>
+                </a:lnRef>
+                <a:fillRef idx="1">
+                  <a:schemeClr val="accent1"/>
+                </a:fillRef>
+                <a:effectRef idx="0">
+                  <a:schemeClr val="accent1"/>
+                </a:effectRef>
+                <a:fontRef idx="minor">
+                  <a:schemeClr val="lt1"/>
+                </a:fontRef>
+              </p:style>
+              <p:txBody>
+                <a:bodyPr rtlCol="0" anchor="ctr"/>
+                <a:lstStyle/>
+                <a:p>
+                  <a:pPr algn="ctr"/>
+                  <a:endParaRPr lang="en-US" altLang="ko-KR" dirty="0">
+                    <a:solidFill>
+                      <a:schemeClr val="tx1"/>
+                    </a:solidFill>
+                  </a:endParaRPr>
+                </a:p>
+              </p:txBody>
+            </p:sp>
+          </p:grpSp>
+        </p:grpSp>
+        <p:grpSp>
+          <p:nvGrpSpPr>
+            <p:cNvPr id="59" name="그룹 58">
+              <a:extLst>
+                <a:ext uri="{FF2B5EF4-FFF2-40B4-BE49-F238E27FC236}">
+                  <a16:creationId xmlns:a16="http://schemas.microsoft.com/office/drawing/2014/main" id="{DE801608-4B5F-4980-BD99-1D753EC054AB}"/>
+                </a:ext>
+              </a:extLst>
+            </p:cNvPr>
+            <p:cNvGrpSpPr/>
+            <p:nvPr/>
+          </p:nvGrpSpPr>
+          <p:grpSpPr>
+            <a:xfrm>
+              <a:off x="6732992" y="2894395"/>
+              <a:ext cx="2008092" cy="956964"/>
+              <a:chOff x="4788148" y="1456783"/>
+              <a:chExt cx="2008092" cy="956964"/>
+            </a:xfrm>
+          </p:grpSpPr>
+          <p:sp>
+            <p:nvSpPr>
+              <p:cNvPr id="60" name="직사각형 59">
+                <a:extLst>
+                  <a:ext uri="{FF2B5EF4-FFF2-40B4-BE49-F238E27FC236}">
+                    <a16:creationId xmlns:a16="http://schemas.microsoft.com/office/drawing/2014/main" id="{CD7AD86C-CED0-4DEA-830E-5D0392BF1BD6}"/>
+                  </a:ext>
+                </a:extLst>
+              </p:cNvPr>
+              <p:cNvSpPr/>
+              <p:nvPr/>
+            </p:nvSpPr>
+            <p:spPr>
+              <a:xfrm>
+                <a:off x="4788148" y="1935265"/>
+                <a:ext cx="502023" cy="478482"/>
+              </a:xfrm>
+              <a:prstGeom prst="rect">
+                <a:avLst/>
+              </a:prstGeom>
+              <a:solidFill>
+                <a:schemeClr val="bg1">
+                  <a:lumMod val="95000"/>
+                </a:schemeClr>
+              </a:solidFill>
+              <a:ln w="38100">
+                <a:solidFill>
+                  <a:schemeClr val="tx1"/>
+                </a:solidFill>
+              </a:ln>
+            </p:spPr>
+            <p:style>
+              <a:lnRef idx="2">
+                <a:schemeClr val="accent1">
+                  <a:shade val="50000"/>
+                </a:schemeClr>
+              </a:lnRef>
+              <a:fillRef idx="1">
+                <a:schemeClr val="accent1"/>
+              </a:fillRef>
+              <a:effectRef idx="0">
+                <a:schemeClr val="accent1"/>
+              </a:effectRef>
+              <a:fontRef idx="minor">
+                <a:schemeClr val="lt1"/>
+              </a:fontRef>
+            </p:style>
+            <p:txBody>
+              <a:bodyPr rtlCol="0" anchor="ctr"/>
+              <a:lstStyle/>
+              <a:p>
+                <a:pPr algn="ctr"/>
+                <a:endParaRPr lang="en-US" altLang="ko-KR" dirty="0">
+                  <a:solidFill>
+                    <a:schemeClr val="tx1"/>
+                  </a:solidFill>
+                </a:endParaRPr>
+              </a:p>
+            </p:txBody>
+          </p:sp>
+          <p:grpSp>
+            <p:nvGrpSpPr>
+              <p:cNvPr id="61" name="그룹 60">
+                <a:extLst>
+                  <a:ext uri="{FF2B5EF4-FFF2-40B4-BE49-F238E27FC236}">
+                    <a16:creationId xmlns:a16="http://schemas.microsoft.com/office/drawing/2014/main" id="{BD2A6507-ED25-4AFF-B9A3-38A5C7F8E01B}"/>
+                  </a:ext>
+                </a:extLst>
+              </p:cNvPr>
+              <p:cNvGrpSpPr/>
+              <p:nvPr/>
+            </p:nvGrpSpPr>
+            <p:grpSpPr>
+              <a:xfrm>
+                <a:off x="4788148" y="1456783"/>
+                <a:ext cx="2008092" cy="956964"/>
+                <a:chOff x="4788148" y="1456783"/>
+                <a:chExt cx="2008092" cy="956964"/>
+              </a:xfrm>
+            </p:grpSpPr>
+            <p:sp>
+              <p:nvSpPr>
+                <p:cNvPr id="62" name="직사각형 61">
+                  <a:extLst>
+                    <a:ext uri="{FF2B5EF4-FFF2-40B4-BE49-F238E27FC236}">
+                      <a16:creationId xmlns:a16="http://schemas.microsoft.com/office/drawing/2014/main" id="{EBDF87CC-F2BC-4BC1-8661-EE9F794792E3}"/>
+                    </a:ext>
+                  </a:extLst>
+                </p:cNvPr>
+                <p:cNvSpPr/>
+                <p:nvPr/>
+              </p:nvSpPr>
+              <p:spPr>
+                <a:xfrm>
+                  <a:off x="4788148" y="1456783"/>
+                  <a:ext cx="502023" cy="478482"/>
+                </a:xfrm>
+                <a:prstGeom prst="rect">
+                  <a:avLst/>
+                </a:prstGeom>
+                <a:solidFill>
+                  <a:schemeClr val="bg1">
+                    <a:lumMod val="95000"/>
+                  </a:schemeClr>
+                </a:solidFill>
+                <a:ln w="38100">
+                  <a:solidFill>
+                    <a:schemeClr val="tx1"/>
+                  </a:solidFill>
+                </a:ln>
+              </p:spPr>
+              <p:style>
+                <a:lnRef idx="2">
+                  <a:schemeClr val="accent1">
+                    <a:shade val="50000"/>
+                  </a:schemeClr>
+                </a:lnRef>
+                <a:fillRef idx="1">
+                  <a:schemeClr val="accent1"/>
+                </a:fillRef>
+                <a:effectRef idx="0">
+                  <a:schemeClr val="accent1"/>
+                </a:effectRef>
+                <a:fontRef idx="minor">
+                  <a:schemeClr val="lt1"/>
+                </a:fontRef>
+              </p:style>
+              <p:txBody>
+                <a:bodyPr rtlCol="0" anchor="ctr"/>
+                <a:lstStyle/>
+                <a:p>
+                  <a:pPr algn="ctr"/>
+                  <a:endParaRPr lang="en-US" altLang="ko-KR" dirty="0">
+                    <a:solidFill>
+                      <a:schemeClr val="tx1"/>
+                    </a:solidFill>
+                  </a:endParaRPr>
+                </a:p>
+              </p:txBody>
+            </p:sp>
+            <p:sp>
+              <p:nvSpPr>
+                <p:cNvPr id="63" name="직사각형 62">
+                  <a:extLst>
+                    <a:ext uri="{FF2B5EF4-FFF2-40B4-BE49-F238E27FC236}">
+                      <a16:creationId xmlns:a16="http://schemas.microsoft.com/office/drawing/2014/main" id="{E587D916-5F3D-40E0-91A4-C58A65C2E05D}"/>
+                    </a:ext>
+                  </a:extLst>
+                </p:cNvPr>
+                <p:cNvSpPr/>
+                <p:nvPr/>
+              </p:nvSpPr>
+              <p:spPr>
+                <a:xfrm>
+                  <a:off x="5290171" y="1456783"/>
+                  <a:ext cx="502023" cy="478482"/>
+                </a:xfrm>
+                <a:prstGeom prst="rect">
+                  <a:avLst/>
+                </a:prstGeom>
+                <a:solidFill>
+                  <a:schemeClr val="bg1">
+                    <a:lumMod val="95000"/>
+                  </a:schemeClr>
+                </a:solidFill>
+                <a:ln w="38100">
+                  <a:solidFill>
+                    <a:schemeClr val="tx1"/>
+                  </a:solidFill>
+                </a:ln>
+              </p:spPr>
+              <p:style>
+                <a:lnRef idx="2">
+                  <a:schemeClr val="accent1">
+                    <a:shade val="50000"/>
+                  </a:schemeClr>
+                </a:lnRef>
+                <a:fillRef idx="1">
+                  <a:schemeClr val="accent1"/>
+                </a:fillRef>
+                <a:effectRef idx="0">
+                  <a:schemeClr val="accent1"/>
+                </a:effectRef>
+                <a:fontRef idx="minor">
+                  <a:schemeClr val="lt1"/>
+                </a:fontRef>
+              </p:style>
+              <p:txBody>
+                <a:bodyPr rtlCol="0" anchor="ctr"/>
+                <a:lstStyle/>
+                <a:p>
+                  <a:pPr algn="ctr"/>
+                  <a:endParaRPr lang="en-US" altLang="ko-KR" dirty="0">
+                    <a:solidFill>
+                      <a:schemeClr val="tx1"/>
+                    </a:solidFill>
+                  </a:endParaRPr>
+                </a:p>
+              </p:txBody>
+            </p:sp>
+            <p:sp>
+              <p:nvSpPr>
+                <p:cNvPr id="64" name="직사각형 63">
+                  <a:extLst>
+                    <a:ext uri="{FF2B5EF4-FFF2-40B4-BE49-F238E27FC236}">
+                      <a16:creationId xmlns:a16="http://schemas.microsoft.com/office/drawing/2014/main" id="{E48BEC0C-EB31-4561-862D-285710D7D32E}"/>
+                    </a:ext>
+                  </a:extLst>
+                </p:cNvPr>
+                <p:cNvSpPr/>
+                <p:nvPr/>
+              </p:nvSpPr>
+              <p:spPr>
+                <a:xfrm>
+                  <a:off x="5290171" y="1935265"/>
+                  <a:ext cx="502023" cy="478482"/>
+                </a:xfrm>
+                <a:prstGeom prst="rect">
+                  <a:avLst/>
+                </a:prstGeom>
+                <a:solidFill>
+                  <a:schemeClr val="bg1">
+                    <a:lumMod val="95000"/>
+                  </a:schemeClr>
+                </a:solidFill>
+                <a:ln w="38100">
+                  <a:solidFill>
+                    <a:schemeClr val="tx1"/>
+                  </a:solidFill>
+                </a:ln>
+              </p:spPr>
+              <p:style>
+                <a:lnRef idx="2">
+                  <a:schemeClr val="accent1">
+                    <a:shade val="50000"/>
+                  </a:schemeClr>
+                </a:lnRef>
+                <a:fillRef idx="1">
+                  <a:schemeClr val="accent1"/>
+                </a:fillRef>
+                <a:effectRef idx="0">
+                  <a:schemeClr val="accent1"/>
+                </a:effectRef>
+                <a:fontRef idx="minor">
+                  <a:schemeClr val="lt1"/>
+                </a:fontRef>
+              </p:style>
+              <p:txBody>
+                <a:bodyPr rtlCol="0" anchor="ctr"/>
+                <a:lstStyle/>
+                <a:p>
+                  <a:pPr algn="ctr"/>
+                  <a:endParaRPr lang="en-US" altLang="ko-KR" dirty="0">
+                    <a:solidFill>
+                      <a:schemeClr val="tx1"/>
+                    </a:solidFill>
+                  </a:endParaRPr>
+                </a:p>
+              </p:txBody>
+            </p:sp>
+            <p:sp>
+              <p:nvSpPr>
+                <p:cNvPr id="65" name="직사각형 64">
+                  <a:extLst>
+                    <a:ext uri="{FF2B5EF4-FFF2-40B4-BE49-F238E27FC236}">
+                      <a16:creationId xmlns:a16="http://schemas.microsoft.com/office/drawing/2014/main" id="{8F03E90F-1373-45B0-AB13-5F40CA9D3C89}"/>
+                    </a:ext>
+                  </a:extLst>
+                </p:cNvPr>
+                <p:cNvSpPr/>
+                <p:nvPr/>
+              </p:nvSpPr>
+              <p:spPr>
+                <a:xfrm>
+                  <a:off x="5792194" y="1456783"/>
+                  <a:ext cx="502023" cy="478482"/>
+                </a:xfrm>
+                <a:prstGeom prst="rect">
+                  <a:avLst/>
+                </a:prstGeom>
+                <a:solidFill>
+                  <a:schemeClr val="bg1">
+                    <a:lumMod val="95000"/>
+                  </a:schemeClr>
+                </a:solidFill>
+                <a:ln w="38100">
+                  <a:solidFill>
+                    <a:schemeClr val="tx1"/>
+                  </a:solidFill>
+                </a:ln>
+              </p:spPr>
+              <p:style>
+                <a:lnRef idx="2">
+                  <a:schemeClr val="accent1">
+                    <a:shade val="50000"/>
+                  </a:schemeClr>
+                </a:lnRef>
+                <a:fillRef idx="1">
+                  <a:schemeClr val="accent1"/>
+                </a:fillRef>
+                <a:effectRef idx="0">
+                  <a:schemeClr val="accent1"/>
+                </a:effectRef>
+                <a:fontRef idx="minor">
+                  <a:schemeClr val="lt1"/>
+                </a:fontRef>
+              </p:style>
+              <p:txBody>
+                <a:bodyPr rtlCol="0" anchor="ctr"/>
+                <a:lstStyle/>
+                <a:p>
+                  <a:pPr algn="ctr"/>
+                  <a:endParaRPr lang="en-US" altLang="ko-KR" dirty="0">
+                    <a:solidFill>
+                      <a:schemeClr val="tx1"/>
+                    </a:solidFill>
+                  </a:endParaRPr>
+                </a:p>
+              </p:txBody>
+            </p:sp>
+            <p:sp>
+              <p:nvSpPr>
+                <p:cNvPr id="66" name="직사각형 65">
+                  <a:extLst>
+                    <a:ext uri="{FF2B5EF4-FFF2-40B4-BE49-F238E27FC236}">
+                      <a16:creationId xmlns:a16="http://schemas.microsoft.com/office/drawing/2014/main" id="{6815DCC4-9FCD-45A3-A19D-91E60E7E5CCD}"/>
+                    </a:ext>
+                  </a:extLst>
+                </p:cNvPr>
+                <p:cNvSpPr/>
+                <p:nvPr/>
+              </p:nvSpPr>
+              <p:spPr>
+                <a:xfrm>
+                  <a:off x="6294217" y="1456783"/>
+                  <a:ext cx="502023" cy="478482"/>
+                </a:xfrm>
+                <a:prstGeom prst="rect">
+                  <a:avLst/>
+                </a:prstGeom>
+                <a:solidFill>
+                  <a:schemeClr val="bg1">
+                    <a:lumMod val="95000"/>
+                  </a:schemeClr>
+                </a:solidFill>
+                <a:ln w="38100">
+                  <a:solidFill>
+                    <a:schemeClr val="tx1"/>
+                  </a:solidFill>
+                </a:ln>
+              </p:spPr>
+              <p:style>
+                <a:lnRef idx="2">
+                  <a:schemeClr val="accent1">
+                    <a:shade val="50000"/>
+                  </a:schemeClr>
+                </a:lnRef>
+                <a:fillRef idx="1">
+                  <a:schemeClr val="accent1"/>
+                </a:fillRef>
+                <a:effectRef idx="0">
+                  <a:schemeClr val="accent1"/>
+                </a:effectRef>
+                <a:fontRef idx="minor">
+                  <a:schemeClr val="lt1"/>
+                </a:fontRef>
+              </p:style>
+              <p:txBody>
+                <a:bodyPr rtlCol="0" anchor="ctr"/>
+                <a:lstStyle/>
+                <a:p>
+                  <a:pPr algn="ctr"/>
+                  <a:endParaRPr lang="en-US" altLang="ko-KR" dirty="0">
+                    <a:solidFill>
+                      <a:schemeClr val="tx1"/>
+                    </a:solidFill>
+                  </a:endParaRPr>
+                </a:p>
+              </p:txBody>
+            </p:sp>
+            <p:sp>
+              <p:nvSpPr>
+                <p:cNvPr id="67" name="직사각형 66">
+                  <a:extLst>
+                    <a:ext uri="{FF2B5EF4-FFF2-40B4-BE49-F238E27FC236}">
+                      <a16:creationId xmlns:a16="http://schemas.microsoft.com/office/drawing/2014/main" id="{0992BC57-BFF7-49C8-B381-10EBE00A14BC}"/>
+                    </a:ext>
+                  </a:extLst>
+                </p:cNvPr>
+                <p:cNvSpPr/>
+                <p:nvPr/>
+              </p:nvSpPr>
+              <p:spPr>
+                <a:xfrm>
+                  <a:off x="5792194" y="1935265"/>
+                  <a:ext cx="502023" cy="478482"/>
+                </a:xfrm>
+                <a:prstGeom prst="rect">
+                  <a:avLst/>
+                </a:prstGeom>
+                <a:solidFill>
+                  <a:schemeClr val="bg1">
+                    <a:lumMod val="95000"/>
+                  </a:schemeClr>
+                </a:solidFill>
+                <a:ln w="38100">
+                  <a:solidFill>
+                    <a:schemeClr val="tx1"/>
+                  </a:solidFill>
+                </a:ln>
+              </p:spPr>
+              <p:style>
+                <a:lnRef idx="2">
+                  <a:schemeClr val="accent1">
+                    <a:shade val="50000"/>
+                  </a:schemeClr>
+                </a:lnRef>
+                <a:fillRef idx="1">
+                  <a:schemeClr val="accent1"/>
+                </a:fillRef>
+                <a:effectRef idx="0">
+                  <a:schemeClr val="accent1"/>
+                </a:effectRef>
+                <a:fontRef idx="minor">
+                  <a:schemeClr val="lt1"/>
+                </a:fontRef>
+              </p:style>
+              <p:txBody>
+                <a:bodyPr rtlCol="0" anchor="ctr"/>
+                <a:lstStyle/>
+                <a:p>
+                  <a:pPr algn="ctr"/>
+                  <a:endParaRPr lang="en-US" altLang="ko-KR" dirty="0">
+                    <a:solidFill>
+                      <a:schemeClr val="tx1"/>
+                    </a:solidFill>
+                  </a:endParaRPr>
+                </a:p>
+              </p:txBody>
+            </p:sp>
+            <p:sp>
+              <p:nvSpPr>
+                <p:cNvPr id="68" name="직사각형 67">
+                  <a:extLst>
+                    <a:ext uri="{FF2B5EF4-FFF2-40B4-BE49-F238E27FC236}">
+                      <a16:creationId xmlns:a16="http://schemas.microsoft.com/office/drawing/2014/main" id="{D823F2E8-B2D4-4B61-A82B-9BD70AA286BB}"/>
+                    </a:ext>
+                  </a:extLst>
+                </p:cNvPr>
+                <p:cNvSpPr/>
+                <p:nvPr/>
+              </p:nvSpPr>
+              <p:spPr>
+                <a:xfrm>
+                  <a:off x="6294217" y="1935265"/>
+                  <a:ext cx="502023" cy="478482"/>
+                </a:xfrm>
+                <a:prstGeom prst="rect">
+                  <a:avLst/>
+                </a:prstGeom>
+                <a:solidFill>
+                  <a:schemeClr val="bg1">
+                    <a:lumMod val="95000"/>
+                  </a:schemeClr>
+                </a:solidFill>
+                <a:ln w="38100">
+                  <a:solidFill>
+                    <a:schemeClr val="tx1"/>
+                  </a:solidFill>
+                </a:ln>
+              </p:spPr>
+              <p:style>
+                <a:lnRef idx="2">
+                  <a:schemeClr val="accent1">
+                    <a:shade val="50000"/>
+                  </a:schemeClr>
+                </a:lnRef>
+                <a:fillRef idx="1">
+                  <a:schemeClr val="accent1"/>
+                </a:fillRef>
+                <a:effectRef idx="0">
+                  <a:schemeClr val="accent1"/>
+                </a:effectRef>
+                <a:fontRef idx="minor">
+                  <a:schemeClr val="lt1"/>
+                </a:fontRef>
+              </p:style>
+              <p:txBody>
+                <a:bodyPr rtlCol="0" anchor="ctr"/>
+                <a:lstStyle/>
+                <a:p>
+                  <a:pPr algn="ctr"/>
+                  <a:endParaRPr lang="en-US" altLang="ko-KR" dirty="0">
+                    <a:solidFill>
+                      <a:schemeClr val="tx1"/>
+                    </a:solidFill>
+                  </a:endParaRPr>
+                </a:p>
+              </p:txBody>
+            </p:sp>
+          </p:grpSp>
+        </p:grpSp>
+      </p:grpSp>
+      <p:sp>
+        <p:nvSpPr>
+          <p:cNvPr id="70" name="화살표: 오른쪽 69">
+            <a:extLst>
+              <a:ext uri="{FF2B5EF4-FFF2-40B4-BE49-F238E27FC236}">
+                <a16:creationId xmlns:a16="http://schemas.microsoft.com/office/drawing/2014/main" id="{41032264-EA0C-4A23-B8F2-E9869145FEA0}"/>
+              </a:ext>
+            </a:extLst>
+          </p:cNvPr>
+          <p:cNvSpPr/>
+          <p:nvPr/>
+        </p:nvSpPr>
+        <p:spPr>
+          <a:xfrm rot="10800000">
+            <a:off x="9206753" y="2061882"/>
+            <a:ext cx="2052918" cy="478482"/>
+          </a:xfrm>
+          <a:prstGeom prst="rightArrow">
+            <a:avLst/>
+          </a:prstGeom>
+        </p:spPr>
+        <p:style>
+          <a:lnRef idx="2">
+            <a:schemeClr val="accent1">
+              <a:shade val="50000"/>
+            </a:schemeClr>
+          </a:lnRef>
+          <a:fillRef idx="1">
+            <a:schemeClr val="accent1"/>
+          </a:fillRef>
+          <a:effectRef idx="0">
+            <a:schemeClr val="accent1"/>
+          </a:effectRef>
+          <a:fontRef idx="minor">
+            <a:schemeClr val="lt1"/>
+          </a:fontRef>
+        </p:style>
+        <p:txBody>
+          <a:bodyPr rtlCol="0" anchor="ctr"/>
+          <a:lstStyle/>
+          <a:p>
+            <a:pPr algn="ctr"/>
+            <a:endParaRPr lang="ko-KR" altLang="en-US"/>
+          </a:p>
+        </p:txBody>
+      </p:sp>
+      <p:sp>
+        <p:nvSpPr>
+          <p:cNvPr id="71" name="TextBox 70">
+            <a:extLst>
+              <a:ext uri="{FF2B5EF4-FFF2-40B4-BE49-F238E27FC236}">
+                <a16:creationId xmlns:a16="http://schemas.microsoft.com/office/drawing/2014/main" id="{11C9DC98-AB82-4428-9874-D68BF5EDBF4D}"/>
+              </a:ext>
+            </a:extLst>
+          </p:cNvPr>
+          <p:cNvSpPr txBox="1"/>
+          <p:nvPr/>
+        </p:nvSpPr>
+        <p:spPr>
+          <a:xfrm>
+            <a:off x="9932894" y="2674306"/>
+            <a:ext cx="1819835" cy="369332"/>
+          </a:xfrm>
+          <a:prstGeom prst="rect">
+            <a:avLst/>
+          </a:prstGeom>
+          <a:noFill/>
+        </p:spPr>
+        <p:txBody>
+          <a:bodyPr wrap="square" rtlCol="0">
+            <a:spAutoFit/>
+          </a:bodyPr>
+          <a:lstStyle/>
+          <a:p>
+            <a:r>
+              <a:rPr lang="ko-KR" altLang="en-US" dirty="0"/>
+              <a:t>행성 개발 타일</a:t>
+            </a:r>
+          </a:p>
+        </p:txBody>
+      </p:sp>
+    </p:spTree>
+    <p:extLst>
+      <p:ext uri="{BB962C8B-B14F-4D97-AF65-F5344CB8AC3E}">
+        <p14:creationId xmlns:p14="http://schemas.microsoft.com/office/powerpoint/2010/main" val="4052905578"/>
+      </p:ext>
+    </p:extLst>
+  </p:cSld>
+  <p:clrMapOvr>
+    <a:masterClrMapping/>
+  </p:clrMapOvr>
+</p:sld>
+</file>
+
+<file path=ppt/slides/slide7.xml><?xml version="1.0" encoding="utf-8"?>
+<p:sld xmlns:a="http://schemas.openxmlformats.org/drawingml/2006/main" xmlns:r="http://schemas.openxmlformats.org/officeDocument/2006/relationships" xmlns:p="http://schemas.openxmlformats.org/presentationml/2006/main">
+  <p:cSld>
+    <p:spTree>
+      <p:nvGrpSpPr>
+        <p:cNvPr id="1" name=""/>
+        <p:cNvGrpSpPr/>
+        <p:nvPr/>
+      </p:nvGrpSpPr>
+      <p:grpSpPr>
+        <a:xfrm>
+          <a:off x="0" y="0"/>
+          <a:ext cx="0" cy="0"/>
+          <a:chOff x="0" y="0"/>
+          <a:chExt cx="0" cy="0"/>
+        </a:xfrm>
+      </p:grpSpPr>
+      <p:sp>
+        <p:nvSpPr>
+          <p:cNvPr id="4" name="직사각형 3">
+            <a:extLst>
+              <a:ext uri="{FF2B5EF4-FFF2-40B4-BE49-F238E27FC236}">
+                <a16:creationId xmlns:a16="http://schemas.microsoft.com/office/drawing/2014/main" id="{D81D16B0-DA94-44C8-A580-299FE9184357}"/>
+              </a:ext>
+            </a:extLst>
+          </p:cNvPr>
+          <p:cNvSpPr/>
+          <p:nvPr/>
+        </p:nvSpPr>
+        <p:spPr>
+          <a:xfrm>
+            <a:off x="843684" y="323861"/>
+            <a:ext cx="8658904" cy="5530092"/>
+          </a:xfrm>
+          <a:prstGeom prst="rect">
+            <a:avLst/>
+          </a:prstGeom>
+          <a:solidFill>
+            <a:schemeClr val="bg1">
+              <a:lumMod val="95000"/>
+            </a:schemeClr>
+          </a:solidFill>
+          <a:ln w="38100">
+            <a:solidFill>
+              <a:schemeClr val="tx1"/>
+            </a:solidFill>
+          </a:ln>
+        </p:spPr>
+        <p:style>
+          <a:lnRef idx="2">
+            <a:schemeClr val="accent1">
+              <a:shade val="50000"/>
+            </a:schemeClr>
+          </a:lnRef>
+          <a:fillRef idx="1">
+            <a:schemeClr val="accent1"/>
+          </a:fillRef>
+          <a:effectRef idx="0">
+            <a:schemeClr val="accent1"/>
+          </a:effectRef>
+          <a:fontRef idx="minor">
+            <a:schemeClr val="lt1"/>
+          </a:fontRef>
+        </p:style>
+        <p:txBody>
+          <a:bodyPr rtlCol="0" anchor="ctr"/>
+          <a:lstStyle/>
+          <a:p>
+            <a:pPr algn="ctr"/>
+            <a:endParaRPr lang="en-US" altLang="ko-KR" dirty="0">
+              <a:solidFill>
+                <a:schemeClr val="tx1"/>
+              </a:solidFill>
+            </a:endParaRPr>
+          </a:p>
+        </p:txBody>
+      </p:sp>
+      <p:sp>
+        <p:nvSpPr>
+          <p:cNvPr id="5" name="직사각형 4">
+            <a:extLst>
+              <a:ext uri="{FF2B5EF4-FFF2-40B4-BE49-F238E27FC236}">
+                <a16:creationId xmlns:a16="http://schemas.microsoft.com/office/drawing/2014/main" id="{BE41C94A-91FE-4E41-8163-6E5836BB193D}"/>
+              </a:ext>
+            </a:extLst>
+          </p:cNvPr>
+          <p:cNvSpPr/>
+          <p:nvPr/>
+        </p:nvSpPr>
+        <p:spPr>
+          <a:xfrm>
+            <a:off x="1067301" y="458331"/>
+            <a:ext cx="3238186" cy="3432351"/>
+          </a:xfrm>
+          <a:prstGeom prst="rect">
+            <a:avLst/>
+          </a:prstGeom>
+          <a:solidFill>
+            <a:schemeClr val="bg1">
+              <a:lumMod val="95000"/>
+            </a:schemeClr>
+          </a:solidFill>
+          <a:ln w="38100">
+            <a:solidFill>
+              <a:schemeClr val="tx1"/>
+            </a:solidFill>
+          </a:ln>
+        </p:spPr>
+        <p:style>
+          <a:lnRef idx="2">
+            <a:schemeClr val="accent1">
+              <a:shade val="50000"/>
+            </a:schemeClr>
+          </a:lnRef>
+          <a:fillRef idx="1">
+            <a:schemeClr val="accent1"/>
+          </a:fillRef>
+          <a:effectRef idx="0">
+            <a:schemeClr val="accent1"/>
+          </a:effectRef>
+          <a:fontRef idx="minor">
+            <a:schemeClr val="lt1"/>
+          </a:fontRef>
+        </p:style>
+        <p:txBody>
+          <a:bodyPr rtlCol="0" anchor="ctr"/>
+          <a:lstStyle/>
+          <a:p>
+            <a:pPr algn="ctr"/>
+            <a:r>
+              <a:rPr lang="ko-KR" altLang="en-US" dirty="0">
+                <a:solidFill>
+                  <a:schemeClr val="tx1"/>
+                </a:solidFill>
+              </a:rPr>
+              <a:t>행성에 총괄적인 정보들</a:t>
+            </a:r>
+            <a:endParaRPr lang="en-US" altLang="ko-KR" dirty="0">
+              <a:solidFill>
+                <a:schemeClr val="tx1"/>
+              </a:solidFill>
+            </a:endParaRPr>
+          </a:p>
+        </p:txBody>
+      </p:sp>
+      <p:sp>
+        <p:nvSpPr>
+          <p:cNvPr id="6" name="직사각형 5">
+            <a:extLst>
+              <a:ext uri="{FF2B5EF4-FFF2-40B4-BE49-F238E27FC236}">
+                <a16:creationId xmlns:a16="http://schemas.microsoft.com/office/drawing/2014/main" id="{9CC81428-1213-457C-8E58-D9FE1506958E}"/>
+              </a:ext>
+            </a:extLst>
+          </p:cNvPr>
+          <p:cNvSpPr/>
+          <p:nvPr/>
+        </p:nvSpPr>
+        <p:spPr>
+          <a:xfrm>
+            <a:off x="4473888" y="458331"/>
+            <a:ext cx="4867336" cy="3432351"/>
+          </a:xfrm>
+          <a:prstGeom prst="rect">
+            <a:avLst/>
+          </a:prstGeom>
+          <a:solidFill>
+            <a:schemeClr val="bg1">
+              <a:lumMod val="95000"/>
+            </a:schemeClr>
+          </a:solidFill>
+          <a:ln w="38100">
+            <a:solidFill>
+              <a:schemeClr val="tx1"/>
+            </a:solidFill>
+          </a:ln>
+        </p:spPr>
+        <p:style>
+          <a:lnRef idx="2">
+            <a:schemeClr val="accent1">
+              <a:shade val="50000"/>
+            </a:schemeClr>
+          </a:lnRef>
+          <a:fillRef idx="1">
+            <a:schemeClr val="accent1"/>
+          </a:fillRef>
+          <a:effectRef idx="0">
+            <a:schemeClr val="accent1"/>
+          </a:effectRef>
+          <a:fontRef idx="minor">
+            <a:schemeClr val="lt1"/>
+          </a:fontRef>
+        </p:style>
+        <p:txBody>
+          <a:bodyPr rtlCol="0" anchor="ctr"/>
+          <a:lstStyle/>
+          <a:p>
+            <a:pPr algn="ctr"/>
+            <a:endParaRPr lang="en-US" altLang="ko-KR" dirty="0">
+              <a:solidFill>
+                <a:schemeClr val="tx1"/>
+              </a:solidFill>
+            </a:endParaRPr>
+          </a:p>
+        </p:txBody>
+      </p:sp>
+      <p:sp>
+        <p:nvSpPr>
+          <p:cNvPr id="7" name="직사각형 6">
+            <a:extLst>
+              <a:ext uri="{FF2B5EF4-FFF2-40B4-BE49-F238E27FC236}">
+                <a16:creationId xmlns:a16="http://schemas.microsoft.com/office/drawing/2014/main" id="{7BED47B7-4165-4694-91C9-E15C2E17355D}"/>
+              </a:ext>
+            </a:extLst>
+          </p:cNvPr>
+          <p:cNvSpPr/>
+          <p:nvPr/>
+        </p:nvSpPr>
+        <p:spPr>
+          <a:xfrm>
+            <a:off x="1067300" y="4025151"/>
+            <a:ext cx="8273923" cy="1622613"/>
+          </a:xfrm>
+          <a:prstGeom prst="rect">
+            <a:avLst/>
+          </a:prstGeom>
+          <a:solidFill>
+            <a:schemeClr val="bg1">
+              <a:lumMod val="95000"/>
+            </a:schemeClr>
+          </a:solidFill>
+          <a:ln w="38100">
+            <a:solidFill>
+              <a:schemeClr val="tx1"/>
+            </a:solidFill>
+          </a:ln>
+        </p:spPr>
+        <p:style>
+          <a:lnRef idx="2">
+            <a:schemeClr val="accent1">
+              <a:shade val="50000"/>
+            </a:schemeClr>
+          </a:lnRef>
+          <a:fillRef idx="1">
+            <a:schemeClr val="accent1"/>
+          </a:fillRef>
+          <a:effectRef idx="0">
+            <a:schemeClr val="accent1"/>
+          </a:effectRef>
+          <a:fontRef idx="minor">
+            <a:schemeClr val="lt1"/>
+          </a:fontRef>
+        </p:style>
+        <p:txBody>
+          <a:bodyPr rtlCol="0" anchor="ctr"/>
+          <a:lstStyle/>
+          <a:p>
+            <a:pPr algn="ctr"/>
+            <a:r>
+              <a:rPr lang="ko-KR" altLang="en-US" dirty="0">
+                <a:solidFill>
+                  <a:schemeClr val="tx1"/>
+                </a:solidFill>
+              </a:rPr>
+              <a:t>행성 운영</a:t>
+            </a:r>
+            <a:r>
+              <a:rPr lang="en-US" altLang="ko-KR" dirty="0">
+                <a:solidFill>
+                  <a:schemeClr val="tx1"/>
+                </a:solidFill>
+              </a:rPr>
+              <a:t>, </a:t>
+            </a:r>
+            <a:r>
+              <a:rPr lang="ko-KR" altLang="en-US" dirty="0">
+                <a:solidFill>
+                  <a:schemeClr val="tx1"/>
+                </a:solidFill>
+              </a:rPr>
+              <a:t>결정</a:t>
+            </a:r>
+            <a:r>
+              <a:rPr lang="en-US" altLang="ko-KR" dirty="0">
+                <a:solidFill>
+                  <a:schemeClr val="tx1"/>
+                </a:solidFill>
+              </a:rPr>
+              <a:t>, </a:t>
+            </a:r>
+            <a:r>
+              <a:rPr lang="ko-KR" altLang="en-US" dirty="0">
+                <a:solidFill>
+                  <a:schemeClr val="tx1"/>
+                </a:solidFill>
+              </a:rPr>
+              <a:t>진행도 등의 탭</a:t>
+            </a:r>
+            <a:endParaRPr lang="en-US" altLang="ko-KR" dirty="0">
+              <a:solidFill>
+                <a:schemeClr val="tx1"/>
+              </a:solidFill>
+            </a:endParaRPr>
+          </a:p>
+        </p:txBody>
+      </p:sp>
+      <p:grpSp>
+        <p:nvGrpSpPr>
+          <p:cNvPr id="69" name="그룹 68">
+            <a:extLst>
+              <a:ext uri="{FF2B5EF4-FFF2-40B4-BE49-F238E27FC236}">
+                <a16:creationId xmlns:a16="http://schemas.microsoft.com/office/drawing/2014/main" id="{C196B07F-C1A5-4AC2-92CA-2D3B93C34C6F}"/>
+              </a:ext>
+            </a:extLst>
+          </p:cNvPr>
+          <p:cNvGrpSpPr/>
+          <p:nvPr/>
+        </p:nvGrpSpPr>
+        <p:grpSpPr>
+          <a:xfrm>
+            <a:off x="4895229" y="783958"/>
+            <a:ext cx="4016184" cy="2847312"/>
+            <a:chOff x="4724900" y="1004047"/>
+            <a:chExt cx="4016184" cy="2847312"/>
+          </a:xfrm>
+        </p:grpSpPr>
+        <p:grpSp>
+          <p:nvGrpSpPr>
+            <p:cNvPr id="18" name="그룹 17">
+              <a:extLst>
+                <a:ext uri="{FF2B5EF4-FFF2-40B4-BE49-F238E27FC236}">
+                  <a16:creationId xmlns:a16="http://schemas.microsoft.com/office/drawing/2014/main" id="{7479F727-81A6-4CC0-B26E-17ADB48D8B8B}"/>
+                </a:ext>
+              </a:extLst>
+            </p:cNvPr>
+            <p:cNvGrpSpPr/>
+            <p:nvPr/>
+          </p:nvGrpSpPr>
+          <p:grpSpPr>
+            <a:xfrm>
+              <a:off x="4724900" y="1004047"/>
+              <a:ext cx="2008092" cy="956964"/>
+              <a:chOff x="4796618" y="1456783"/>
+              <a:chExt cx="2008092" cy="956964"/>
+            </a:xfrm>
+          </p:grpSpPr>
+          <p:sp>
+            <p:nvSpPr>
+              <p:cNvPr id="11" name="직사각형 10">
+                <a:extLst>
+                  <a:ext uri="{FF2B5EF4-FFF2-40B4-BE49-F238E27FC236}">
+                    <a16:creationId xmlns:a16="http://schemas.microsoft.com/office/drawing/2014/main" id="{0CB589C4-C4B8-4134-9CB5-CB637D4AC00D}"/>
+                  </a:ext>
+                </a:extLst>
+              </p:cNvPr>
+              <p:cNvSpPr/>
+              <p:nvPr/>
+            </p:nvSpPr>
+            <p:spPr>
+              <a:xfrm>
+                <a:off x="4796618" y="1935265"/>
+                <a:ext cx="502023" cy="478482"/>
+              </a:xfrm>
+              <a:prstGeom prst="rect">
+                <a:avLst/>
+              </a:prstGeom>
+              <a:solidFill>
+                <a:schemeClr val="bg1">
+                  <a:lumMod val="95000"/>
+                </a:schemeClr>
+              </a:solidFill>
+              <a:ln w="38100">
+                <a:solidFill>
+                  <a:schemeClr val="tx1"/>
+                </a:solidFill>
+              </a:ln>
+            </p:spPr>
+            <p:style>
+              <a:lnRef idx="2">
+                <a:schemeClr val="accent1">
+                  <a:shade val="50000"/>
+                </a:schemeClr>
+              </a:lnRef>
+              <a:fillRef idx="1">
+                <a:schemeClr val="accent1"/>
+              </a:fillRef>
+              <a:effectRef idx="0">
+                <a:schemeClr val="accent1"/>
+              </a:effectRef>
+              <a:fontRef idx="minor">
+                <a:schemeClr val="lt1"/>
+              </a:fontRef>
+            </p:style>
+            <p:txBody>
+              <a:bodyPr rtlCol="0" anchor="ctr"/>
+              <a:lstStyle/>
+              <a:p>
+                <a:pPr algn="ctr"/>
+                <a:endParaRPr lang="en-US" altLang="ko-KR" dirty="0">
+                  <a:solidFill>
+                    <a:schemeClr val="tx1"/>
+                  </a:solidFill>
+                </a:endParaRPr>
+              </a:p>
+            </p:txBody>
+          </p:sp>
+          <p:grpSp>
+            <p:nvGrpSpPr>
+              <p:cNvPr id="17" name="그룹 16">
+                <a:extLst>
+                  <a:ext uri="{FF2B5EF4-FFF2-40B4-BE49-F238E27FC236}">
+                    <a16:creationId xmlns:a16="http://schemas.microsoft.com/office/drawing/2014/main" id="{DD97A7B1-56EE-47B0-B5F9-1D47374B3A21}"/>
+                  </a:ext>
+                </a:extLst>
+              </p:cNvPr>
+              <p:cNvGrpSpPr/>
+              <p:nvPr/>
+            </p:nvGrpSpPr>
+            <p:grpSpPr>
+              <a:xfrm>
+                <a:off x="4796618" y="1456783"/>
+                <a:ext cx="2008092" cy="956964"/>
+                <a:chOff x="4796618" y="1456783"/>
+                <a:chExt cx="2008092" cy="956964"/>
+              </a:xfrm>
+            </p:grpSpPr>
+            <p:sp>
+              <p:nvSpPr>
+                <p:cNvPr id="8" name="직사각형 7">
+                  <a:extLst>
+                    <a:ext uri="{FF2B5EF4-FFF2-40B4-BE49-F238E27FC236}">
+                      <a16:creationId xmlns:a16="http://schemas.microsoft.com/office/drawing/2014/main" id="{90744FBB-229A-463D-8691-BE29D188F1AE}"/>
+                    </a:ext>
+                  </a:extLst>
+                </p:cNvPr>
+                <p:cNvSpPr/>
+                <p:nvPr/>
+              </p:nvSpPr>
+              <p:spPr>
+                <a:xfrm>
+                  <a:off x="4796618" y="1456783"/>
+                  <a:ext cx="502023" cy="478482"/>
+                </a:xfrm>
+                <a:prstGeom prst="rect">
+                  <a:avLst/>
+                </a:prstGeom>
+                <a:solidFill>
+                  <a:schemeClr val="bg1">
+                    <a:lumMod val="95000"/>
+                  </a:schemeClr>
+                </a:solidFill>
+                <a:ln w="38100">
+                  <a:solidFill>
+                    <a:schemeClr val="tx1"/>
+                  </a:solidFill>
+                </a:ln>
+              </p:spPr>
+              <p:style>
+                <a:lnRef idx="2">
+                  <a:schemeClr val="accent1">
+                    <a:shade val="50000"/>
+                  </a:schemeClr>
+                </a:lnRef>
+                <a:fillRef idx="1">
+                  <a:schemeClr val="accent1"/>
+                </a:fillRef>
+                <a:effectRef idx="0">
+                  <a:schemeClr val="accent1"/>
+                </a:effectRef>
+                <a:fontRef idx="minor">
+                  <a:schemeClr val="lt1"/>
+                </a:fontRef>
+              </p:style>
+              <p:txBody>
+                <a:bodyPr rtlCol="0" anchor="ctr"/>
+                <a:lstStyle/>
+                <a:p>
+                  <a:pPr algn="ctr"/>
+                  <a:endParaRPr lang="en-US" altLang="ko-KR" dirty="0">
+                    <a:solidFill>
+                      <a:schemeClr val="tx1"/>
+                    </a:solidFill>
+                  </a:endParaRPr>
+                </a:p>
+              </p:txBody>
+            </p:sp>
+            <p:sp>
+              <p:nvSpPr>
+                <p:cNvPr id="10" name="직사각형 9">
+                  <a:extLst>
+                    <a:ext uri="{FF2B5EF4-FFF2-40B4-BE49-F238E27FC236}">
+                      <a16:creationId xmlns:a16="http://schemas.microsoft.com/office/drawing/2014/main" id="{BB69FDB7-70B9-4F32-A881-311E5AE2C238}"/>
+                    </a:ext>
+                  </a:extLst>
+                </p:cNvPr>
+                <p:cNvSpPr/>
+                <p:nvPr/>
+              </p:nvSpPr>
+              <p:spPr>
+                <a:xfrm>
+                  <a:off x="5298641" y="1456783"/>
+                  <a:ext cx="502023" cy="478482"/>
+                </a:xfrm>
+                <a:prstGeom prst="rect">
+                  <a:avLst/>
+                </a:prstGeom>
+                <a:solidFill>
+                  <a:schemeClr val="bg1">
+                    <a:lumMod val="95000"/>
+                  </a:schemeClr>
+                </a:solidFill>
+                <a:ln w="38100">
+                  <a:solidFill>
+                    <a:schemeClr val="tx1"/>
+                  </a:solidFill>
+                </a:ln>
+              </p:spPr>
+              <p:style>
+                <a:lnRef idx="2">
+                  <a:schemeClr val="accent1">
+                    <a:shade val="50000"/>
+                  </a:schemeClr>
+                </a:lnRef>
+                <a:fillRef idx="1">
+                  <a:schemeClr val="accent1"/>
+                </a:fillRef>
+                <a:effectRef idx="0">
+                  <a:schemeClr val="accent1"/>
+                </a:effectRef>
+                <a:fontRef idx="minor">
+                  <a:schemeClr val="lt1"/>
+                </a:fontRef>
+              </p:style>
+              <p:txBody>
+                <a:bodyPr rtlCol="0" anchor="ctr"/>
+                <a:lstStyle/>
+                <a:p>
+                  <a:pPr algn="ctr"/>
+                  <a:endParaRPr lang="en-US" altLang="ko-KR" dirty="0">
+                    <a:solidFill>
+                      <a:schemeClr val="tx1"/>
+                    </a:solidFill>
+                  </a:endParaRPr>
+                </a:p>
+              </p:txBody>
+            </p:sp>
+            <p:sp>
+              <p:nvSpPr>
+                <p:cNvPr id="12" name="직사각형 11">
+                  <a:extLst>
+                    <a:ext uri="{FF2B5EF4-FFF2-40B4-BE49-F238E27FC236}">
+                      <a16:creationId xmlns:a16="http://schemas.microsoft.com/office/drawing/2014/main" id="{5CE07EF9-0FA8-4019-8EA8-B6A592E8A7A7}"/>
+                    </a:ext>
+                  </a:extLst>
+                </p:cNvPr>
+                <p:cNvSpPr/>
+                <p:nvPr/>
+              </p:nvSpPr>
+              <p:spPr>
+                <a:xfrm>
+                  <a:off x="5298641" y="1935265"/>
+                  <a:ext cx="502023" cy="478482"/>
+                </a:xfrm>
+                <a:prstGeom prst="rect">
+                  <a:avLst/>
+                </a:prstGeom>
+                <a:solidFill>
+                  <a:schemeClr val="bg1">
+                    <a:lumMod val="95000"/>
+                  </a:schemeClr>
+                </a:solidFill>
+                <a:ln w="38100">
+                  <a:solidFill>
+                    <a:schemeClr val="tx1"/>
+                  </a:solidFill>
+                </a:ln>
+              </p:spPr>
+              <p:style>
+                <a:lnRef idx="2">
+                  <a:schemeClr val="accent1">
+                    <a:shade val="50000"/>
+                  </a:schemeClr>
+                </a:lnRef>
+                <a:fillRef idx="1">
+                  <a:schemeClr val="accent1"/>
+                </a:fillRef>
+                <a:effectRef idx="0">
+                  <a:schemeClr val="accent1"/>
+                </a:effectRef>
+                <a:fontRef idx="minor">
+                  <a:schemeClr val="lt1"/>
+                </a:fontRef>
+              </p:style>
+              <p:txBody>
+                <a:bodyPr rtlCol="0" anchor="ctr"/>
+                <a:lstStyle/>
+                <a:p>
+                  <a:pPr algn="ctr"/>
+                  <a:endParaRPr lang="en-US" altLang="ko-KR" dirty="0">
+                    <a:solidFill>
+                      <a:schemeClr val="tx1"/>
+                    </a:solidFill>
+                  </a:endParaRPr>
+                </a:p>
+              </p:txBody>
+            </p:sp>
+            <p:sp>
+              <p:nvSpPr>
+                <p:cNvPr id="13" name="직사각형 12">
+                  <a:extLst>
+                    <a:ext uri="{FF2B5EF4-FFF2-40B4-BE49-F238E27FC236}">
+                      <a16:creationId xmlns:a16="http://schemas.microsoft.com/office/drawing/2014/main" id="{A71DBC07-54F0-4F1D-9C83-A8CE5F5A2712}"/>
+                    </a:ext>
+                  </a:extLst>
+                </p:cNvPr>
+                <p:cNvSpPr/>
+                <p:nvPr/>
+              </p:nvSpPr>
+              <p:spPr>
+                <a:xfrm>
+                  <a:off x="5800664" y="1456783"/>
+                  <a:ext cx="502023" cy="478482"/>
+                </a:xfrm>
+                <a:prstGeom prst="rect">
+                  <a:avLst/>
+                </a:prstGeom>
+                <a:solidFill>
+                  <a:schemeClr val="bg1">
+                    <a:lumMod val="95000"/>
+                  </a:schemeClr>
+                </a:solidFill>
+                <a:ln w="38100">
+                  <a:solidFill>
+                    <a:schemeClr val="tx1"/>
+                  </a:solidFill>
+                </a:ln>
+              </p:spPr>
+              <p:style>
+                <a:lnRef idx="2">
+                  <a:schemeClr val="accent1">
+                    <a:shade val="50000"/>
+                  </a:schemeClr>
+                </a:lnRef>
+                <a:fillRef idx="1">
+                  <a:schemeClr val="accent1"/>
+                </a:fillRef>
+                <a:effectRef idx="0">
+                  <a:schemeClr val="accent1"/>
+                </a:effectRef>
+                <a:fontRef idx="minor">
+                  <a:schemeClr val="lt1"/>
+                </a:fontRef>
+              </p:style>
+              <p:txBody>
+                <a:bodyPr rtlCol="0" anchor="ctr"/>
+                <a:lstStyle/>
+                <a:p>
+                  <a:pPr algn="ctr"/>
+                  <a:endParaRPr lang="en-US" altLang="ko-KR" dirty="0">
+                    <a:solidFill>
+                      <a:schemeClr val="tx1"/>
+                    </a:solidFill>
+                  </a:endParaRPr>
+                </a:p>
+              </p:txBody>
+            </p:sp>
+            <p:sp>
+              <p:nvSpPr>
+                <p:cNvPr id="14" name="직사각형 13">
+                  <a:extLst>
+                    <a:ext uri="{FF2B5EF4-FFF2-40B4-BE49-F238E27FC236}">
+                      <a16:creationId xmlns:a16="http://schemas.microsoft.com/office/drawing/2014/main" id="{09C02982-1A06-4825-AAED-E174933239F9}"/>
+                    </a:ext>
+                  </a:extLst>
+                </p:cNvPr>
+                <p:cNvSpPr/>
+                <p:nvPr/>
+              </p:nvSpPr>
+              <p:spPr>
+                <a:xfrm>
+                  <a:off x="6302687" y="1456783"/>
+                  <a:ext cx="502023" cy="478482"/>
+                </a:xfrm>
+                <a:prstGeom prst="rect">
+                  <a:avLst/>
+                </a:prstGeom>
+                <a:solidFill>
+                  <a:schemeClr val="bg1">
+                    <a:lumMod val="95000"/>
+                  </a:schemeClr>
+                </a:solidFill>
+                <a:ln w="38100">
+                  <a:solidFill>
+                    <a:schemeClr val="tx1"/>
+                  </a:solidFill>
+                </a:ln>
+              </p:spPr>
+              <p:style>
+                <a:lnRef idx="2">
+                  <a:schemeClr val="accent1">
+                    <a:shade val="50000"/>
+                  </a:schemeClr>
+                </a:lnRef>
+                <a:fillRef idx="1">
+                  <a:schemeClr val="accent1"/>
+                </a:fillRef>
+                <a:effectRef idx="0">
+                  <a:schemeClr val="accent1"/>
+                </a:effectRef>
+                <a:fontRef idx="minor">
+                  <a:schemeClr val="lt1"/>
+                </a:fontRef>
+              </p:style>
+              <p:txBody>
+                <a:bodyPr rtlCol="0" anchor="ctr"/>
+                <a:lstStyle/>
+                <a:p>
+                  <a:pPr algn="ctr"/>
+                  <a:endParaRPr lang="en-US" altLang="ko-KR" dirty="0">
+                    <a:solidFill>
+                      <a:schemeClr val="tx1"/>
+                    </a:solidFill>
+                  </a:endParaRPr>
+                </a:p>
+              </p:txBody>
+            </p:sp>
+            <p:sp>
+              <p:nvSpPr>
+                <p:cNvPr id="15" name="직사각형 14">
+                  <a:extLst>
+                    <a:ext uri="{FF2B5EF4-FFF2-40B4-BE49-F238E27FC236}">
+                      <a16:creationId xmlns:a16="http://schemas.microsoft.com/office/drawing/2014/main" id="{B140D969-4104-4C8B-9767-8D724BF015EC}"/>
+                    </a:ext>
+                  </a:extLst>
+                </p:cNvPr>
+                <p:cNvSpPr/>
+                <p:nvPr/>
+              </p:nvSpPr>
+              <p:spPr>
+                <a:xfrm>
+                  <a:off x="5800664" y="1935265"/>
+                  <a:ext cx="502023" cy="478482"/>
+                </a:xfrm>
+                <a:prstGeom prst="rect">
+                  <a:avLst/>
+                </a:prstGeom>
+                <a:solidFill>
+                  <a:schemeClr val="bg1">
+                    <a:lumMod val="95000"/>
+                  </a:schemeClr>
+                </a:solidFill>
+                <a:ln w="38100">
+                  <a:solidFill>
+                    <a:schemeClr val="tx1"/>
+                  </a:solidFill>
+                </a:ln>
+              </p:spPr>
+              <p:style>
+                <a:lnRef idx="2">
+                  <a:schemeClr val="accent1">
+                    <a:shade val="50000"/>
+                  </a:schemeClr>
+                </a:lnRef>
+                <a:fillRef idx="1">
+                  <a:schemeClr val="accent1"/>
+                </a:fillRef>
+                <a:effectRef idx="0">
+                  <a:schemeClr val="accent1"/>
+                </a:effectRef>
+                <a:fontRef idx="minor">
+                  <a:schemeClr val="lt1"/>
+                </a:fontRef>
+              </p:style>
+              <p:txBody>
+                <a:bodyPr rtlCol="0" anchor="ctr"/>
+                <a:lstStyle/>
+                <a:p>
+                  <a:pPr algn="ctr"/>
+                  <a:endParaRPr lang="en-US" altLang="ko-KR" dirty="0">
+                    <a:solidFill>
+                      <a:schemeClr val="tx1"/>
+                    </a:solidFill>
+                  </a:endParaRPr>
+                </a:p>
+              </p:txBody>
+            </p:sp>
+            <p:sp>
+              <p:nvSpPr>
+                <p:cNvPr id="16" name="직사각형 15">
+                  <a:extLst>
+                    <a:ext uri="{FF2B5EF4-FFF2-40B4-BE49-F238E27FC236}">
+                      <a16:creationId xmlns:a16="http://schemas.microsoft.com/office/drawing/2014/main" id="{9498A105-FFA9-4DAD-BE44-06852096075D}"/>
+                    </a:ext>
+                  </a:extLst>
+                </p:cNvPr>
+                <p:cNvSpPr/>
+                <p:nvPr/>
+              </p:nvSpPr>
+              <p:spPr>
+                <a:xfrm>
+                  <a:off x="6302687" y="1935265"/>
+                  <a:ext cx="502023" cy="478482"/>
+                </a:xfrm>
+                <a:prstGeom prst="rect">
+                  <a:avLst/>
+                </a:prstGeom>
+                <a:solidFill>
+                  <a:schemeClr val="bg1">
+                    <a:lumMod val="95000"/>
+                  </a:schemeClr>
+                </a:solidFill>
+                <a:ln w="38100">
+                  <a:solidFill>
+                    <a:schemeClr val="tx1"/>
+                  </a:solidFill>
+                </a:ln>
+              </p:spPr>
+              <p:style>
+                <a:lnRef idx="2">
+                  <a:schemeClr val="accent1">
+                    <a:shade val="50000"/>
+                  </a:schemeClr>
+                </a:lnRef>
+                <a:fillRef idx="1">
+                  <a:schemeClr val="accent1"/>
+                </a:fillRef>
+                <a:effectRef idx="0">
+                  <a:schemeClr val="accent1"/>
+                </a:effectRef>
+                <a:fontRef idx="minor">
+                  <a:schemeClr val="lt1"/>
+                </a:fontRef>
+              </p:style>
+              <p:txBody>
+                <a:bodyPr rtlCol="0" anchor="ctr"/>
+                <a:lstStyle/>
+                <a:p>
+                  <a:pPr algn="ctr"/>
+                  <a:endParaRPr lang="en-US" altLang="ko-KR" dirty="0">
+                    <a:solidFill>
+                      <a:schemeClr val="tx1"/>
+                    </a:solidFill>
+                  </a:endParaRPr>
+                </a:p>
+              </p:txBody>
+            </p:sp>
+          </p:grpSp>
+        </p:grpSp>
+        <p:grpSp>
+          <p:nvGrpSpPr>
+            <p:cNvPr id="19" name="그룹 18">
+              <a:extLst>
+                <a:ext uri="{FF2B5EF4-FFF2-40B4-BE49-F238E27FC236}">
+                  <a16:creationId xmlns:a16="http://schemas.microsoft.com/office/drawing/2014/main" id="{3B036003-DF49-4C80-AC49-AF518872CDE1}"/>
+                </a:ext>
+              </a:extLst>
+            </p:cNvPr>
+            <p:cNvGrpSpPr/>
+            <p:nvPr/>
+          </p:nvGrpSpPr>
+          <p:grpSpPr>
+            <a:xfrm>
+              <a:off x="6732992" y="1004047"/>
+              <a:ext cx="2008092" cy="956964"/>
+              <a:chOff x="4796618" y="1456783"/>
+              <a:chExt cx="2008092" cy="956964"/>
+            </a:xfrm>
+          </p:grpSpPr>
+          <p:sp>
+            <p:nvSpPr>
+              <p:cNvPr id="20" name="직사각형 19">
+                <a:extLst>
+                  <a:ext uri="{FF2B5EF4-FFF2-40B4-BE49-F238E27FC236}">
+                    <a16:creationId xmlns:a16="http://schemas.microsoft.com/office/drawing/2014/main" id="{57D16637-EEC2-4F8D-AE80-16636FC9A093}"/>
+                  </a:ext>
+                </a:extLst>
+              </p:cNvPr>
+              <p:cNvSpPr/>
+              <p:nvPr/>
+            </p:nvSpPr>
+            <p:spPr>
+              <a:xfrm>
+                <a:off x="4796618" y="1935265"/>
+                <a:ext cx="502023" cy="478482"/>
+              </a:xfrm>
+              <a:prstGeom prst="rect">
+                <a:avLst/>
+              </a:prstGeom>
+              <a:solidFill>
+                <a:schemeClr val="bg1">
+                  <a:lumMod val="95000"/>
+                </a:schemeClr>
+              </a:solidFill>
+              <a:ln w="38100">
+                <a:solidFill>
+                  <a:schemeClr val="tx1"/>
+                </a:solidFill>
+              </a:ln>
+            </p:spPr>
+            <p:style>
+              <a:lnRef idx="2">
+                <a:schemeClr val="accent1">
+                  <a:shade val="50000"/>
+                </a:schemeClr>
+              </a:lnRef>
+              <a:fillRef idx="1">
+                <a:schemeClr val="accent1"/>
+              </a:fillRef>
+              <a:effectRef idx="0">
+                <a:schemeClr val="accent1"/>
+              </a:effectRef>
+              <a:fontRef idx="minor">
+                <a:schemeClr val="lt1"/>
+              </a:fontRef>
+            </p:style>
+            <p:txBody>
+              <a:bodyPr rtlCol="0" anchor="ctr"/>
+              <a:lstStyle/>
+              <a:p>
+                <a:pPr algn="ctr"/>
+                <a:endParaRPr lang="en-US" altLang="ko-KR" dirty="0">
+                  <a:solidFill>
+                    <a:schemeClr val="tx1"/>
+                  </a:solidFill>
+                </a:endParaRPr>
+              </a:p>
+            </p:txBody>
+          </p:sp>
+          <p:grpSp>
+            <p:nvGrpSpPr>
+              <p:cNvPr id="21" name="그룹 20">
+                <a:extLst>
+                  <a:ext uri="{FF2B5EF4-FFF2-40B4-BE49-F238E27FC236}">
+                    <a16:creationId xmlns:a16="http://schemas.microsoft.com/office/drawing/2014/main" id="{0EC4943D-28B5-4539-B0E4-E8BDAE455C96}"/>
+                  </a:ext>
+                </a:extLst>
+              </p:cNvPr>
+              <p:cNvGrpSpPr/>
+              <p:nvPr/>
+            </p:nvGrpSpPr>
+            <p:grpSpPr>
+              <a:xfrm>
+                <a:off x="4796618" y="1456783"/>
+                <a:ext cx="2008092" cy="956964"/>
+                <a:chOff x="4796618" y="1456783"/>
+                <a:chExt cx="2008092" cy="956964"/>
+              </a:xfrm>
+            </p:grpSpPr>
+            <p:sp>
+              <p:nvSpPr>
+                <p:cNvPr id="22" name="직사각형 21">
+                  <a:extLst>
+                    <a:ext uri="{FF2B5EF4-FFF2-40B4-BE49-F238E27FC236}">
+                      <a16:creationId xmlns:a16="http://schemas.microsoft.com/office/drawing/2014/main" id="{515CDF5E-5C6A-4DF4-B88B-46754B4655D1}"/>
+                    </a:ext>
+                  </a:extLst>
+                </p:cNvPr>
+                <p:cNvSpPr/>
+                <p:nvPr/>
+              </p:nvSpPr>
+              <p:spPr>
+                <a:xfrm>
+                  <a:off x="4796618" y="1456783"/>
+                  <a:ext cx="502023" cy="478482"/>
+                </a:xfrm>
+                <a:prstGeom prst="rect">
+                  <a:avLst/>
+                </a:prstGeom>
+                <a:solidFill>
+                  <a:schemeClr val="bg1">
+                    <a:lumMod val="95000"/>
+                  </a:schemeClr>
+                </a:solidFill>
+                <a:ln w="38100">
+                  <a:solidFill>
+                    <a:schemeClr val="tx1"/>
+                  </a:solidFill>
+                </a:ln>
+              </p:spPr>
+              <p:style>
+                <a:lnRef idx="2">
+                  <a:schemeClr val="accent1">
+                    <a:shade val="50000"/>
+                  </a:schemeClr>
+                </a:lnRef>
+                <a:fillRef idx="1">
+                  <a:schemeClr val="accent1"/>
+                </a:fillRef>
+                <a:effectRef idx="0">
+                  <a:schemeClr val="accent1"/>
+                </a:effectRef>
+                <a:fontRef idx="minor">
+                  <a:schemeClr val="lt1"/>
+                </a:fontRef>
+              </p:style>
+              <p:txBody>
+                <a:bodyPr rtlCol="0" anchor="ctr"/>
+                <a:lstStyle/>
+                <a:p>
+                  <a:pPr algn="ctr"/>
+                  <a:endParaRPr lang="en-US" altLang="ko-KR" dirty="0">
+                    <a:solidFill>
+                      <a:schemeClr val="tx1"/>
+                    </a:solidFill>
+                  </a:endParaRPr>
+                </a:p>
+              </p:txBody>
+            </p:sp>
+            <p:sp>
+              <p:nvSpPr>
+                <p:cNvPr id="23" name="직사각형 22">
+                  <a:extLst>
+                    <a:ext uri="{FF2B5EF4-FFF2-40B4-BE49-F238E27FC236}">
+                      <a16:creationId xmlns:a16="http://schemas.microsoft.com/office/drawing/2014/main" id="{B52C15A5-E47F-4476-B136-39F06FB3B53F}"/>
+                    </a:ext>
+                  </a:extLst>
+                </p:cNvPr>
+                <p:cNvSpPr/>
+                <p:nvPr/>
+              </p:nvSpPr>
+              <p:spPr>
+                <a:xfrm>
+                  <a:off x="5298641" y="1456783"/>
+                  <a:ext cx="502023" cy="478482"/>
+                </a:xfrm>
+                <a:prstGeom prst="rect">
+                  <a:avLst/>
+                </a:prstGeom>
+                <a:solidFill>
+                  <a:schemeClr val="bg1">
+                    <a:lumMod val="95000"/>
+                  </a:schemeClr>
+                </a:solidFill>
+                <a:ln w="38100">
+                  <a:solidFill>
+                    <a:schemeClr val="tx1"/>
+                  </a:solidFill>
+                </a:ln>
+              </p:spPr>
+              <p:style>
+                <a:lnRef idx="2">
+                  <a:schemeClr val="accent1">
+                    <a:shade val="50000"/>
+                  </a:schemeClr>
+                </a:lnRef>
+                <a:fillRef idx="1">
+                  <a:schemeClr val="accent1"/>
+                </a:fillRef>
+                <a:effectRef idx="0">
+                  <a:schemeClr val="accent1"/>
+                </a:effectRef>
+                <a:fontRef idx="minor">
+                  <a:schemeClr val="lt1"/>
+                </a:fontRef>
+              </p:style>
+              <p:txBody>
+                <a:bodyPr rtlCol="0" anchor="ctr"/>
+                <a:lstStyle/>
+                <a:p>
+                  <a:pPr algn="ctr"/>
+                  <a:endParaRPr lang="en-US" altLang="ko-KR" dirty="0">
+                    <a:solidFill>
+                      <a:schemeClr val="tx1"/>
+                    </a:solidFill>
+                  </a:endParaRPr>
+                </a:p>
+              </p:txBody>
+            </p:sp>
+            <p:sp>
+              <p:nvSpPr>
+                <p:cNvPr id="24" name="직사각형 23">
+                  <a:extLst>
+                    <a:ext uri="{FF2B5EF4-FFF2-40B4-BE49-F238E27FC236}">
+                      <a16:creationId xmlns:a16="http://schemas.microsoft.com/office/drawing/2014/main" id="{9475D141-6A06-421A-841D-79F64E63CFFD}"/>
+                    </a:ext>
+                  </a:extLst>
+                </p:cNvPr>
+                <p:cNvSpPr/>
+                <p:nvPr/>
+              </p:nvSpPr>
+              <p:spPr>
+                <a:xfrm>
+                  <a:off x="5298641" y="1935265"/>
+                  <a:ext cx="502023" cy="478482"/>
+                </a:xfrm>
+                <a:prstGeom prst="rect">
+                  <a:avLst/>
+                </a:prstGeom>
+                <a:solidFill>
+                  <a:schemeClr val="bg1">
+                    <a:lumMod val="95000"/>
+                  </a:schemeClr>
+                </a:solidFill>
+                <a:ln w="38100">
+                  <a:solidFill>
+                    <a:schemeClr val="tx1"/>
+                  </a:solidFill>
+                </a:ln>
+              </p:spPr>
+              <p:style>
+                <a:lnRef idx="2">
+                  <a:schemeClr val="accent1">
+                    <a:shade val="50000"/>
+                  </a:schemeClr>
+                </a:lnRef>
+                <a:fillRef idx="1">
+                  <a:schemeClr val="accent1"/>
+                </a:fillRef>
+                <a:effectRef idx="0">
+                  <a:schemeClr val="accent1"/>
+                </a:effectRef>
+                <a:fontRef idx="minor">
+                  <a:schemeClr val="lt1"/>
+                </a:fontRef>
+              </p:style>
+              <p:txBody>
+                <a:bodyPr rtlCol="0" anchor="ctr"/>
+                <a:lstStyle/>
+                <a:p>
+                  <a:pPr algn="ctr"/>
+                  <a:endParaRPr lang="en-US" altLang="ko-KR" dirty="0">
+                    <a:solidFill>
+                      <a:schemeClr val="tx1"/>
+                    </a:solidFill>
+                  </a:endParaRPr>
+                </a:p>
+              </p:txBody>
+            </p:sp>
+            <p:sp>
+              <p:nvSpPr>
+                <p:cNvPr id="25" name="직사각형 24">
+                  <a:extLst>
+                    <a:ext uri="{FF2B5EF4-FFF2-40B4-BE49-F238E27FC236}">
+                      <a16:creationId xmlns:a16="http://schemas.microsoft.com/office/drawing/2014/main" id="{2A6EE61E-99F5-4965-9A9E-5FE8749F95F8}"/>
+                    </a:ext>
+                  </a:extLst>
+                </p:cNvPr>
+                <p:cNvSpPr/>
+                <p:nvPr/>
+              </p:nvSpPr>
+              <p:spPr>
+                <a:xfrm>
+                  <a:off x="5800664" y="1456783"/>
+                  <a:ext cx="502023" cy="478482"/>
+                </a:xfrm>
+                <a:prstGeom prst="rect">
+                  <a:avLst/>
+                </a:prstGeom>
+                <a:solidFill>
+                  <a:schemeClr val="bg1">
+                    <a:lumMod val="95000"/>
+                  </a:schemeClr>
+                </a:solidFill>
+                <a:ln w="38100">
+                  <a:solidFill>
+                    <a:schemeClr val="tx1"/>
+                  </a:solidFill>
+                </a:ln>
+              </p:spPr>
+              <p:style>
+                <a:lnRef idx="2">
+                  <a:schemeClr val="accent1">
+                    <a:shade val="50000"/>
+                  </a:schemeClr>
+                </a:lnRef>
+                <a:fillRef idx="1">
+                  <a:schemeClr val="accent1"/>
+                </a:fillRef>
+                <a:effectRef idx="0">
+                  <a:schemeClr val="accent1"/>
+                </a:effectRef>
+                <a:fontRef idx="minor">
+                  <a:schemeClr val="lt1"/>
+                </a:fontRef>
+              </p:style>
+              <p:txBody>
+                <a:bodyPr rtlCol="0" anchor="ctr"/>
+                <a:lstStyle/>
+                <a:p>
+                  <a:pPr algn="ctr"/>
+                  <a:endParaRPr lang="en-US" altLang="ko-KR" dirty="0">
+                    <a:solidFill>
+                      <a:schemeClr val="tx1"/>
+                    </a:solidFill>
+                  </a:endParaRPr>
+                </a:p>
+              </p:txBody>
+            </p:sp>
+            <p:sp>
+              <p:nvSpPr>
+                <p:cNvPr id="26" name="직사각형 25">
+                  <a:extLst>
+                    <a:ext uri="{FF2B5EF4-FFF2-40B4-BE49-F238E27FC236}">
+                      <a16:creationId xmlns:a16="http://schemas.microsoft.com/office/drawing/2014/main" id="{C804DFD4-F425-4D42-A160-4C0448E9F973}"/>
+                    </a:ext>
+                  </a:extLst>
+                </p:cNvPr>
+                <p:cNvSpPr/>
+                <p:nvPr/>
+              </p:nvSpPr>
+              <p:spPr>
+                <a:xfrm>
+                  <a:off x="6302687" y="1456783"/>
+                  <a:ext cx="502023" cy="478482"/>
+                </a:xfrm>
+                <a:prstGeom prst="rect">
+                  <a:avLst/>
+                </a:prstGeom>
+                <a:solidFill>
+                  <a:schemeClr val="bg1">
+                    <a:lumMod val="95000"/>
+                  </a:schemeClr>
+                </a:solidFill>
+                <a:ln w="38100">
+                  <a:solidFill>
+                    <a:schemeClr val="tx1"/>
+                  </a:solidFill>
+                </a:ln>
+              </p:spPr>
+              <p:style>
+                <a:lnRef idx="2">
+                  <a:schemeClr val="accent1">
+                    <a:shade val="50000"/>
+                  </a:schemeClr>
+                </a:lnRef>
+                <a:fillRef idx="1">
+                  <a:schemeClr val="accent1"/>
+                </a:fillRef>
+                <a:effectRef idx="0">
+                  <a:schemeClr val="accent1"/>
+                </a:effectRef>
+                <a:fontRef idx="minor">
+                  <a:schemeClr val="lt1"/>
+                </a:fontRef>
+              </p:style>
+              <p:txBody>
+                <a:bodyPr rtlCol="0" anchor="ctr"/>
+                <a:lstStyle/>
+                <a:p>
+                  <a:pPr algn="ctr"/>
+                  <a:endParaRPr lang="en-US" altLang="ko-KR" dirty="0">
+                    <a:solidFill>
+                      <a:schemeClr val="tx1"/>
+                    </a:solidFill>
+                  </a:endParaRPr>
+                </a:p>
+              </p:txBody>
+            </p:sp>
+            <p:sp>
+              <p:nvSpPr>
+                <p:cNvPr id="27" name="직사각형 26">
+                  <a:extLst>
+                    <a:ext uri="{FF2B5EF4-FFF2-40B4-BE49-F238E27FC236}">
+                      <a16:creationId xmlns:a16="http://schemas.microsoft.com/office/drawing/2014/main" id="{DF49E9BB-FFFA-4C4E-9258-579E3DD1EC8D}"/>
+                    </a:ext>
+                  </a:extLst>
+                </p:cNvPr>
+                <p:cNvSpPr/>
+                <p:nvPr/>
+              </p:nvSpPr>
+              <p:spPr>
+                <a:xfrm>
+                  <a:off x="5800664" y="1935265"/>
+                  <a:ext cx="502023" cy="478482"/>
+                </a:xfrm>
+                <a:prstGeom prst="rect">
+                  <a:avLst/>
+                </a:prstGeom>
+                <a:solidFill>
+                  <a:schemeClr val="bg1">
+                    <a:lumMod val="95000"/>
+                  </a:schemeClr>
+                </a:solidFill>
+                <a:ln w="38100">
+                  <a:solidFill>
+                    <a:schemeClr val="tx1"/>
+                  </a:solidFill>
+                </a:ln>
+              </p:spPr>
+              <p:style>
+                <a:lnRef idx="2">
+                  <a:schemeClr val="accent1">
+                    <a:shade val="50000"/>
+                  </a:schemeClr>
+                </a:lnRef>
+                <a:fillRef idx="1">
+                  <a:schemeClr val="accent1"/>
+                </a:fillRef>
+                <a:effectRef idx="0">
+                  <a:schemeClr val="accent1"/>
+                </a:effectRef>
+                <a:fontRef idx="minor">
+                  <a:schemeClr val="lt1"/>
+                </a:fontRef>
+              </p:style>
+              <p:txBody>
+                <a:bodyPr rtlCol="0" anchor="ctr"/>
+                <a:lstStyle/>
+                <a:p>
+                  <a:pPr algn="ctr"/>
+                  <a:endParaRPr lang="en-US" altLang="ko-KR" dirty="0">
+                    <a:solidFill>
+                      <a:schemeClr val="tx1"/>
+                    </a:solidFill>
+                  </a:endParaRPr>
+                </a:p>
+              </p:txBody>
+            </p:sp>
+            <p:sp>
+              <p:nvSpPr>
+                <p:cNvPr id="28" name="직사각형 27">
+                  <a:extLst>
+                    <a:ext uri="{FF2B5EF4-FFF2-40B4-BE49-F238E27FC236}">
+                      <a16:creationId xmlns:a16="http://schemas.microsoft.com/office/drawing/2014/main" id="{366DFAF3-9278-4244-AC4D-68F3C77D786D}"/>
+                    </a:ext>
+                  </a:extLst>
+                </p:cNvPr>
+                <p:cNvSpPr/>
+                <p:nvPr/>
+              </p:nvSpPr>
+              <p:spPr>
+                <a:xfrm>
+                  <a:off x="6302687" y="1935265"/>
+                  <a:ext cx="502023" cy="478482"/>
+                </a:xfrm>
+                <a:prstGeom prst="rect">
+                  <a:avLst/>
+                </a:prstGeom>
+                <a:solidFill>
+                  <a:schemeClr val="bg1">
+                    <a:lumMod val="95000"/>
+                  </a:schemeClr>
+                </a:solidFill>
+                <a:ln w="38100">
+                  <a:solidFill>
+                    <a:schemeClr val="tx1"/>
+                  </a:solidFill>
+                </a:ln>
+              </p:spPr>
+              <p:style>
+                <a:lnRef idx="2">
+                  <a:schemeClr val="accent1">
+                    <a:shade val="50000"/>
+                  </a:schemeClr>
+                </a:lnRef>
+                <a:fillRef idx="1">
+                  <a:schemeClr val="accent1"/>
+                </a:fillRef>
+                <a:effectRef idx="0">
+                  <a:schemeClr val="accent1"/>
+                </a:effectRef>
+                <a:fontRef idx="minor">
+                  <a:schemeClr val="lt1"/>
+                </a:fontRef>
+              </p:style>
+              <p:txBody>
+                <a:bodyPr rtlCol="0" anchor="ctr"/>
+                <a:lstStyle/>
+                <a:p>
+                  <a:pPr algn="ctr"/>
+                  <a:endParaRPr lang="en-US" altLang="ko-KR" dirty="0">
+                    <a:solidFill>
+                      <a:schemeClr val="tx1"/>
+                    </a:solidFill>
+                  </a:endParaRPr>
+                </a:p>
+              </p:txBody>
+            </p:sp>
+          </p:grpSp>
+        </p:grpSp>
+        <p:grpSp>
+          <p:nvGrpSpPr>
+            <p:cNvPr id="29" name="그룹 28">
+              <a:extLst>
+                <a:ext uri="{FF2B5EF4-FFF2-40B4-BE49-F238E27FC236}">
+                  <a16:creationId xmlns:a16="http://schemas.microsoft.com/office/drawing/2014/main" id="{37431433-682F-46AC-B91D-C70A33C23240}"/>
+                </a:ext>
+              </a:extLst>
+            </p:cNvPr>
+            <p:cNvGrpSpPr/>
+            <p:nvPr/>
+          </p:nvGrpSpPr>
+          <p:grpSpPr>
+            <a:xfrm>
+              <a:off x="4724900" y="1961011"/>
+              <a:ext cx="2008092" cy="956964"/>
+              <a:chOff x="4796618" y="1456783"/>
+              <a:chExt cx="2008092" cy="956964"/>
+            </a:xfrm>
+          </p:grpSpPr>
+          <p:sp>
+            <p:nvSpPr>
+              <p:cNvPr id="30" name="직사각형 29">
+                <a:extLst>
+                  <a:ext uri="{FF2B5EF4-FFF2-40B4-BE49-F238E27FC236}">
+                    <a16:creationId xmlns:a16="http://schemas.microsoft.com/office/drawing/2014/main" id="{9CED5118-5A2B-4296-A11C-DFFF36502F52}"/>
+                  </a:ext>
+                </a:extLst>
+              </p:cNvPr>
+              <p:cNvSpPr/>
+              <p:nvPr/>
+            </p:nvSpPr>
+            <p:spPr>
+              <a:xfrm>
+                <a:off x="4796618" y="1935265"/>
+                <a:ext cx="502023" cy="478482"/>
+              </a:xfrm>
+              <a:prstGeom prst="rect">
+                <a:avLst/>
+              </a:prstGeom>
+              <a:solidFill>
+                <a:schemeClr val="bg1">
+                  <a:lumMod val="95000"/>
+                </a:schemeClr>
+              </a:solidFill>
+              <a:ln w="38100">
+                <a:solidFill>
+                  <a:schemeClr val="tx1"/>
+                </a:solidFill>
+              </a:ln>
+            </p:spPr>
+            <p:style>
+              <a:lnRef idx="2">
+                <a:schemeClr val="accent1">
+                  <a:shade val="50000"/>
+                </a:schemeClr>
+              </a:lnRef>
+              <a:fillRef idx="1">
+                <a:schemeClr val="accent1"/>
+              </a:fillRef>
+              <a:effectRef idx="0">
+                <a:schemeClr val="accent1"/>
+              </a:effectRef>
+              <a:fontRef idx="minor">
+                <a:schemeClr val="lt1"/>
+              </a:fontRef>
+            </p:style>
+            <p:txBody>
+              <a:bodyPr rtlCol="0" anchor="ctr"/>
+              <a:lstStyle/>
+              <a:p>
+                <a:pPr algn="ctr"/>
+                <a:endParaRPr lang="en-US" altLang="ko-KR" dirty="0">
+                  <a:solidFill>
+                    <a:schemeClr val="tx1"/>
+                  </a:solidFill>
+                </a:endParaRPr>
+              </a:p>
+            </p:txBody>
+          </p:sp>
+          <p:grpSp>
+            <p:nvGrpSpPr>
+              <p:cNvPr id="31" name="그룹 30">
+                <a:extLst>
+                  <a:ext uri="{FF2B5EF4-FFF2-40B4-BE49-F238E27FC236}">
+                    <a16:creationId xmlns:a16="http://schemas.microsoft.com/office/drawing/2014/main" id="{C93025BF-9121-425B-A98F-66411B572120}"/>
+                  </a:ext>
+                </a:extLst>
+              </p:cNvPr>
+              <p:cNvGrpSpPr/>
+              <p:nvPr/>
+            </p:nvGrpSpPr>
+            <p:grpSpPr>
+              <a:xfrm>
+                <a:off x="4796618" y="1456783"/>
+                <a:ext cx="2008092" cy="956964"/>
+                <a:chOff x="4796618" y="1456783"/>
+                <a:chExt cx="2008092" cy="956964"/>
+              </a:xfrm>
+            </p:grpSpPr>
+            <p:sp>
+              <p:nvSpPr>
+                <p:cNvPr id="32" name="직사각형 31">
+                  <a:extLst>
+                    <a:ext uri="{FF2B5EF4-FFF2-40B4-BE49-F238E27FC236}">
+                      <a16:creationId xmlns:a16="http://schemas.microsoft.com/office/drawing/2014/main" id="{89600224-2ADD-417F-B1B5-AD276A1A1BB1}"/>
+                    </a:ext>
+                  </a:extLst>
+                </p:cNvPr>
+                <p:cNvSpPr/>
+                <p:nvPr/>
+              </p:nvSpPr>
+              <p:spPr>
+                <a:xfrm>
+                  <a:off x="4796618" y="1456783"/>
+                  <a:ext cx="502023" cy="478482"/>
+                </a:xfrm>
+                <a:prstGeom prst="rect">
+                  <a:avLst/>
+                </a:prstGeom>
+                <a:solidFill>
+                  <a:schemeClr val="bg1">
+                    <a:lumMod val="95000"/>
+                  </a:schemeClr>
+                </a:solidFill>
+                <a:ln w="38100">
+                  <a:solidFill>
+                    <a:schemeClr val="tx1"/>
+                  </a:solidFill>
+                </a:ln>
+              </p:spPr>
+              <p:style>
+                <a:lnRef idx="2">
+                  <a:schemeClr val="accent1">
+                    <a:shade val="50000"/>
+                  </a:schemeClr>
+                </a:lnRef>
+                <a:fillRef idx="1">
+                  <a:schemeClr val="accent1"/>
+                </a:fillRef>
+                <a:effectRef idx="0">
+                  <a:schemeClr val="accent1"/>
+                </a:effectRef>
+                <a:fontRef idx="minor">
+                  <a:schemeClr val="lt1"/>
+                </a:fontRef>
+              </p:style>
+              <p:txBody>
+                <a:bodyPr rtlCol="0" anchor="ctr"/>
+                <a:lstStyle/>
+                <a:p>
+                  <a:pPr algn="ctr"/>
+                  <a:endParaRPr lang="en-US" altLang="ko-KR" dirty="0">
+                    <a:solidFill>
+                      <a:schemeClr val="tx1"/>
+                    </a:solidFill>
+                  </a:endParaRPr>
+                </a:p>
+              </p:txBody>
+            </p:sp>
+            <p:sp>
+              <p:nvSpPr>
+                <p:cNvPr id="33" name="직사각형 32">
+                  <a:extLst>
+                    <a:ext uri="{FF2B5EF4-FFF2-40B4-BE49-F238E27FC236}">
+                      <a16:creationId xmlns:a16="http://schemas.microsoft.com/office/drawing/2014/main" id="{5481CC62-845F-46C5-8861-F5AEE72BC9B8}"/>
+                    </a:ext>
+                  </a:extLst>
+                </p:cNvPr>
+                <p:cNvSpPr/>
+                <p:nvPr/>
+              </p:nvSpPr>
+              <p:spPr>
+                <a:xfrm>
+                  <a:off x="5298641" y="1456783"/>
+                  <a:ext cx="502023" cy="478482"/>
+                </a:xfrm>
+                <a:prstGeom prst="rect">
+                  <a:avLst/>
+                </a:prstGeom>
+                <a:solidFill>
+                  <a:schemeClr val="bg1">
+                    <a:lumMod val="95000"/>
+                  </a:schemeClr>
+                </a:solidFill>
+                <a:ln w="38100">
+                  <a:solidFill>
+                    <a:schemeClr val="tx1"/>
+                  </a:solidFill>
+                </a:ln>
+              </p:spPr>
+              <p:style>
+                <a:lnRef idx="2">
+                  <a:schemeClr val="accent1">
+                    <a:shade val="50000"/>
+                  </a:schemeClr>
+                </a:lnRef>
+                <a:fillRef idx="1">
+                  <a:schemeClr val="accent1"/>
+                </a:fillRef>
+                <a:effectRef idx="0">
+                  <a:schemeClr val="accent1"/>
+                </a:effectRef>
+                <a:fontRef idx="minor">
+                  <a:schemeClr val="lt1"/>
+                </a:fontRef>
+              </p:style>
+              <p:txBody>
+                <a:bodyPr rtlCol="0" anchor="ctr"/>
+                <a:lstStyle/>
+                <a:p>
+                  <a:pPr algn="ctr"/>
+                  <a:endParaRPr lang="en-US" altLang="ko-KR" dirty="0">
+                    <a:solidFill>
+                      <a:schemeClr val="tx1"/>
+                    </a:solidFill>
+                  </a:endParaRPr>
+                </a:p>
+              </p:txBody>
+            </p:sp>
+            <p:sp>
+              <p:nvSpPr>
+                <p:cNvPr id="34" name="직사각형 33">
+                  <a:extLst>
+                    <a:ext uri="{FF2B5EF4-FFF2-40B4-BE49-F238E27FC236}">
+                      <a16:creationId xmlns:a16="http://schemas.microsoft.com/office/drawing/2014/main" id="{095AA4DD-F65B-4E7D-9FA9-5298761CB4B3}"/>
+                    </a:ext>
+                  </a:extLst>
+                </p:cNvPr>
+                <p:cNvSpPr/>
+                <p:nvPr/>
+              </p:nvSpPr>
+              <p:spPr>
+                <a:xfrm>
+                  <a:off x="5298641" y="1935265"/>
+                  <a:ext cx="502023" cy="478482"/>
+                </a:xfrm>
+                <a:prstGeom prst="rect">
+                  <a:avLst/>
+                </a:prstGeom>
+                <a:solidFill>
+                  <a:schemeClr val="bg1">
+                    <a:lumMod val="95000"/>
+                  </a:schemeClr>
+                </a:solidFill>
+                <a:ln w="38100">
+                  <a:solidFill>
+                    <a:schemeClr val="tx1"/>
+                  </a:solidFill>
+                </a:ln>
+              </p:spPr>
+              <p:style>
+                <a:lnRef idx="2">
+                  <a:schemeClr val="accent1">
+                    <a:shade val="50000"/>
+                  </a:schemeClr>
+                </a:lnRef>
+                <a:fillRef idx="1">
+                  <a:schemeClr val="accent1"/>
+                </a:fillRef>
+                <a:effectRef idx="0">
+                  <a:schemeClr val="accent1"/>
+                </a:effectRef>
+                <a:fontRef idx="minor">
+                  <a:schemeClr val="lt1"/>
+                </a:fontRef>
+              </p:style>
+              <p:txBody>
+                <a:bodyPr rtlCol="0" anchor="ctr"/>
+                <a:lstStyle/>
+                <a:p>
+                  <a:pPr algn="ctr"/>
+                  <a:endParaRPr lang="en-US" altLang="ko-KR" dirty="0">
+                    <a:solidFill>
+                      <a:schemeClr val="tx1"/>
+                    </a:solidFill>
+                  </a:endParaRPr>
+                </a:p>
+              </p:txBody>
+            </p:sp>
+            <p:sp>
+              <p:nvSpPr>
+                <p:cNvPr id="35" name="직사각형 34">
+                  <a:extLst>
+                    <a:ext uri="{FF2B5EF4-FFF2-40B4-BE49-F238E27FC236}">
+                      <a16:creationId xmlns:a16="http://schemas.microsoft.com/office/drawing/2014/main" id="{25FD5412-B6F0-4661-B90E-3514BE0EC0AE}"/>
+                    </a:ext>
+                  </a:extLst>
+                </p:cNvPr>
+                <p:cNvSpPr/>
+                <p:nvPr/>
+              </p:nvSpPr>
+              <p:spPr>
+                <a:xfrm>
+                  <a:off x="5800664" y="1456783"/>
+                  <a:ext cx="502023" cy="478482"/>
+                </a:xfrm>
+                <a:prstGeom prst="rect">
+                  <a:avLst/>
+                </a:prstGeom>
+                <a:solidFill>
+                  <a:schemeClr val="bg1">
+                    <a:lumMod val="95000"/>
+                  </a:schemeClr>
+                </a:solidFill>
+                <a:ln w="38100">
+                  <a:solidFill>
+                    <a:schemeClr val="tx1"/>
+                  </a:solidFill>
+                </a:ln>
+              </p:spPr>
+              <p:style>
+                <a:lnRef idx="2">
+                  <a:schemeClr val="accent1">
+                    <a:shade val="50000"/>
+                  </a:schemeClr>
+                </a:lnRef>
+                <a:fillRef idx="1">
+                  <a:schemeClr val="accent1"/>
+                </a:fillRef>
+                <a:effectRef idx="0">
+                  <a:schemeClr val="accent1"/>
+                </a:effectRef>
+                <a:fontRef idx="minor">
+                  <a:schemeClr val="lt1"/>
+                </a:fontRef>
+              </p:style>
+              <p:txBody>
+                <a:bodyPr rtlCol="0" anchor="ctr"/>
+                <a:lstStyle/>
+                <a:p>
+                  <a:pPr algn="ctr"/>
+                  <a:endParaRPr lang="en-US" altLang="ko-KR" dirty="0">
+                    <a:solidFill>
+                      <a:schemeClr val="tx1"/>
+                    </a:solidFill>
+                  </a:endParaRPr>
+                </a:p>
+              </p:txBody>
+            </p:sp>
+            <p:sp>
+              <p:nvSpPr>
+                <p:cNvPr id="36" name="직사각형 35">
+                  <a:extLst>
+                    <a:ext uri="{FF2B5EF4-FFF2-40B4-BE49-F238E27FC236}">
+                      <a16:creationId xmlns:a16="http://schemas.microsoft.com/office/drawing/2014/main" id="{42D0D545-2A8C-4206-B1EC-5E6280FB4F88}"/>
+                    </a:ext>
+                  </a:extLst>
+                </p:cNvPr>
+                <p:cNvSpPr/>
+                <p:nvPr/>
+              </p:nvSpPr>
+              <p:spPr>
+                <a:xfrm>
+                  <a:off x="6302687" y="1456783"/>
+                  <a:ext cx="502023" cy="478482"/>
+                </a:xfrm>
+                <a:prstGeom prst="rect">
+                  <a:avLst/>
+                </a:prstGeom>
+                <a:solidFill>
+                  <a:schemeClr val="bg1">
+                    <a:lumMod val="95000"/>
+                  </a:schemeClr>
+                </a:solidFill>
+                <a:ln w="38100">
+                  <a:solidFill>
+                    <a:schemeClr val="tx1"/>
+                  </a:solidFill>
+                </a:ln>
+              </p:spPr>
+              <p:style>
+                <a:lnRef idx="2">
+                  <a:schemeClr val="accent1">
+                    <a:shade val="50000"/>
+                  </a:schemeClr>
+                </a:lnRef>
+                <a:fillRef idx="1">
+                  <a:schemeClr val="accent1"/>
+                </a:fillRef>
+                <a:effectRef idx="0">
+                  <a:schemeClr val="accent1"/>
+                </a:effectRef>
+                <a:fontRef idx="minor">
+                  <a:schemeClr val="lt1"/>
+                </a:fontRef>
+              </p:style>
+              <p:txBody>
+                <a:bodyPr rtlCol="0" anchor="ctr"/>
+                <a:lstStyle/>
+                <a:p>
+                  <a:pPr algn="ctr"/>
+                  <a:endParaRPr lang="en-US" altLang="ko-KR" dirty="0">
+                    <a:solidFill>
+                      <a:schemeClr val="tx1"/>
+                    </a:solidFill>
+                  </a:endParaRPr>
+                </a:p>
+              </p:txBody>
+            </p:sp>
+            <p:sp>
+              <p:nvSpPr>
+                <p:cNvPr id="37" name="직사각형 36">
+                  <a:extLst>
+                    <a:ext uri="{FF2B5EF4-FFF2-40B4-BE49-F238E27FC236}">
+                      <a16:creationId xmlns:a16="http://schemas.microsoft.com/office/drawing/2014/main" id="{2E067C72-2F3E-425B-B392-BB79B6A0BBC7}"/>
+                    </a:ext>
+                  </a:extLst>
+                </p:cNvPr>
+                <p:cNvSpPr/>
+                <p:nvPr/>
+              </p:nvSpPr>
+              <p:spPr>
+                <a:xfrm>
+                  <a:off x="5800664" y="1935265"/>
+                  <a:ext cx="502023" cy="478482"/>
+                </a:xfrm>
+                <a:prstGeom prst="rect">
+                  <a:avLst/>
+                </a:prstGeom>
+                <a:solidFill>
+                  <a:schemeClr val="bg1">
+                    <a:lumMod val="95000"/>
+                  </a:schemeClr>
+                </a:solidFill>
+                <a:ln w="38100">
+                  <a:solidFill>
+                    <a:schemeClr val="tx1"/>
+                  </a:solidFill>
+                </a:ln>
+              </p:spPr>
+              <p:style>
+                <a:lnRef idx="2">
+                  <a:schemeClr val="accent1">
+                    <a:shade val="50000"/>
+                  </a:schemeClr>
+                </a:lnRef>
+                <a:fillRef idx="1">
+                  <a:schemeClr val="accent1"/>
+                </a:fillRef>
+                <a:effectRef idx="0">
+                  <a:schemeClr val="accent1"/>
+                </a:effectRef>
+                <a:fontRef idx="minor">
+                  <a:schemeClr val="lt1"/>
+                </a:fontRef>
+              </p:style>
+              <p:txBody>
+                <a:bodyPr rtlCol="0" anchor="ctr"/>
+                <a:lstStyle/>
+                <a:p>
+                  <a:pPr algn="ctr"/>
+                  <a:endParaRPr lang="en-US" altLang="ko-KR" dirty="0">
+                    <a:solidFill>
+                      <a:schemeClr val="tx1"/>
+                    </a:solidFill>
+                  </a:endParaRPr>
+                </a:p>
+              </p:txBody>
+            </p:sp>
+            <p:sp>
+              <p:nvSpPr>
+                <p:cNvPr id="38" name="직사각형 37">
+                  <a:extLst>
+                    <a:ext uri="{FF2B5EF4-FFF2-40B4-BE49-F238E27FC236}">
+                      <a16:creationId xmlns:a16="http://schemas.microsoft.com/office/drawing/2014/main" id="{E29356E1-D0C9-4C9A-9071-0E76068E4B5C}"/>
+                    </a:ext>
+                  </a:extLst>
+                </p:cNvPr>
+                <p:cNvSpPr/>
+                <p:nvPr/>
+              </p:nvSpPr>
+              <p:spPr>
+                <a:xfrm>
+                  <a:off x="6302687" y="1935265"/>
+                  <a:ext cx="502023" cy="478482"/>
+                </a:xfrm>
+                <a:prstGeom prst="rect">
+                  <a:avLst/>
+                </a:prstGeom>
+                <a:solidFill>
+                  <a:schemeClr val="bg1">
+                    <a:lumMod val="95000"/>
+                  </a:schemeClr>
+                </a:solidFill>
+                <a:ln w="38100">
+                  <a:solidFill>
+                    <a:schemeClr val="tx1"/>
+                  </a:solidFill>
+                </a:ln>
+              </p:spPr>
+              <p:style>
+                <a:lnRef idx="2">
+                  <a:schemeClr val="accent1">
+                    <a:shade val="50000"/>
+                  </a:schemeClr>
+                </a:lnRef>
+                <a:fillRef idx="1">
+                  <a:schemeClr val="accent1"/>
+                </a:fillRef>
+                <a:effectRef idx="0">
+                  <a:schemeClr val="accent1"/>
+                </a:effectRef>
+                <a:fontRef idx="minor">
+                  <a:schemeClr val="lt1"/>
+                </a:fontRef>
+              </p:style>
+              <p:txBody>
+                <a:bodyPr rtlCol="0" anchor="ctr"/>
+                <a:lstStyle/>
+                <a:p>
+                  <a:pPr algn="ctr"/>
+                  <a:endParaRPr lang="en-US" altLang="ko-KR" dirty="0">
+                    <a:solidFill>
+                      <a:schemeClr val="tx1"/>
+                    </a:solidFill>
+                  </a:endParaRPr>
+                </a:p>
+              </p:txBody>
+            </p:sp>
+          </p:grpSp>
+        </p:grpSp>
+        <p:grpSp>
+          <p:nvGrpSpPr>
+            <p:cNvPr id="39" name="그룹 38">
+              <a:extLst>
+                <a:ext uri="{FF2B5EF4-FFF2-40B4-BE49-F238E27FC236}">
+                  <a16:creationId xmlns:a16="http://schemas.microsoft.com/office/drawing/2014/main" id="{D7DA087C-4239-4F24-8504-AAC06EA1F8C0}"/>
+                </a:ext>
+              </a:extLst>
+            </p:cNvPr>
+            <p:cNvGrpSpPr/>
+            <p:nvPr/>
+          </p:nvGrpSpPr>
+          <p:grpSpPr>
+            <a:xfrm>
+              <a:off x="6732992" y="1959881"/>
+              <a:ext cx="2008092" cy="956964"/>
+              <a:chOff x="4796618" y="1456783"/>
+              <a:chExt cx="2008092" cy="956964"/>
+            </a:xfrm>
+          </p:grpSpPr>
+          <p:sp>
+            <p:nvSpPr>
+              <p:cNvPr id="40" name="직사각형 39">
+                <a:extLst>
+                  <a:ext uri="{FF2B5EF4-FFF2-40B4-BE49-F238E27FC236}">
+                    <a16:creationId xmlns:a16="http://schemas.microsoft.com/office/drawing/2014/main" id="{270ED81D-BC8D-44CA-B7BA-7FD3E7F8559B}"/>
+                  </a:ext>
+                </a:extLst>
+              </p:cNvPr>
+              <p:cNvSpPr/>
+              <p:nvPr/>
+            </p:nvSpPr>
+            <p:spPr>
+              <a:xfrm>
+                <a:off x="4796618" y="1935265"/>
+                <a:ext cx="502023" cy="478482"/>
+              </a:xfrm>
+              <a:prstGeom prst="rect">
+                <a:avLst/>
+              </a:prstGeom>
+              <a:solidFill>
+                <a:schemeClr val="bg1">
+                  <a:lumMod val="95000"/>
+                </a:schemeClr>
+              </a:solidFill>
+              <a:ln w="38100">
+                <a:solidFill>
+                  <a:schemeClr val="tx1"/>
+                </a:solidFill>
+              </a:ln>
+            </p:spPr>
+            <p:style>
+              <a:lnRef idx="2">
+                <a:schemeClr val="accent1">
+                  <a:shade val="50000"/>
+                </a:schemeClr>
+              </a:lnRef>
+              <a:fillRef idx="1">
+                <a:schemeClr val="accent1"/>
+              </a:fillRef>
+              <a:effectRef idx="0">
+                <a:schemeClr val="accent1"/>
+              </a:effectRef>
+              <a:fontRef idx="minor">
+                <a:schemeClr val="lt1"/>
+              </a:fontRef>
+            </p:style>
+            <p:txBody>
+              <a:bodyPr rtlCol="0" anchor="ctr"/>
+              <a:lstStyle/>
+              <a:p>
+                <a:pPr algn="ctr"/>
+                <a:endParaRPr lang="en-US" altLang="ko-KR" dirty="0">
+                  <a:solidFill>
+                    <a:schemeClr val="tx1"/>
+                  </a:solidFill>
+                </a:endParaRPr>
+              </a:p>
+            </p:txBody>
+          </p:sp>
+          <p:grpSp>
+            <p:nvGrpSpPr>
+              <p:cNvPr id="41" name="그룹 40">
+                <a:extLst>
+                  <a:ext uri="{FF2B5EF4-FFF2-40B4-BE49-F238E27FC236}">
+                    <a16:creationId xmlns:a16="http://schemas.microsoft.com/office/drawing/2014/main" id="{375C82D6-95F0-4602-87E7-6F2FD59CDDD4}"/>
+                  </a:ext>
+                </a:extLst>
+              </p:cNvPr>
+              <p:cNvGrpSpPr/>
+              <p:nvPr/>
+            </p:nvGrpSpPr>
+            <p:grpSpPr>
+              <a:xfrm>
+                <a:off x="4796618" y="1456783"/>
+                <a:ext cx="2008092" cy="956964"/>
+                <a:chOff x="4796618" y="1456783"/>
+                <a:chExt cx="2008092" cy="956964"/>
+              </a:xfrm>
+            </p:grpSpPr>
+            <p:sp>
+              <p:nvSpPr>
+                <p:cNvPr id="42" name="직사각형 41">
+                  <a:extLst>
+                    <a:ext uri="{FF2B5EF4-FFF2-40B4-BE49-F238E27FC236}">
+                      <a16:creationId xmlns:a16="http://schemas.microsoft.com/office/drawing/2014/main" id="{81DFC216-31CF-4A6B-B570-B3BEF46B5111}"/>
+                    </a:ext>
+                  </a:extLst>
+                </p:cNvPr>
+                <p:cNvSpPr/>
+                <p:nvPr/>
+              </p:nvSpPr>
+              <p:spPr>
+                <a:xfrm>
+                  <a:off x="4796618" y="1456783"/>
+                  <a:ext cx="502023" cy="478482"/>
+                </a:xfrm>
+                <a:prstGeom prst="rect">
+                  <a:avLst/>
+                </a:prstGeom>
+                <a:solidFill>
+                  <a:schemeClr val="bg1">
+                    <a:lumMod val="95000"/>
+                  </a:schemeClr>
+                </a:solidFill>
+                <a:ln w="38100">
+                  <a:solidFill>
+                    <a:schemeClr val="tx1"/>
+                  </a:solidFill>
+                </a:ln>
+              </p:spPr>
+              <p:style>
+                <a:lnRef idx="2">
+                  <a:schemeClr val="accent1">
+                    <a:shade val="50000"/>
+                  </a:schemeClr>
+                </a:lnRef>
+                <a:fillRef idx="1">
+                  <a:schemeClr val="accent1"/>
+                </a:fillRef>
+                <a:effectRef idx="0">
+                  <a:schemeClr val="accent1"/>
+                </a:effectRef>
+                <a:fontRef idx="minor">
+                  <a:schemeClr val="lt1"/>
+                </a:fontRef>
+              </p:style>
+              <p:txBody>
+                <a:bodyPr rtlCol="0" anchor="ctr"/>
+                <a:lstStyle/>
+                <a:p>
+                  <a:pPr algn="ctr"/>
+                  <a:endParaRPr lang="en-US" altLang="ko-KR" dirty="0">
+                    <a:solidFill>
+                      <a:schemeClr val="tx1"/>
+                    </a:solidFill>
+                  </a:endParaRPr>
+                </a:p>
+              </p:txBody>
+            </p:sp>
+            <p:sp>
+              <p:nvSpPr>
+                <p:cNvPr id="43" name="직사각형 42">
+                  <a:extLst>
+                    <a:ext uri="{FF2B5EF4-FFF2-40B4-BE49-F238E27FC236}">
+                      <a16:creationId xmlns:a16="http://schemas.microsoft.com/office/drawing/2014/main" id="{F858065C-6C8D-4F56-A1F6-65DFA339F4E2}"/>
+                    </a:ext>
+                  </a:extLst>
+                </p:cNvPr>
+                <p:cNvSpPr/>
+                <p:nvPr/>
+              </p:nvSpPr>
+              <p:spPr>
+                <a:xfrm>
+                  <a:off x="5298641" y="1456783"/>
+                  <a:ext cx="502023" cy="478482"/>
+                </a:xfrm>
+                <a:prstGeom prst="rect">
+                  <a:avLst/>
+                </a:prstGeom>
+                <a:solidFill>
+                  <a:schemeClr val="bg1">
+                    <a:lumMod val="95000"/>
+                  </a:schemeClr>
+                </a:solidFill>
+                <a:ln w="38100">
+                  <a:solidFill>
+                    <a:schemeClr val="tx1"/>
+                  </a:solidFill>
+                </a:ln>
+              </p:spPr>
+              <p:style>
+                <a:lnRef idx="2">
+                  <a:schemeClr val="accent1">
+                    <a:shade val="50000"/>
+                  </a:schemeClr>
+                </a:lnRef>
+                <a:fillRef idx="1">
+                  <a:schemeClr val="accent1"/>
+                </a:fillRef>
+                <a:effectRef idx="0">
+                  <a:schemeClr val="accent1"/>
+                </a:effectRef>
+                <a:fontRef idx="minor">
+                  <a:schemeClr val="lt1"/>
+                </a:fontRef>
+              </p:style>
+              <p:txBody>
+                <a:bodyPr rtlCol="0" anchor="ctr"/>
+                <a:lstStyle/>
+                <a:p>
+                  <a:pPr algn="ctr"/>
+                  <a:endParaRPr lang="en-US" altLang="ko-KR" dirty="0">
+                    <a:solidFill>
+                      <a:schemeClr val="tx1"/>
+                    </a:solidFill>
+                  </a:endParaRPr>
+                </a:p>
+              </p:txBody>
+            </p:sp>
+            <p:sp>
+              <p:nvSpPr>
+                <p:cNvPr id="44" name="직사각형 43">
+                  <a:extLst>
+                    <a:ext uri="{FF2B5EF4-FFF2-40B4-BE49-F238E27FC236}">
+                      <a16:creationId xmlns:a16="http://schemas.microsoft.com/office/drawing/2014/main" id="{6DAB93DD-6D17-4EA0-96B0-0139E2B03034}"/>
+                    </a:ext>
+                  </a:extLst>
+                </p:cNvPr>
+                <p:cNvSpPr/>
+                <p:nvPr/>
+              </p:nvSpPr>
+              <p:spPr>
+                <a:xfrm>
+                  <a:off x="5298641" y="1935265"/>
+                  <a:ext cx="502023" cy="478482"/>
+                </a:xfrm>
+                <a:prstGeom prst="rect">
+                  <a:avLst/>
+                </a:prstGeom>
+                <a:solidFill>
+                  <a:schemeClr val="bg1">
+                    <a:lumMod val="95000"/>
+                  </a:schemeClr>
+                </a:solidFill>
+                <a:ln w="38100">
+                  <a:solidFill>
+                    <a:schemeClr val="tx1"/>
+                  </a:solidFill>
+                </a:ln>
+              </p:spPr>
+              <p:style>
+                <a:lnRef idx="2">
+                  <a:schemeClr val="accent1">
+                    <a:shade val="50000"/>
+                  </a:schemeClr>
+                </a:lnRef>
+                <a:fillRef idx="1">
+                  <a:schemeClr val="accent1"/>
+                </a:fillRef>
+                <a:effectRef idx="0">
+                  <a:schemeClr val="accent1"/>
+                </a:effectRef>
+                <a:fontRef idx="minor">
+                  <a:schemeClr val="lt1"/>
+                </a:fontRef>
+              </p:style>
+              <p:txBody>
+                <a:bodyPr rtlCol="0" anchor="ctr"/>
+                <a:lstStyle/>
+                <a:p>
+                  <a:pPr algn="ctr"/>
+                  <a:endParaRPr lang="en-US" altLang="ko-KR" dirty="0">
+                    <a:solidFill>
+                      <a:schemeClr val="tx1"/>
+                    </a:solidFill>
+                  </a:endParaRPr>
+                </a:p>
+              </p:txBody>
+            </p:sp>
+            <p:sp>
+              <p:nvSpPr>
+                <p:cNvPr id="45" name="직사각형 44">
+                  <a:extLst>
+                    <a:ext uri="{FF2B5EF4-FFF2-40B4-BE49-F238E27FC236}">
+                      <a16:creationId xmlns:a16="http://schemas.microsoft.com/office/drawing/2014/main" id="{5398FBB6-0511-4D23-ADDB-FB4A7A91D962}"/>
+                    </a:ext>
+                  </a:extLst>
+                </p:cNvPr>
+                <p:cNvSpPr/>
+                <p:nvPr/>
+              </p:nvSpPr>
+              <p:spPr>
+                <a:xfrm>
+                  <a:off x="5800664" y="1456783"/>
+                  <a:ext cx="502023" cy="478482"/>
+                </a:xfrm>
+                <a:prstGeom prst="rect">
+                  <a:avLst/>
+                </a:prstGeom>
+                <a:solidFill>
+                  <a:schemeClr val="bg1">
+                    <a:lumMod val="95000"/>
+                  </a:schemeClr>
+                </a:solidFill>
+                <a:ln w="38100">
+                  <a:solidFill>
+                    <a:schemeClr val="tx1"/>
+                  </a:solidFill>
+                </a:ln>
+              </p:spPr>
+              <p:style>
+                <a:lnRef idx="2">
+                  <a:schemeClr val="accent1">
+                    <a:shade val="50000"/>
+                  </a:schemeClr>
+                </a:lnRef>
+                <a:fillRef idx="1">
+                  <a:schemeClr val="accent1"/>
+                </a:fillRef>
+                <a:effectRef idx="0">
+                  <a:schemeClr val="accent1"/>
+                </a:effectRef>
+                <a:fontRef idx="minor">
+                  <a:schemeClr val="lt1"/>
+                </a:fontRef>
+              </p:style>
+              <p:txBody>
+                <a:bodyPr rtlCol="0" anchor="ctr"/>
+                <a:lstStyle/>
+                <a:p>
+                  <a:pPr algn="ctr"/>
+                  <a:endParaRPr lang="en-US" altLang="ko-KR" dirty="0">
+                    <a:solidFill>
+                      <a:schemeClr val="tx1"/>
+                    </a:solidFill>
+                  </a:endParaRPr>
+                </a:p>
+              </p:txBody>
+            </p:sp>
+            <p:sp>
+              <p:nvSpPr>
+                <p:cNvPr id="46" name="직사각형 45">
+                  <a:extLst>
+                    <a:ext uri="{FF2B5EF4-FFF2-40B4-BE49-F238E27FC236}">
+                      <a16:creationId xmlns:a16="http://schemas.microsoft.com/office/drawing/2014/main" id="{77C8D2AC-6137-4B6B-803C-0EBC0F57B5EB}"/>
+                    </a:ext>
+                  </a:extLst>
+                </p:cNvPr>
+                <p:cNvSpPr/>
+                <p:nvPr/>
+              </p:nvSpPr>
+              <p:spPr>
+                <a:xfrm>
+                  <a:off x="6302687" y="1456783"/>
+                  <a:ext cx="502023" cy="478482"/>
+                </a:xfrm>
+                <a:prstGeom prst="rect">
+                  <a:avLst/>
+                </a:prstGeom>
+                <a:solidFill>
+                  <a:schemeClr val="bg1">
+                    <a:lumMod val="95000"/>
+                  </a:schemeClr>
+                </a:solidFill>
+                <a:ln w="38100">
+                  <a:solidFill>
+                    <a:schemeClr val="tx1"/>
+                  </a:solidFill>
+                </a:ln>
+              </p:spPr>
+              <p:style>
+                <a:lnRef idx="2">
+                  <a:schemeClr val="accent1">
+                    <a:shade val="50000"/>
+                  </a:schemeClr>
+                </a:lnRef>
+                <a:fillRef idx="1">
+                  <a:schemeClr val="accent1"/>
+                </a:fillRef>
+                <a:effectRef idx="0">
+                  <a:schemeClr val="accent1"/>
+                </a:effectRef>
+                <a:fontRef idx="minor">
+                  <a:schemeClr val="lt1"/>
+                </a:fontRef>
+              </p:style>
+              <p:txBody>
+                <a:bodyPr rtlCol="0" anchor="ctr"/>
+                <a:lstStyle/>
+                <a:p>
+                  <a:pPr algn="ctr"/>
+                  <a:endParaRPr lang="en-US" altLang="ko-KR" dirty="0">
+                    <a:solidFill>
+                      <a:schemeClr val="tx1"/>
+                    </a:solidFill>
+                  </a:endParaRPr>
+                </a:p>
+              </p:txBody>
+            </p:sp>
+            <p:sp>
+              <p:nvSpPr>
+                <p:cNvPr id="47" name="직사각형 46">
+                  <a:extLst>
+                    <a:ext uri="{FF2B5EF4-FFF2-40B4-BE49-F238E27FC236}">
+                      <a16:creationId xmlns:a16="http://schemas.microsoft.com/office/drawing/2014/main" id="{4188515B-3C8E-497D-9DA2-5AA55471A239}"/>
+                    </a:ext>
+                  </a:extLst>
+                </p:cNvPr>
+                <p:cNvSpPr/>
+                <p:nvPr/>
+              </p:nvSpPr>
+              <p:spPr>
+                <a:xfrm>
+                  <a:off x="5800664" y="1935265"/>
+                  <a:ext cx="502023" cy="478482"/>
+                </a:xfrm>
+                <a:prstGeom prst="rect">
+                  <a:avLst/>
+                </a:prstGeom>
+                <a:solidFill>
+                  <a:schemeClr val="bg1">
+                    <a:lumMod val="95000"/>
+                  </a:schemeClr>
+                </a:solidFill>
+                <a:ln w="38100">
+                  <a:solidFill>
+                    <a:schemeClr val="tx1"/>
+                  </a:solidFill>
+                </a:ln>
+              </p:spPr>
+              <p:style>
+                <a:lnRef idx="2">
+                  <a:schemeClr val="accent1">
+                    <a:shade val="50000"/>
+                  </a:schemeClr>
+                </a:lnRef>
+                <a:fillRef idx="1">
+                  <a:schemeClr val="accent1"/>
+                </a:fillRef>
+                <a:effectRef idx="0">
+                  <a:schemeClr val="accent1"/>
+                </a:effectRef>
+                <a:fontRef idx="minor">
+                  <a:schemeClr val="lt1"/>
+                </a:fontRef>
+              </p:style>
+              <p:txBody>
+                <a:bodyPr rtlCol="0" anchor="ctr"/>
+                <a:lstStyle/>
+                <a:p>
+                  <a:pPr algn="ctr"/>
+                  <a:endParaRPr lang="en-US" altLang="ko-KR" dirty="0">
+                    <a:solidFill>
+                      <a:schemeClr val="tx1"/>
+                    </a:solidFill>
+                  </a:endParaRPr>
+                </a:p>
+              </p:txBody>
+            </p:sp>
+            <p:sp>
+              <p:nvSpPr>
+                <p:cNvPr id="48" name="직사각형 47">
+                  <a:extLst>
+                    <a:ext uri="{FF2B5EF4-FFF2-40B4-BE49-F238E27FC236}">
+                      <a16:creationId xmlns:a16="http://schemas.microsoft.com/office/drawing/2014/main" id="{59D7E2DD-3FFC-4527-A77F-6B243E54F1FC}"/>
+                    </a:ext>
+                  </a:extLst>
+                </p:cNvPr>
+                <p:cNvSpPr/>
+                <p:nvPr/>
+              </p:nvSpPr>
+              <p:spPr>
+                <a:xfrm>
+                  <a:off x="6302687" y="1935265"/>
+                  <a:ext cx="502023" cy="478482"/>
+                </a:xfrm>
+                <a:prstGeom prst="rect">
+                  <a:avLst/>
+                </a:prstGeom>
+                <a:solidFill>
+                  <a:schemeClr val="bg1">
+                    <a:lumMod val="95000"/>
+                  </a:schemeClr>
+                </a:solidFill>
+                <a:ln w="38100">
+                  <a:solidFill>
+                    <a:schemeClr val="tx1"/>
+                  </a:solidFill>
+                </a:ln>
+              </p:spPr>
+              <p:style>
+                <a:lnRef idx="2">
+                  <a:schemeClr val="accent1">
+                    <a:shade val="50000"/>
+                  </a:schemeClr>
+                </a:lnRef>
+                <a:fillRef idx="1">
+                  <a:schemeClr val="accent1"/>
+                </a:fillRef>
+                <a:effectRef idx="0">
+                  <a:schemeClr val="accent1"/>
+                </a:effectRef>
+                <a:fontRef idx="minor">
+                  <a:schemeClr val="lt1"/>
+                </a:fontRef>
+              </p:style>
+              <p:txBody>
+                <a:bodyPr rtlCol="0" anchor="ctr"/>
+                <a:lstStyle/>
+                <a:p>
+                  <a:pPr algn="ctr"/>
+                  <a:endParaRPr lang="en-US" altLang="ko-KR" dirty="0">
+                    <a:solidFill>
+                      <a:schemeClr val="tx1"/>
+                    </a:solidFill>
+                  </a:endParaRPr>
+                </a:p>
+              </p:txBody>
+            </p:sp>
+          </p:grpSp>
+        </p:grpSp>
+        <p:grpSp>
+          <p:nvGrpSpPr>
+            <p:cNvPr id="49" name="그룹 48">
+              <a:extLst>
+                <a:ext uri="{FF2B5EF4-FFF2-40B4-BE49-F238E27FC236}">
+                  <a16:creationId xmlns:a16="http://schemas.microsoft.com/office/drawing/2014/main" id="{8E27D3CC-E654-4658-9A13-B820EEB4F002}"/>
+                </a:ext>
+              </a:extLst>
+            </p:cNvPr>
+            <p:cNvGrpSpPr/>
+            <p:nvPr/>
+          </p:nvGrpSpPr>
+          <p:grpSpPr>
+            <a:xfrm>
+              <a:off x="4724900" y="2894395"/>
+              <a:ext cx="2008092" cy="956964"/>
+              <a:chOff x="4796618" y="1456783"/>
+              <a:chExt cx="2008092" cy="956964"/>
+            </a:xfrm>
+          </p:grpSpPr>
+          <p:sp>
+            <p:nvSpPr>
+              <p:cNvPr id="50" name="직사각형 49">
+                <a:extLst>
+                  <a:ext uri="{FF2B5EF4-FFF2-40B4-BE49-F238E27FC236}">
+                    <a16:creationId xmlns:a16="http://schemas.microsoft.com/office/drawing/2014/main" id="{D4455A29-5FC9-4B6A-9923-FCA40C6EA3AA}"/>
+                  </a:ext>
+                </a:extLst>
+              </p:cNvPr>
+              <p:cNvSpPr/>
+              <p:nvPr/>
+            </p:nvSpPr>
+            <p:spPr>
+              <a:xfrm>
+                <a:off x="4796618" y="1935265"/>
+                <a:ext cx="502023" cy="478482"/>
+              </a:xfrm>
+              <a:prstGeom prst="rect">
+                <a:avLst/>
+              </a:prstGeom>
+              <a:solidFill>
+                <a:schemeClr val="bg1">
+                  <a:lumMod val="95000"/>
+                </a:schemeClr>
+              </a:solidFill>
+              <a:ln w="38100">
+                <a:solidFill>
+                  <a:schemeClr val="tx1"/>
+                </a:solidFill>
+              </a:ln>
+            </p:spPr>
+            <p:style>
+              <a:lnRef idx="2">
+                <a:schemeClr val="accent1">
+                  <a:shade val="50000"/>
+                </a:schemeClr>
+              </a:lnRef>
+              <a:fillRef idx="1">
+                <a:schemeClr val="accent1"/>
+              </a:fillRef>
+              <a:effectRef idx="0">
+                <a:schemeClr val="accent1"/>
+              </a:effectRef>
+              <a:fontRef idx="minor">
+                <a:schemeClr val="lt1"/>
+              </a:fontRef>
+            </p:style>
+            <p:txBody>
+              <a:bodyPr rtlCol="0" anchor="ctr"/>
+              <a:lstStyle/>
+              <a:p>
+                <a:pPr algn="ctr"/>
+                <a:endParaRPr lang="en-US" altLang="ko-KR" dirty="0">
+                  <a:solidFill>
+                    <a:schemeClr val="tx1"/>
+                  </a:solidFill>
+                </a:endParaRPr>
+              </a:p>
+            </p:txBody>
+          </p:sp>
+          <p:grpSp>
+            <p:nvGrpSpPr>
+              <p:cNvPr id="51" name="그룹 50">
+                <a:extLst>
+                  <a:ext uri="{FF2B5EF4-FFF2-40B4-BE49-F238E27FC236}">
+                    <a16:creationId xmlns:a16="http://schemas.microsoft.com/office/drawing/2014/main" id="{7326E8B4-0C09-45E2-92DE-E3BFB96340E5}"/>
+                  </a:ext>
+                </a:extLst>
+              </p:cNvPr>
+              <p:cNvGrpSpPr/>
+              <p:nvPr/>
+            </p:nvGrpSpPr>
+            <p:grpSpPr>
+              <a:xfrm>
+                <a:off x="4796618" y="1456783"/>
+                <a:ext cx="2008092" cy="956964"/>
+                <a:chOff x="4796618" y="1456783"/>
+                <a:chExt cx="2008092" cy="956964"/>
+              </a:xfrm>
+            </p:grpSpPr>
+            <p:sp>
+              <p:nvSpPr>
+                <p:cNvPr id="52" name="직사각형 51">
+                  <a:extLst>
+                    <a:ext uri="{FF2B5EF4-FFF2-40B4-BE49-F238E27FC236}">
+                      <a16:creationId xmlns:a16="http://schemas.microsoft.com/office/drawing/2014/main" id="{47751153-EAE9-4DEC-846C-F1E9E266E9D5}"/>
+                    </a:ext>
+                  </a:extLst>
+                </p:cNvPr>
+                <p:cNvSpPr/>
+                <p:nvPr/>
+              </p:nvSpPr>
+              <p:spPr>
+                <a:xfrm>
+                  <a:off x="4796618" y="1456783"/>
+                  <a:ext cx="502023" cy="478482"/>
+                </a:xfrm>
+                <a:prstGeom prst="rect">
+                  <a:avLst/>
+                </a:prstGeom>
+                <a:solidFill>
+                  <a:schemeClr val="bg1">
+                    <a:lumMod val="95000"/>
+                  </a:schemeClr>
+                </a:solidFill>
+                <a:ln w="38100">
+                  <a:solidFill>
+                    <a:schemeClr val="tx1"/>
+                  </a:solidFill>
+                </a:ln>
+              </p:spPr>
+              <p:style>
+                <a:lnRef idx="2">
+                  <a:schemeClr val="accent1">
+                    <a:shade val="50000"/>
+                  </a:schemeClr>
+                </a:lnRef>
+                <a:fillRef idx="1">
+                  <a:schemeClr val="accent1"/>
+                </a:fillRef>
+                <a:effectRef idx="0">
+                  <a:schemeClr val="accent1"/>
+                </a:effectRef>
+                <a:fontRef idx="minor">
+                  <a:schemeClr val="lt1"/>
+                </a:fontRef>
+              </p:style>
+              <p:txBody>
+                <a:bodyPr rtlCol="0" anchor="ctr"/>
+                <a:lstStyle/>
+                <a:p>
+                  <a:pPr algn="ctr"/>
+                  <a:endParaRPr lang="en-US" altLang="ko-KR" dirty="0">
+                    <a:solidFill>
+                      <a:schemeClr val="tx1"/>
+                    </a:solidFill>
+                  </a:endParaRPr>
+                </a:p>
+              </p:txBody>
+            </p:sp>
+            <p:sp>
+              <p:nvSpPr>
+                <p:cNvPr id="53" name="직사각형 52">
+                  <a:extLst>
+                    <a:ext uri="{FF2B5EF4-FFF2-40B4-BE49-F238E27FC236}">
+                      <a16:creationId xmlns:a16="http://schemas.microsoft.com/office/drawing/2014/main" id="{548FFD59-5EE0-494D-9636-DDE591640955}"/>
+                    </a:ext>
+                  </a:extLst>
+                </p:cNvPr>
+                <p:cNvSpPr/>
+                <p:nvPr/>
+              </p:nvSpPr>
+              <p:spPr>
+                <a:xfrm>
+                  <a:off x="5298641" y="1456783"/>
+                  <a:ext cx="502023" cy="478482"/>
+                </a:xfrm>
+                <a:prstGeom prst="rect">
+                  <a:avLst/>
+                </a:prstGeom>
+                <a:solidFill>
+                  <a:schemeClr val="bg1">
+                    <a:lumMod val="95000"/>
+                  </a:schemeClr>
+                </a:solidFill>
+                <a:ln w="38100">
+                  <a:solidFill>
+                    <a:schemeClr val="tx1"/>
+                  </a:solidFill>
+                </a:ln>
+              </p:spPr>
+              <p:style>
+                <a:lnRef idx="2">
+                  <a:schemeClr val="accent1">
+                    <a:shade val="50000"/>
+                  </a:schemeClr>
+                </a:lnRef>
+                <a:fillRef idx="1">
+                  <a:schemeClr val="accent1"/>
+                </a:fillRef>
+                <a:effectRef idx="0">
+                  <a:schemeClr val="accent1"/>
+                </a:effectRef>
+                <a:fontRef idx="minor">
+                  <a:schemeClr val="lt1"/>
+                </a:fontRef>
+              </p:style>
+              <p:txBody>
+                <a:bodyPr rtlCol="0" anchor="ctr"/>
+                <a:lstStyle/>
+                <a:p>
+                  <a:pPr algn="ctr"/>
+                  <a:endParaRPr lang="en-US" altLang="ko-KR" dirty="0">
+                    <a:solidFill>
+                      <a:schemeClr val="tx1"/>
+                    </a:solidFill>
+                  </a:endParaRPr>
+                </a:p>
+              </p:txBody>
+            </p:sp>
+            <p:sp>
+              <p:nvSpPr>
+                <p:cNvPr id="54" name="직사각형 53">
+                  <a:extLst>
+                    <a:ext uri="{FF2B5EF4-FFF2-40B4-BE49-F238E27FC236}">
+                      <a16:creationId xmlns:a16="http://schemas.microsoft.com/office/drawing/2014/main" id="{AB8E8C6E-F888-4142-87DE-832866911D95}"/>
+                    </a:ext>
+                  </a:extLst>
+                </p:cNvPr>
+                <p:cNvSpPr/>
+                <p:nvPr/>
+              </p:nvSpPr>
+              <p:spPr>
+                <a:xfrm>
+                  <a:off x="5298641" y="1935265"/>
+                  <a:ext cx="502023" cy="478482"/>
+                </a:xfrm>
+                <a:prstGeom prst="rect">
+                  <a:avLst/>
+                </a:prstGeom>
+                <a:solidFill>
+                  <a:schemeClr val="bg1">
+                    <a:lumMod val="95000"/>
+                  </a:schemeClr>
+                </a:solidFill>
+                <a:ln w="38100">
+                  <a:solidFill>
+                    <a:schemeClr val="tx1"/>
+                  </a:solidFill>
+                </a:ln>
+              </p:spPr>
+              <p:style>
+                <a:lnRef idx="2">
+                  <a:schemeClr val="accent1">
+                    <a:shade val="50000"/>
+                  </a:schemeClr>
+                </a:lnRef>
+                <a:fillRef idx="1">
+                  <a:schemeClr val="accent1"/>
+                </a:fillRef>
+                <a:effectRef idx="0">
+                  <a:schemeClr val="accent1"/>
+                </a:effectRef>
+                <a:fontRef idx="minor">
+                  <a:schemeClr val="lt1"/>
+                </a:fontRef>
+              </p:style>
+              <p:txBody>
+                <a:bodyPr rtlCol="0" anchor="ctr"/>
+                <a:lstStyle/>
+                <a:p>
+                  <a:pPr algn="ctr"/>
+                  <a:endParaRPr lang="en-US" altLang="ko-KR" dirty="0">
+                    <a:solidFill>
+                      <a:schemeClr val="tx1"/>
+                    </a:solidFill>
+                  </a:endParaRPr>
+                </a:p>
+              </p:txBody>
+            </p:sp>
+            <p:sp>
+              <p:nvSpPr>
+                <p:cNvPr id="55" name="직사각형 54">
+                  <a:extLst>
+                    <a:ext uri="{FF2B5EF4-FFF2-40B4-BE49-F238E27FC236}">
+                      <a16:creationId xmlns:a16="http://schemas.microsoft.com/office/drawing/2014/main" id="{D0F31226-55FE-4884-A58E-F3A58193551C}"/>
+                    </a:ext>
+                  </a:extLst>
+                </p:cNvPr>
+                <p:cNvSpPr/>
+                <p:nvPr/>
+              </p:nvSpPr>
+              <p:spPr>
+                <a:xfrm>
+                  <a:off x="5800664" y="1456783"/>
+                  <a:ext cx="502023" cy="478482"/>
+                </a:xfrm>
+                <a:prstGeom prst="rect">
+                  <a:avLst/>
+                </a:prstGeom>
+                <a:solidFill>
+                  <a:schemeClr val="bg1">
+                    <a:lumMod val="95000"/>
+                  </a:schemeClr>
+                </a:solidFill>
+                <a:ln w="38100">
+                  <a:solidFill>
+                    <a:schemeClr val="tx1"/>
+                  </a:solidFill>
+                </a:ln>
+              </p:spPr>
+              <p:style>
+                <a:lnRef idx="2">
+                  <a:schemeClr val="accent1">
+                    <a:shade val="50000"/>
+                  </a:schemeClr>
+                </a:lnRef>
+                <a:fillRef idx="1">
+                  <a:schemeClr val="accent1"/>
+                </a:fillRef>
+                <a:effectRef idx="0">
+                  <a:schemeClr val="accent1"/>
+                </a:effectRef>
+                <a:fontRef idx="minor">
+                  <a:schemeClr val="lt1"/>
+                </a:fontRef>
+              </p:style>
+              <p:txBody>
+                <a:bodyPr rtlCol="0" anchor="ctr"/>
+                <a:lstStyle/>
+                <a:p>
+                  <a:pPr algn="ctr"/>
+                  <a:endParaRPr lang="en-US" altLang="ko-KR" dirty="0">
+                    <a:solidFill>
+                      <a:schemeClr val="tx1"/>
+                    </a:solidFill>
+                  </a:endParaRPr>
+                </a:p>
+              </p:txBody>
+            </p:sp>
+            <p:sp>
+              <p:nvSpPr>
+                <p:cNvPr id="56" name="직사각형 55">
+                  <a:extLst>
+                    <a:ext uri="{FF2B5EF4-FFF2-40B4-BE49-F238E27FC236}">
+                      <a16:creationId xmlns:a16="http://schemas.microsoft.com/office/drawing/2014/main" id="{426657C3-7DEA-44BC-8A46-B4047CF6DF96}"/>
+                    </a:ext>
+                  </a:extLst>
+                </p:cNvPr>
+                <p:cNvSpPr/>
+                <p:nvPr/>
+              </p:nvSpPr>
+              <p:spPr>
+                <a:xfrm>
+                  <a:off x="6302687" y="1456783"/>
+                  <a:ext cx="502023" cy="478482"/>
+                </a:xfrm>
+                <a:prstGeom prst="rect">
+                  <a:avLst/>
+                </a:prstGeom>
+                <a:solidFill>
+                  <a:schemeClr val="bg1">
+                    <a:lumMod val="95000"/>
+                  </a:schemeClr>
+                </a:solidFill>
+                <a:ln w="38100">
+                  <a:solidFill>
+                    <a:schemeClr val="tx1"/>
+                  </a:solidFill>
+                </a:ln>
+              </p:spPr>
+              <p:style>
+                <a:lnRef idx="2">
+                  <a:schemeClr val="accent1">
+                    <a:shade val="50000"/>
+                  </a:schemeClr>
+                </a:lnRef>
+                <a:fillRef idx="1">
+                  <a:schemeClr val="accent1"/>
+                </a:fillRef>
+                <a:effectRef idx="0">
+                  <a:schemeClr val="accent1"/>
+                </a:effectRef>
+                <a:fontRef idx="minor">
+                  <a:schemeClr val="lt1"/>
+                </a:fontRef>
+              </p:style>
+              <p:txBody>
+                <a:bodyPr rtlCol="0" anchor="ctr"/>
+                <a:lstStyle/>
+                <a:p>
+                  <a:pPr algn="ctr"/>
+                  <a:endParaRPr lang="en-US" altLang="ko-KR" dirty="0">
+                    <a:solidFill>
+                      <a:schemeClr val="tx1"/>
+                    </a:solidFill>
+                  </a:endParaRPr>
+                </a:p>
+              </p:txBody>
+            </p:sp>
+            <p:sp>
+              <p:nvSpPr>
+                <p:cNvPr id="57" name="직사각형 56">
+                  <a:extLst>
+                    <a:ext uri="{FF2B5EF4-FFF2-40B4-BE49-F238E27FC236}">
+                      <a16:creationId xmlns:a16="http://schemas.microsoft.com/office/drawing/2014/main" id="{9E6FA17F-0D60-4B48-930D-53F458D285ED}"/>
+                    </a:ext>
+                  </a:extLst>
+                </p:cNvPr>
+                <p:cNvSpPr/>
+                <p:nvPr/>
+              </p:nvSpPr>
+              <p:spPr>
+                <a:xfrm>
+                  <a:off x="5800664" y="1935265"/>
+                  <a:ext cx="502023" cy="478482"/>
+                </a:xfrm>
+                <a:prstGeom prst="rect">
+                  <a:avLst/>
+                </a:prstGeom>
+                <a:solidFill>
+                  <a:schemeClr val="bg1">
+                    <a:lumMod val="95000"/>
+                  </a:schemeClr>
+                </a:solidFill>
+                <a:ln w="38100">
+                  <a:solidFill>
+                    <a:schemeClr val="tx1"/>
+                  </a:solidFill>
+                </a:ln>
+              </p:spPr>
+              <p:style>
+                <a:lnRef idx="2">
+                  <a:schemeClr val="accent1">
+                    <a:shade val="50000"/>
+                  </a:schemeClr>
+                </a:lnRef>
+                <a:fillRef idx="1">
+                  <a:schemeClr val="accent1"/>
+                </a:fillRef>
+                <a:effectRef idx="0">
+                  <a:schemeClr val="accent1"/>
+                </a:effectRef>
+                <a:fontRef idx="minor">
+                  <a:schemeClr val="lt1"/>
+                </a:fontRef>
+              </p:style>
+              <p:txBody>
+                <a:bodyPr rtlCol="0" anchor="ctr"/>
+                <a:lstStyle/>
+                <a:p>
+                  <a:pPr algn="ctr"/>
+                  <a:endParaRPr lang="en-US" altLang="ko-KR" dirty="0">
+                    <a:solidFill>
+                      <a:schemeClr val="tx1"/>
+                    </a:solidFill>
+                  </a:endParaRPr>
+                </a:p>
+              </p:txBody>
+            </p:sp>
+            <p:sp>
+              <p:nvSpPr>
+                <p:cNvPr id="58" name="직사각형 57">
+                  <a:extLst>
+                    <a:ext uri="{FF2B5EF4-FFF2-40B4-BE49-F238E27FC236}">
+                      <a16:creationId xmlns:a16="http://schemas.microsoft.com/office/drawing/2014/main" id="{3B24A628-35E1-4248-B826-ED752BD38462}"/>
+                    </a:ext>
+                  </a:extLst>
+                </p:cNvPr>
+                <p:cNvSpPr/>
+                <p:nvPr/>
+              </p:nvSpPr>
+              <p:spPr>
+                <a:xfrm>
+                  <a:off x="6302687" y="1935265"/>
+                  <a:ext cx="502023" cy="478482"/>
+                </a:xfrm>
+                <a:prstGeom prst="rect">
+                  <a:avLst/>
+                </a:prstGeom>
+                <a:solidFill>
+                  <a:schemeClr val="bg1">
+                    <a:lumMod val="95000"/>
+                  </a:schemeClr>
+                </a:solidFill>
+                <a:ln w="38100">
+                  <a:solidFill>
+                    <a:schemeClr val="tx1"/>
+                  </a:solidFill>
+                </a:ln>
+              </p:spPr>
+              <p:style>
+                <a:lnRef idx="2">
+                  <a:schemeClr val="accent1">
+                    <a:shade val="50000"/>
+                  </a:schemeClr>
+                </a:lnRef>
+                <a:fillRef idx="1">
+                  <a:schemeClr val="accent1"/>
+                </a:fillRef>
+                <a:effectRef idx="0">
+                  <a:schemeClr val="accent1"/>
+                </a:effectRef>
+                <a:fontRef idx="minor">
+                  <a:schemeClr val="lt1"/>
+                </a:fontRef>
+              </p:style>
+              <p:txBody>
+                <a:bodyPr rtlCol="0" anchor="ctr"/>
+                <a:lstStyle/>
+                <a:p>
+                  <a:pPr algn="ctr"/>
+                  <a:endParaRPr lang="en-US" altLang="ko-KR" dirty="0">
+                    <a:solidFill>
+                      <a:schemeClr val="tx1"/>
+                    </a:solidFill>
+                  </a:endParaRPr>
+                </a:p>
+              </p:txBody>
+            </p:sp>
+          </p:grpSp>
+        </p:grpSp>
+        <p:grpSp>
+          <p:nvGrpSpPr>
+            <p:cNvPr id="59" name="그룹 58">
+              <a:extLst>
+                <a:ext uri="{FF2B5EF4-FFF2-40B4-BE49-F238E27FC236}">
+                  <a16:creationId xmlns:a16="http://schemas.microsoft.com/office/drawing/2014/main" id="{DE801608-4B5F-4980-BD99-1D753EC054AB}"/>
+                </a:ext>
+              </a:extLst>
+            </p:cNvPr>
+            <p:cNvGrpSpPr/>
+            <p:nvPr/>
+          </p:nvGrpSpPr>
+          <p:grpSpPr>
+            <a:xfrm>
+              <a:off x="6732992" y="2894395"/>
+              <a:ext cx="2008092" cy="956964"/>
+              <a:chOff x="4788148" y="1456783"/>
+              <a:chExt cx="2008092" cy="956964"/>
+            </a:xfrm>
+          </p:grpSpPr>
+          <p:sp>
+            <p:nvSpPr>
+              <p:cNvPr id="60" name="직사각형 59">
+                <a:extLst>
+                  <a:ext uri="{FF2B5EF4-FFF2-40B4-BE49-F238E27FC236}">
+                    <a16:creationId xmlns:a16="http://schemas.microsoft.com/office/drawing/2014/main" id="{CD7AD86C-CED0-4DEA-830E-5D0392BF1BD6}"/>
+                  </a:ext>
+                </a:extLst>
+              </p:cNvPr>
+              <p:cNvSpPr/>
+              <p:nvPr/>
+            </p:nvSpPr>
+            <p:spPr>
+              <a:xfrm>
+                <a:off x="4788148" y="1935265"/>
+                <a:ext cx="502023" cy="478482"/>
+              </a:xfrm>
+              <a:prstGeom prst="rect">
+                <a:avLst/>
+              </a:prstGeom>
+              <a:solidFill>
+                <a:schemeClr val="bg1">
+                  <a:lumMod val="95000"/>
+                </a:schemeClr>
+              </a:solidFill>
+              <a:ln w="38100">
+                <a:solidFill>
+                  <a:schemeClr val="tx1"/>
+                </a:solidFill>
+              </a:ln>
+            </p:spPr>
+            <p:style>
+              <a:lnRef idx="2">
+                <a:schemeClr val="accent1">
+                  <a:shade val="50000"/>
+                </a:schemeClr>
+              </a:lnRef>
+              <a:fillRef idx="1">
+                <a:schemeClr val="accent1"/>
+              </a:fillRef>
+              <a:effectRef idx="0">
+                <a:schemeClr val="accent1"/>
+              </a:effectRef>
+              <a:fontRef idx="minor">
+                <a:schemeClr val="lt1"/>
+              </a:fontRef>
+            </p:style>
+            <p:txBody>
+              <a:bodyPr rtlCol="0" anchor="ctr"/>
+              <a:lstStyle/>
+              <a:p>
+                <a:pPr algn="ctr"/>
+                <a:endParaRPr lang="en-US" altLang="ko-KR" dirty="0">
+                  <a:solidFill>
+                    <a:schemeClr val="tx1"/>
+                  </a:solidFill>
+                </a:endParaRPr>
+              </a:p>
+            </p:txBody>
+          </p:sp>
+          <p:grpSp>
+            <p:nvGrpSpPr>
+              <p:cNvPr id="61" name="그룹 60">
+                <a:extLst>
+                  <a:ext uri="{FF2B5EF4-FFF2-40B4-BE49-F238E27FC236}">
+                    <a16:creationId xmlns:a16="http://schemas.microsoft.com/office/drawing/2014/main" id="{BD2A6507-ED25-4AFF-B9A3-38A5C7F8E01B}"/>
+                  </a:ext>
+                </a:extLst>
+              </p:cNvPr>
+              <p:cNvGrpSpPr/>
+              <p:nvPr/>
+            </p:nvGrpSpPr>
+            <p:grpSpPr>
+              <a:xfrm>
+                <a:off x="4788148" y="1456783"/>
+                <a:ext cx="2008092" cy="956964"/>
+                <a:chOff x="4788148" y="1456783"/>
+                <a:chExt cx="2008092" cy="956964"/>
+              </a:xfrm>
+            </p:grpSpPr>
+            <p:sp>
+              <p:nvSpPr>
+                <p:cNvPr id="62" name="직사각형 61">
+                  <a:extLst>
+                    <a:ext uri="{FF2B5EF4-FFF2-40B4-BE49-F238E27FC236}">
+                      <a16:creationId xmlns:a16="http://schemas.microsoft.com/office/drawing/2014/main" id="{EBDF87CC-F2BC-4BC1-8661-EE9F794792E3}"/>
+                    </a:ext>
+                  </a:extLst>
+                </p:cNvPr>
+                <p:cNvSpPr/>
+                <p:nvPr/>
+              </p:nvSpPr>
+              <p:spPr>
+                <a:xfrm>
+                  <a:off x="4788148" y="1456783"/>
+                  <a:ext cx="502023" cy="478482"/>
+                </a:xfrm>
+                <a:prstGeom prst="rect">
+                  <a:avLst/>
+                </a:prstGeom>
+                <a:solidFill>
+                  <a:schemeClr val="bg1">
+                    <a:lumMod val="95000"/>
+                  </a:schemeClr>
+                </a:solidFill>
+                <a:ln w="38100">
+                  <a:solidFill>
+                    <a:schemeClr val="tx1"/>
+                  </a:solidFill>
+                </a:ln>
+              </p:spPr>
+              <p:style>
+                <a:lnRef idx="2">
+                  <a:schemeClr val="accent1">
+                    <a:shade val="50000"/>
+                  </a:schemeClr>
+                </a:lnRef>
+                <a:fillRef idx="1">
+                  <a:schemeClr val="accent1"/>
+                </a:fillRef>
+                <a:effectRef idx="0">
+                  <a:schemeClr val="accent1"/>
+                </a:effectRef>
+                <a:fontRef idx="minor">
+                  <a:schemeClr val="lt1"/>
+                </a:fontRef>
+              </p:style>
+              <p:txBody>
+                <a:bodyPr rtlCol="0" anchor="ctr"/>
+                <a:lstStyle/>
+                <a:p>
+                  <a:pPr algn="ctr"/>
+                  <a:endParaRPr lang="en-US" altLang="ko-KR" dirty="0">
+                    <a:solidFill>
+                      <a:schemeClr val="tx1"/>
+                    </a:solidFill>
+                  </a:endParaRPr>
+                </a:p>
+              </p:txBody>
+            </p:sp>
+            <p:sp>
+              <p:nvSpPr>
+                <p:cNvPr id="63" name="직사각형 62">
+                  <a:extLst>
+                    <a:ext uri="{FF2B5EF4-FFF2-40B4-BE49-F238E27FC236}">
+                      <a16:creationId xmlns:a16="http://schemas.microsoft.com/office/drawing/2014/main" id="{E587D916-5F3D-40E0-91A4-C58A65C2E05D}"/>
+                    </a:ext>
+                  </a:extLst>
+                </p:cNvPr>
+                <p:cNvSpPr/>
+                <p:nvPr/>
+              </p:nvSpPr>
+              <p:spPr>
+                <a:xfrm>
+                  <a:off x="5290171" y="1456783"/>
+                  <a:ext cx="502023" cy="478482"/>
+                </a:xfrm>
+                <a:prstGeom prst="rect">
+                  <a:avLst/>
+                </a:prstGeom>
+                <a:solidFill>
+                  <a:schemeClr val="bg1">
+                    <a:lumMod val="95000"/>
+                  </a:schemeClr>
+                </a:solidFill>
+                <a:ln w="38100">
+                  <a:solidFill>
+                    <a:schemeClr val="tx1"/>
+                  </a:solidFill>
+                </a:ln>
+              </p:spPr>
+              <p:style>
+                <a:lnRef idx="2">
+                  <a:schemeClr val="accent1">
+                    <a:shade val="50000"/>
+                  </a:schemeClr>
+                </a:lnRef>
+                <a:fillRef idx="1">
+                  <a:schemeClr val="accent1"/>
+                </a:fillRef>
+                <a:effectRef idx="0">
+                  <a:schemeClr val="accent1"/>
+                </a:effectRef>
+                <a:fontRef idx="minor">
+                  <a:schemeClr val="lt1"/>
+                </a:fontRef>
+              </p:style>
+              <p:txBody>
+                <a:bodyPr rtlCol="0" anchor="ctr"/>
+                <a:lstStyle/>
+                <a:p>
+                  <a:pPr algn="ctr"/>
+                  <a:endParaRPr lang="en-US" altLang="ko-KR" dirty="0">
+                    <a:solidFill>
+                      <a:schemeClr val="tx1"/>
+                    </a:solidFill>
+                  </a:endParaRPr>
+                </a:p>
+              </p:txBody>
+            </p:sp>
+            <p:sp>
+              <p:nvSpPr>
+                <p:cNvPr id="64" name="직사각형 63">
+                  <a:extLst>
+                    <a:ext uri="{FF2B5EF4-FFF2-40B4-BE49-F238E27FC236}">
+                      <a16:creationId xmlns:a16="http://schemas.microsoft.com/office/drawing/2014/main" id="{E48BEC0C-EB31-4561-862D-285710D7D32E}"/>
+                    </a:ext>
+                  </a:extLst>
+                </p:cNvPr>
+                <p:cNvSpPr/>
+                <p:nvPr/>
+              </p:nvSpPr>
+              <p:spPr>
+                <a:xfrm>
+                  <a:off x="5290171" y="1935265"/>
+                  <a:ext cx="502023" cy="478482"/>
+                </a:xfrm>
+                <a:prstGeom prst="rect">
+                  <a:avLst/>
+                </a:prstGeom>
+                <a:solidFill>
+                  <a:schemeClr val="bg1">
+                    <a:lumMod val="95000"/>
+                  </a:schemeClr>
+                </a:solidFill>
+                <a:ln w="38100">
+                  <a:solidFill>
+                    <a:schemeClr val="tx1"/>
+                  </a:solidFill>
+                </a:ln>
+              </p:spPr>
+              <p:style>
+                <a:lnRef idx="2">
+                  <a:schemeClr val="accent1">
+                    <a:shade val="50000"/>
+                  </a:schemeClr>
+                </a:lnRef>
+                <a:fillRef idx="1">
+                  <a:schemeClr val="accent1"/>
+                </a:fillRef>
+                <a:effectRef idx="0">
+                  <a:schemeClr val="accent1"/>
+                </a:effectRef>
+                <a:fontRef idx="minor">
+                  <a:schemeClr val="lt1"/>
+                </a:fontRef>
+              </p:style>
+              <p:txBody>
+                <a:bodyPr rtlCol="0" anchor="ctr"/>
+                <a:lstStyle/>
+                <a:p>
+                  <a:pPr algn="ctr"/>
+                  <a:endParaRPr lang="en-US" altLang="ko-KR" dirty="0">
+                    <a:solidFill>
+                      <a:schemeClr val="tx1"/>
+                    </a:solidFill>
+                  </a:endParaRPr>
+                </a:p>
+              </p:txBody>
+            </p:sp>
+            <p:sp>
+              <p:nvSpPr>
+                <p:cNvPr id="65" name="직사각형 64">
+                  <a:extLst>
+                    <a:ext uri="{FF2B5EF4-FFF2-40B4-BE49-F238E27FC236}">
+                      <a16:creationId xmlns:a16="http://schemas.microsoft.com/office/drawing/2014/main" id="{8F03E90F-1373-45B0-AB13-5F40CA9D3C89}"/>
+                    </a:ext>
+                  </a:extLst>
+                </p:cNvPr>
+                <p:cNvSpPr/>
+                <p:nvPr/>
+              </p:nvSpPr>
+              <p:spPr>
+                <a:xfrm>
+                  <a:off x="5792194" y="1456783"/>
+                  <a:ext cx="502023" cy="478482"/>
+                </a:xfrm>
+                <a:prstGeom prst="rect">
+                  <a:avLst/>
+                </a:prstGeom>
+                <a:solidFill>
+                  <a:schemeClr val="bg1">
+                    <a:lumMod val="95000"/>
+                  </a:schemeClr>
+                </a:solidFill>
+                <a:ln w="38100">
+                  <a:solidFill>
+                    <a:schemeClr val="tx1"/>
+                  </a:solidFill>
+                </a:ln>
+              </p:spPr>
+              <p:style>
+                <a:lnRef idx="2">
+                  <a:schemeClr val="accent1">
+                    <a:shade val="50000"/>
+                  </a:schemeClr>
+                </a:lnRef>
+                <a:fillRef idx="1">
+                  <a:schemeClr val="accent1"/>
+                </a:fillRef>
+                <a:effectRef idx="0">
+                  <a:schemeClr val="accent1"/>
+                </a:effectRef>
+                <a:fontRef idx="minor">
+                  <a:schemeClr val="lt1"/>
+                </a:fontRef>
+              </p:style>
+              <p:txBody>
+                <a:bodyPr rtlCol="0" anchor="ctr"/>
+                <a:lstStyle/>
+                <a:p>
+                  <a:pPr algn="ctr"/>
+                  <a:endParaRPr lang="en-US" altLang="ko-KR" dirty="0">
+                    <a:solidFill>
+                      <a:schemeClr val="tx1"/>
+                    </a:solidFill>
+                  </a:endParaRPr>
+                </a:p>
+              </p:txBody>
+            </p:sp>
+            <p:sp>
+              <p:nvSpPr>
+                <p:cNvPr id="66" name="직사각형 65">
+                  <a:extLst>
+                    <a:ext uri="{FF2B5EF4-FFF2-40B4-BE49-F238E27FC236}">
+                      <a16:creationId xmlns:a16="http://schemas.microsoft.com/office/drawing/2014/main" id="{6815DCC4-9FCD-45A3-A19D-91E60E7E5CCD}"/>
+                    </a:ext>
+                  </a:extLst>
+                </p:cNvPr>
+                <p:cNvSpPr/>
+                <p:nvPr/>
+              </p:nvSpPr>
+              <p:spPr>
+                <a:xfrm>
+                  <a:off x="6294217" y="1456783"/>
+                  <a:ext cx="502023" cy="478482"/>
+                </a:xfrm>
+                <a:prstGeom prst="rect">
+                  <a:avLst/>
+                </a:prstGeom>
+                <a:solidFill>
+                  <a:schemeClr val="bg1">
+                    <a:lumMod val="95000"/>
+                  </a:schemeClr>
+                </a:solidFill>
+                <a:ln w="38100">
+                  <a:solidFill>
+                    <a:schemeClr val="tx1"/>
+                  </a:solidFill>
+                </a:ln>
+              </p:spPr>
+              <p:style>
+                <a:lnRef idx="2">
+                  <a:schemeClr val="accent1">
+                    <a:shade val="50000"/>
+                  </a:schemeClr>
+                </a:lnRef>
+                <a:fillRef idx="1">
+                  <a:schemeClr val="accent1"/>
+                </a:fillRef>
+                <a:effectRef idx="0">
+                  <a:schemeClr val="accent1"/>
+                </a:effectRef>
+                <a:fontRef idx="minor">
+                  <a:schemeClr val="lt1"/>
+                </a:fontRef>
+              </p:style>
+              <p:txBody>
+                <a:bodyPr rtlCol="0" anchor="ctr"/>
+                <a:lstStyle/>
+                <a:p>
+                  <a:pPr algn="ctr"/>
+                  <a:endParaRPr lang="en-US" altLang="ko-KR" dirty="0">
+                    <a:solidFill>
+                      <a:schemeClr val="tx1"/>
+                    </a:solidFill>
+                  </a:endParaRPr>
+                </a:p>
+              </p:txBody>
+            </p:sp>
+            <p:sp>
+              <p:nvSpPr>
+                <p:cNvPr id="67" name="직사각형 66">
+                  <a:extLst>
+                    <a:ext uri="{FF2B5EF4-FFF2-40B4-BE49-F238E27FC236}">
+                      <a16:creationId xmlns:a16="http://schemas.microsoft.com/office/drawing/2014/main" id="{0992BC57-BFF7-49C8-B381-10EBE00A14BC}"/>
+                    </a:ext>
+                  </a:extLst>
+                </p:cNvPr>
+                <p:cNvSpPr/>
+                <p:nvPr/>
+              </p:nvSpPr>
+              <p:spPr>
+                <a:xfrm>
+                  <a:off x="5792194" y="1935265"/>
+                  <a:ext cx="502023" cy="478482"/>
+                </a:xfrm>
+                <a:prstGeom prst="rect">
+                  <a:avLst/>
+                </a:prstGeom>
+                <a:solidFill>
+                  <a:schemeClr val="bg1">
+                    <a:lumMod val="95000"/>
+                  </a:schemeClr>
+                </a:solidFill>
+                <a:ln w="38100">
+                  <a:solidFill>
+                    <a:schemeClr val="tx1"/>
+                  </a:solidFill>
+                </a:ln>
+              </p:spPr>
+              <p:style>
+                <a:lnRef idx="2">
+                  <a:schemeClr val="accent1">
+                    <a:shade val="50000"/>
+                  </a:schemeClr>
+                </a:lnRef>
+                <a:fillRef idx="1">
+                  <a:schemeClr val="accent1"/>
+                </a:fillRef>
+                <a:effectRef idx="0">
+                  <a:schemeClr val="accent1"/>
+                </a:effectRef>
+                <a:fontRef idx="minor">
+                  <a:schemeClr val="lt1"/>
+                </a:fontRef>
+              </p:style>
+              <p:txBody>
+                <a:bodyPr rtlCol="0" anchor="ctr"/>
+                <a:lstStyle/>
+                <a:p>
+                  <a:pPr algn="ctr"/>
+                  <a:endParaRPr lang="en-US" altLang="ko-KR" dirty="0">
+                    <a:solidFill>
+                      <a:schemeClr val="tx1"/>
+                    </a:solidFill>
+                  </a:endParaRPr>
+                </a:p>
+              </p:txBody>
+            </p:sp>
+            <p:sp>
+              <p:nvSpPr>
+                <p:cNvPr id="68" name="직사각형 67">
+                  <a:extLst>
+                    <a:ext uri="{FF2B5EF4-FFF2-40B4-BE49-F238E27FC236}">
+                      <a16:creationId xmlns:a16="http://schemas.microsoft.com/office/drawing/2014/main" id="{D823F2E8-B2D4-4B61-A82B-9BD70AA286BB}"/>
+                    </a:ext>
+                  </a:extLst>
+                </p:cNvPr>
+                <p:cNvSpPr/>
+                <p:nvPr/>
+              </p:nvSpPr>
+              <p:spPr>
+                <a:xfrm>
+                  <a:off x="6294217" y="1935265"/>
+                  <a:ext cx="502023" cy="478482"/>
+                </a:xfrm>
+                <a:prstGeom prst="rect">
+                  <a:avLst/>
+                </a:prstGeom>
+                <a:solidFill>
+                  <a:schemeClr val="bg1">
+                    <a:lumMod val="95000"/>
+                  </a:schemeClr>
+                </a:solidFill>
+                <a:ln w="38100">
+                  <a:solidFill>
+                    <a:schemeClr val="tx1"/>
+                  </a:solidFill>
+                </a:ln>
+              </p:spPr>
+              <p:style>
+                <a:lnRef idx="2">
+                  <a:schemeClr val="accent1">
+                    <a:shade val="50000"/>
+                  </a:schemeClr>
+                </a:lnRef>
+                <a:fillRef idx="1">
+                  <a:schemeClr val="accent1"/>
+                </a:fillRef>
+                <a:effectRef idx="0">
+                  <a:schemeClr val="accent1"/>
+                </a:effectRef>
+                <a:fontRef idx="minor">
+                  <a:schemeClr val="lt1"/>
+                </a:fontRef>
+              </p:style>
+              <p:txBody>
+                <a:bodyPr rtlCol="0" anchor="ctr"/>
+                <a:lstStyle/>
+                <a:p>
+                  <a:pPr algn="ctr"/>
+                  <a:endParaRPr lang="en-US" altLang="ko-KR" dirty="0">
+                    <a:solidFill>
+                      <a:schemeClr val="tx1"/>
+                    </a:solidFill>
+                  </a:endParaRPr>
+                </a:p>
+              </p:txBody>
+            </p:sp>
+          </p:grpSp>
+        </p:grpSp>
+      </p:grpSp>
+      <p:sp>
+        <p:nvSpPr>
+          <p:cNvPr id="72" name="직사각형 71">
+            <a:extLst>
+              <a:ext uri="{FF2B5EF4-FFF2-40B4-BE49-F238E27FC236}">
+                <a16:creationId xmlns:a16="http://schemas.microsoft.com/office/drawing/2014/main" id="{34BCE31A-38E9-4555-A2D4-711C5E5F4898}"/>
+              </a:ext>
+            </a:extLst>
+          </p:cNvPr>
+          <p:cNvSpPr/>
+          <p:nvPr/>
+        </p:nvSpPr>
+        <p:spPr>
+          <a:xfrm>
+            <a:off x="8409390" y="1739792"/>
+            <a:ext cx="3238186" cy="3432351"/>
+          </a:xfrm>
+          <a:prstGeom prst="rect">
+            <a:avLst/>
+          </a:prstGeom>
+          <a:solidFill>
+            <a:schemeClr val="bg1">
+              <a:lumMod val="95000"/>
+            </a:schemeClr>
+          </a:solidFill>
+          <a:ln w="38100">
+            <a:solidFill>
+              <a:schemeClr val="tx1"/>
+            </a:solidFill>
+          </a:ln>
+        </p:spPr>
+        <p:style>
+          <a:lnRef idx="2">
+            <a:schemeClr val="accent1">
+              <a:shade val="50000"/>
+            </a:schemeClr>
+          </a:lnRef>
+          <a:fillRef idx="1">
+            <a:schemeClr val="accent1"/>
+          </a:fillRef>
+          <a:effectRef idx="0">
+            <a:schemeClr val="accent1"/>
+          </a:effectRef>
+          <a:fontRef idx="minor">
+            <a:schemeClr val="lt1"/>
+          </a:fontRef>
+        </p:style>
+        <p:txBody>
+          <a:bodyPr rtlCol="0" anchor="ctr"/>
+          <a:lstStyle/>
+          <a:p>
+            <a:pPr algn="ctr"/>
+            <a:r>
+              <a:rPr lang="ko-KR" altLang="en-US" dirty="0">
+                <a:solidFill>
+                  <a:schemeClr val="tx1"/>
+                </a:solidFill>
+              </a:rPr>
+              <a:t>타일을 클릭하면 이렇게 개발 가능한 목록이 뜸</a:t>
+            </a:r>
+            <a:endParaRPr lang="en-US" altLang="ko-KR" dirty="0">
+              <a:solidFill>
+                <a:schemeClr val="tx1"/>
+              </a:solidFill>
+            </a:endParaRPr>
+          </a:p>
+        </p:txBody>
+      </p:sp>
+    </p:spTree>
+    <p:extLst>
+      <p:ext uri="{BB962C8B-B14F-4D97-AF65-F5344CB8AC3E}">
+        <p14:creationId xmlns:p14="http://schemas.microsoft.com/office/powerpoint/2010/main" val="2994809537"/>
+      </p:ext>
+    </p:extLst>
+  </p:cSld>
+  <p:clrMapOvr>
+    <a:masterClrMapping/>
+  </p:clrMapOvr>
+</p:sld>
+</file>
+
 <file path=ppt/theme/theme1.xml><?xml version="1.0" encoding="utf-8"?>
 <a:theme xmlns:a="http://schemas.openxmlformats.org/drawingml/2006/main" name="Office 테마">
   <a:themeElements>
